--- a/styleguide/Jibres-brand-styleguide.pptx
+++ b/styleguide/Jibres-brand-styleguide.pptx
@@ -244,7 +244,7 @@
           <a:p>
             <a:fld id="{6C0DDEB0-B030-4B93-828E-484F5FD06683}" type="datetimeFigureOut">
               <a:rPr lang="en-US" smtClean="0"/>
-              <a:t>11/10/2019</a:t>
+              <a:t>11/17/2019</a:t>
             </a:fld>
             <a:endParaRPr lang="en-US"/>
           </a:p>
@@ -540,12 +540,12 @@
         </p:nvSpPr>
         <p:spPr>
           <a:xfrm>
-            <a:off x="1059679" y="1273324"/>
+            <a:off x="1059679" y="1797199"/>
             <a:ext cx="3712346" cy="700348"/>
           </a:xfrm>
         </p:spPr>
         <p:txBody>
-          <a:bodyPr anchor="t">
+          <a:bodyPr anchor="b">
             <a:noAutofit/>
           </a:bodyPr>
           <a:lstStyle>
@@ -634,8 +634,8 @@
         </p:nvSpPr>
         <p:spPr>
           <a:xfrm>
-            <a:off x="1059679" y="2057400"/>
-            <a:ext cx="3712346" cy="3779378"/>
+            <a:off x="1059679" y="2619376"/>
+            <a:ext cx="3712346" cy="2686050"/>
           </a:xfrm>
         </p:spPr>
         <p:txBody>
@@ -753,14 +753,6 @@
 <file path=ppt/slideLayouts/slideLayout10.xml><?xml version="1.0" encoding="utf-8"?>
 <p:sldLayout xmlns:a="http://schemas.openxmlformats.org/drawingml/2006/main" xmlns:r="http://schemas.openxmlformats.org/officeDocument/2006/relationships" xmlns:p="http://schemas.openxmlformats.org/presentationml/2006/main" preserve="1" userDrawn="1">
   <p:cSld name="Intro">
-    <p:bg>
-      <p:bgPr>
-        <a:solidFill>
-          <a:srgbClr val="FFD600"/>
-        </a:solidFill>
-        <a:effectLst/>
-      </p:bgPr>
-    </p:bg>
     <p:spTree>
       <p:nvGrpSpPr>
         <p:cNvPr id="1" name=""/>
@@ -810,7 +802,7 @@
                   <a:noFill/>
                 </a:ln>
                 <a:solidFill>
-                  <a:schemeClr val="bg1"/>
+                  <a:schemeClr val="tx1"/>
                 </a:solidFill>
                 <a:latin typeface="Acre Medium" panose="00000600000000000000" pitchFamily="50" charset="0"/>
               </a:rPr>
@@ -821,7 +813,7 @@
                 <a:noFill/>
               </a:ln>
               <a:solidFill>
-                <a:schemeClr val="bg1"/>
+                <a:schemeClr val="tx1"/>
               </a:solidFill>
               <a:latin typeface="Acre Medium" panose="00000600000000000000" pitchFamily="50" charset="0"/>
             </a:endParaRPr>
@@ -2051,7 +2043,7 @@
     <p:bg>
       <p:bgPr>
         <a:solidFill>
-          <a:srgbClr val="7030A0"/>
+          <a:srgbClr val="FE0002"/>
         </a:solidFill>
         <a:effectLst/>
       </p:bgPr>
@@ -2100,6 +2092,52 @@
           </a:prstGeom>
         </p:spPr>
       </p:pic>
+      <p:sp>
+        <p:nvSpPr>
+          <p:cNvPr id="4" name="TextBox 3">
+            <a:extLst>
+              <a:ext uri="{FF2B5EF4-FFF2-40B4-BE49-F238E27FC236}">
+                <a16:creationId xmlns:a16="http://schemas.microsoft.com/office/drawing/2014/main" id="{E8C4DBA6-C771-4A9D-AAFB-79C5F9DCE417}"/>
+              </a:ext>
+            </a:extLst>
+          </p:cNvPr>
+          <p:cNvSpPr txBox="1"/>
+          <p:nvPr userDrawn="1"/>
+        </p:nvSpPr>
+        <p:spPr>
+          <a:xfrm>
+            <a:off x="4624522" y="1981200"/>
+            <a:ext cx="5772150" cy="2646878"/>
+          </a:xfrm>
+          <a:prstGeom prst="rect">
+            <a:avLst/>
+          </a:prstGeom>
+          <a:noFill/>
+        </p:spPr>
+        <p:txBody>
+          <a:bodyPr wrap="square" rtlCol="0">
+            <a:spAutoFit/>
+          </a:bodyPr>
+          <a:lstStyle/>
+          <a:p>
+            <a:r>
+              <a:rPr lang="en-US" sz="16600" dirty="0" err="1">
+                <a:solidFill>
+                  <a:schemeClr val="bg1"/>
+                </a:solidFill>
+                <a:latin typeface="Acre Medium" panose="00000600000000000000" pitchFamily="50" charset="0"/>
+              </a:rPr>
+              <a:t>JIbres</a:t>
+            </a:r>
+            <a:endParaRPr lang="en-US" sz="16600" dirty="0">
+              <a:solidFill>
+                <a:schemeClr val="bg1"/>
+              </a:solidFill>
+              <a:latin typeface="Acre Medium" panose="00000600000000000000" pitchFamily="50" charset="0"/>
+            </a:endParaRPr>
+          </a:p>
+        </p:txBody>
+      </p:sp>
     </p:spTree>
     <p:extLst>
       <p:ext uri="{BB962C8B-B14F-4D97-AF65-F5344CB8AC3E}">
@@ -3239,6 +3277,36 @@
           </a:p>
         </p:txBody>
       </p:sp>
+      <p:pic>
+        <p:nvPicPr>
+          <p:cNvPr id="4" name="Picture 3">
+            <a:extLst>
+              <a:ext uri="{FF2B5EF4-FFF2-40B4-BE49-F238E27FC236}">
+                <a16:creationId xmlns:a16="http://schemas.microsoft.com/office/drawing/2014/main" id="{BA8C4825-3DAD-4C80-A86B-AA4E12A187BD}"/>
+              </a:ext>
+            </a:extLst>
+          </p:cNvPr>
+          <p:cNvPicPr>
+            <a:picLocks noChangeAspect="1"/>
+          </p:cNvPicPr>
+          <p:nvPr/>
+        </p:nvPicPr>
+        <p:blipFill>
+          <a:blip r:embed="rId2"/>
+          <a:stretch>
+            <a:fillRect/>
+          </a:stretch>
+        </p:blipFill>
+        <p:spPr>
+          <a:xfrm>
+            <a:off x="5879338" y="2051349"/>
+            <a:ext cx="4039164" cy="3791479"/>
+          </a:xfrm>
+          <a:prstGeom prst="rect">
+            <a:avLst/>
+          </a:prstGeom>
+        </p:spPr>
+      </p:pic>
     </p:spTree>
     <p:extLst>
       <p:ext uri="{BB962C8B-B14F-4D97-AF65-F5344CB8AC3E}">
@@ -3321,7 +3389,9 @@
         </p:nvSpPr>
         <p:spPr/>
         <p:txBody>
-          <a:bodyPr/>
+          <a:bodyPr>
+            <a:normAutofit lnSpcReduction="10000"/>
+          </a:bodyPr>
           <a:lstStyle/>
           <a:p>
             <a:r>
@@ -3366,6 +3436,36 @@
           </a:p>
         </p:txBody>
       </p:sp>
+      <p:pic>
+        <p:nvPicPr>
+          <p:cNvPr id="4" name="Picture 3">
+            <a:extLst>
+              <a:ext uri="{FF2B5EF4-FFF2-40B4-BE49-F238E27FC236}">
+                <a16:creationId xmlns:a16="http://schemas.microsoft.com/office/drawing/2014/main" id="{EDDB0C94-AB7B-4C69-8601-D41B7F16F5F2}"/>
+              </a:ext>
+            </a:extLst>
+          </p:cNvPr>
+          <p:cNvPicPr>
+            <a:picLocks noChangeAspect="1"/>
+          </p:cNvPicPr>
+          <p:nvPr/>
+        </p:nvPicPr>
+        <p:blipFill>
+          <a:blip r:embed="rId2"/>
+          <a:stretch>
+            <a:fillRect/>
+          </a:stretch>
+        </p:blipFill>
+        <p:spPr>
+          <a:xfrm>
+            <a:off x="6386652" y="1973672"/>
+            <a:ext cx="3734321" cy="3734321"/>
+          </a:xfrm>
+          <a:prstGeom prst="rect">
+            <a:avLst/>
+          </a:prstGeom>
+        </p:spPr>
+      </p:pic>
     </p:spTree>
     <p:extLst>
       <p:ext uri="{BB962C8B-B14F-4D97-AF65-F5344CB8AC3E}">
@@ -3563,6 +3663,36 @@
           </a:p>
         </p:txBody>
       </p:sp>
+      <p:pic>
+        <p:nvPicPr>
+          <p:cNvPr id="4" name="Picture 3">
+            <a:extLst>
+              <a:ext uri="{FF2B5EF4-FFF2-40B4-BE49-F238E27FC236}">
+                <a16:creationId xmlns:a16="http://schemas.microsoft.com/office/drawing/2014/main" id="{4F64D2C3-3BE8-4B68-A19E-E0A04807D160}"/>
+              </a:ext>
+            </a:extLst>
+          </p:cNvPr>
+          <p:cNvPicPr>
+            <a:picLocks noChangeAspect="1"/>
+          </p:cNvPicPr>
+          <p:nvPr/>
+        </p:nvPicPr>
+        <p:blipFill>
+          <a:blip r:embed="rId2"/>
+          <a:stretch>
+            <a:fillRect/>
+          </a:stretch>
+        </p:blipFill>
+        <p:spPr>
+          <a:xfrm>
+            <a:off x="3763437" y="4352316"/>
+            <a:ext cx="3772426" cy="2276793"/>
+          </a:xfrm>
+          <a:prstGeom prst="rect">
+            <a:avLst/>
+          </a:prstGeom>
+        </p:spPr>
+      </p:pic>
     </p:spTree>
     <p:extLst>
       <p:ext uri="{BB962C8B-B14F-4D97-AF65-F5344CB8AC3E}">
@@ -3686,6 +3816,36 @@
           </a:p>
         </p:txBody>
       </p:sp>
+      <p:pic>
+        <p:nvPicPr>
+          <p:cNvPr id="4" name="Picture 3">
+            <a:extLst>
+              <a:ext uri="{FF2B5EF4-FFF2-40B4-BE49-F238E27FC236}">
+                <a16:creationId xmlns:a16="http://schemas.microsoft.com/office/drawing/2014/main" id="{EFD15EDE-FA83-4B92-B1B4-8D1045DD21FC}"/>
+              </a:ext>
+            </a:extLst>
+          </p:cNvPr>
+          <p:cNvPicPr>
+            <a:picLocks noChangeAspect="1"/>
+          </p:cNvPicPr>
+          <p:nvPr/>
+        </p:nvPicPr>
+        <p:blipFill>
+          <a:blip r:embed="rId2"/>
+          <a:stretch>
+            <a:fillRect/>
+          </a:stretch>
+        </p:blipFill>
+        <p:spPr>
+          <a:xfrm>
+            <a:off x="4895499" y="1137891"/>
+            <a:ext cx="5048955" cy="4982270"/>
+          </a:xfrm>
+          <a:prstGeom prst="rect">
+            <a:avLst/>
+          </a:prstGeom>
+        </p:spPr>
+      </p:pic>
     </p:spTree>
     <p:extLst>
       <p:ext uri="{BB962C8B-B14F-4D97-AF65-F5344CB8AC3E}">
@@ -3904,6 +4064,36 @@
           </a:p>
         </p:txBody>
       </p:sp>
+      <p:pic>
+        <p:nvPicPr>
+          <p:cNvPr id="10" name="Picture 9">
+            <a:extLst>
+              <a:ext uri="{FF2B5EF4-FFF2-40B4-BE49-F238E27FC236}">
+                <a16:creationId xmlns:a16="http://schemas.microsoft.com/office/drawing/2014/main" id="{A3CCF8DA-7044-4723-B5FB-1653EE760E61}"/>
+              </a:ext>
+            </a:extLst>
+          </p:cNvPr>
+          <p:cNvPicPr>
+            <a:picLocks noChangeAspect="1"/>
+          </p:cNvPicPr>
+          <p:nvPr/>
+        </p:nvPicPr>
+        <p:blipFill>
+          <a:blip r:embed="rId2"/>
+          <a:stretch>
+            <a:fillRect/>
+          </a:stretch>
+        </p:blipFill>
+        <p:spPr>
+          <a:xfrm>
+            <a:off x="6026033" y="2431933"/>
+            <a:ext cx="4677428" cy="2314898"/>
+          </a:xfrm>
+          <a:prstGeom prst="rect">
+            <a:avLst/>
+          </a:prstGeom>
+        </p:spPr>
+      </p:pic>
     </p:spTree>
     <p:extLst>
       <p:ext uri="{BB962C8B-B14F-4D97-AF65-F5344CB8AC3E}">
@@ -4019,6 +4209,36 @@
           </a:p>
         </p:txBody>
       </p:sp>
+      <p:pic>
+        <p:nvPicPr>
+          <p:cNvPr id="4" name="Picture 3">
+            <a:extLst>
+              <a:ext uri="{FF2B5EF4-FFF2-40B4-BE49-F238E27FC236}">
+                <a16:creationId xmlns:a16="http://schemas.microsoft.com/office/drawing/2014/main" id="{B56F5D9E-69A8-451F-BD21-1591030A77F2}"/>
+              </a:ext>
+            </a:extLst>
+          </p:cNvPr>
+          <p:cNvPicPr>
+            <a:picLocks noChangeAspect="1"/>
+          </p:cNvPicPr>
+          <p:nvPr/>
+        </p:nvPicPr>
+        <p:blipFill>
+          <a:blip r:embed="rId2"/>
+          <a:stretch>
+            <a:fillRect/>
+          </a:stretch>
+        </p:blipFill>
+        <p:spPr>
+          <a:xfrm>
+            <a:off x="5981783" y="2321400"/>
+            <a:ext cx="4544059" cy="2629267"/>
+          </a:xfrm>
+          <a:prstGeom prst="rect">
+            <a:avLst/>
+          </a:prstGeom>
+        </p:spPr>
+      </p:pic>
     </p:spTree>
     <p:extLst>
       <p:ext uri="{BB962C8B-B14F-4D97-AF65-F5344CB8AC3E}">
@@ -4134,6 +4354,36 @@
           </a:p>
         </p:txBody>
       </p:sp>
+      <p:pic>
+        <p:nvPicPr>
+          <p:cNvPr id="4" name="Picture 3">
+            <a:extLst>
+              <a:ext uri="{FF2B5EF4-FFF2-40B4-BE49-F238E27FC236}">
+                <a16:creationId xmlns:a16="http://schemas.microsoft.com/office/drawing/2014/main" id="{F337951F-E5A2-4FD0-8B5B-238593558186}"/>
+              </a:ext>
+            </a:extLst>
+          </p:cNvPr>
+          <p:cNvPicPr>
+            <a:picLocks noChangeAspect="1"/>
+          </p:cNvPicPr>
+          <p:nvPr/>
+        </p:nvPicPr>
+        <p:blipFill>
+          <a:blip r:embed="rId2"/>
+          <a:stretch>
+            <a:fillRect/>
+          </a:stretch>
+        </p:blipFill>
+        <p:spPr>
+          <a:xfrm>
+            <a:off x="6363799" y="2271597"/>
+            <a:ext cx="3553321" cy="2953162"/>
+          </a:xfrm>
+          <a:prstGeom prst="rect">
+            <a:avLst/>
+          </a:prstGeom>
+        </p:spPr>
+      </p:pic>
     </p:spTree>
     <p:extLst>
       <p:ext uri="{BB962C8B-B14F-4D97-AF65-F5344CB8AC3E}">
@@ -4176,7 +4426,7 @@
         </p:nvSpPr>
         <p:spPr/>
         <p:txBody>
-          <a:bodyPr/>
+          <a:bodyPr anchor="b"/>
           <a:lstStyle/>
           <a:p>
             <a:r>
@@ -4186,24 +4436,41 @@
           </a:p>
         </p:txBody>
       </p:sp>
-      <p:sp>
-        <p:nvSpPr>
-          <p:cNvPr id="6" name="Picture Placeholder 5">
+      <p:pic>
+        <p:nvPicPr>
+          <p:cNvPr id="8" name="Picture Placeholder 7">
             <a:extLst>
               <a:ext uri="{FF2B5EF4-FFF2-40B4-BE49-F238E27FC236}">
-                <a16:creationId xmlns:a16="http://schemas.microsoft.com/office/drawing/2014/main" id="{42307935-FA56-4641-849A-694A5BF05588}"/>
+                <a16:creationId xmlns:a16="http://schemas.microsoft.com/office/drawing/2014/main" id="{23E56A5E-A803-4D49-9C9D-70D4CA9FFAC0}"/>
               </a:ext>
             </a:extLst>
           </p:cNvPr>
-          <p:cNvSpPr>
-            <a:spLocks noGrp="1"/>
-          </p:cNvSpPr>
+          <p:cNvPicPr>
+            <a:picLocks noGrp="1" noChangeAspect="1"/>
+          </p:cNvPicPr>
           <p:nvPr>
             <p:ph type="pic" idx="1"/>
           </p:nvPr>
-        </p:nvSpPr>
-        <p:spPr/>
-      </p:sp>
+        </p:nvPicPr>
+        <p:blipFill>
+          <a:blip r:embed="rId2" cstate="print">
+            <a:extLst>
+              <a:ext uri="{28A0092B-C50C-407E-A947-70E740481C1C}">
+                <a14:useLocalDpi xmlns:a14="http://schemas.microsoft.com/office/drawing/2010/main" val="0"/>
+              </a:ext>
+            </a:extLst>
+          </a:blip>
+          <a:srcRect t="10066" b="10066"/>
+          <a:stretch>
+            <a:fillRect/>
+          </a:stretch>
+        </p:blipFill>
+        <p:spPr>
+          <a:prstGeom prst="rect">
+            <a:avLst/>
+          </a:prstGeom>
+        </p:spPr>
+      </p:pic>
       <p:sp>
         <p:nvSpPr>
           <p:cNvPr id="3" name="Content Placeholder 2"/>
@@ -4378,6 +4645,36 @@
           </a:p>
         </p:txBody>
       </p:sp>
+      <p:pic>
+        <p:nvPicPr>
+          <p:cNvPr id="4" name="Picture 3">
+            <a:extLst>
+              <a:ext uri="{FF2B5EF4-FFF2-40B4-BE49-F238E27FC236}">
+                <a16:creationId xmlns:a16="http://schemas.microsoft.com/office/drawing/2014/main" id="{DC75354A-4C93-41D5-B2AF-E0D8497AE188}"/>
+              </a:ext>
+            </a:extLst>
+          </p:cNvPr>
+          <p:cNvPicPr>
+            <a:picLocks noChangeAspect="1"/>
+          </p:cNvPicPr>
+          <p:nvPr/>
+        </p:nvPicPr>
+        <p:blipFill>
+          <a:blip r:embed="rId2"/>
+          <a:stretch>
+            <a:fillRect/>
+          </a:stretch>
+        </p:blipFill>
+        <p:spPr>
+          <a:xfrm>
+            <a:off x="5778085" y="1206687"/>
+            <a:ext cx="5087060" cy="4582164"/>
+          </a:xfrm>
+          <a:prstGeom prst="rect">
+            <a:avLst/>
+          </a:prstGeom>
+        </p:spPr>
+      </p:pic>
     </p:spTree>
     <p:extLst>
       <p:ext uri="{BB962C8B-B14F-4D97-AF65-F5344CB8AC3E}">
@@ -4493,6 +4790,36 @@
           </a:p>
         </p:txBody>
       </p:sp>
+      <p:pic>
+        <p:nvPicPr>
+          <p:cNvPr id="4" name="Picture 3">
+            <a:extLst>
+              <a:ext uri="{FF2B5EF4-FFF2-40B4-BE49-F238E27FC236}">
+                <a16:creationId xmlns:a16="http://schemas.microsoft.com/office/drawing/2014/main" id="{B120546F-8D80-4660-9552-ACB13B52CEB9}"/>
+              </a:ext>
+            </a:extLst>
+          </p:cNvPr>
+          <p:cNvPicPr>
+            <a:picLocks noChangeAspect="1"/>
+          </p:cNvPicPr>
+          <p:nvPr/>
+        </p:nvPicPr>
+        <p:blipFill>
+          <a:blip r:embed="rId2"/>
+          <a:stretch>
+            <a:fillRect/>
+          </a:stretch>
+        </p:blipFill>
+        <p:spPr>
+          <a:xfrm>
+            <a:off x="6281726" y="1273324"/>
+            <a:ext cx="2734057" cy="4410691"/>
+          </a:xfrm>
+          <a:prstGeom prst="rect">
+            <a:avLst/>
+          </a:prstGeom>
+        </p:spPr>
+      </p:pic>
     </p:spTree>
     <p:extLst>
       <p:ext uri="{BB962C8B-B14F-4D97-AF65-F5344CB8AC3E}">
@@ -4638,6 +4965,36 @@
           </a:p>
         </p:txBody>
       </p:sp>
+      <p:pic>
+        <p:nvPicPr>
+          <p:cNvPr id="4" name="Picture 3">
+            <a:extLst>
+              <a:ext uri="{FF2B5EF4-FFF2-40B4-BE49-F238E27FC236}">
+                <a16:creationId xmlns:a16="http://schemas.microsoft.com/office/drawing/2014/main" id="{0736284D-063F-4918-A649-595F217F0ABB}"/>
+              </a:ext>
+            </a:extLst>
+          </p:cNvPr>
+          <p:cNvPicPr>
+            <a:picLocks noChangeAspect="1"/>
+          </p:cNvPicPr>
+          <p:nvPr/>
+        </p:nvPicPr>
+        <p:blipFill>
+          <a:blip r:embed="rId2"/>
+          <a:stretch>
+            <a:fillRect/>
+          </a:stretch>
+        </p:blipFill>
+        <p:spPr>
+          <a:xfrm>
+            <a:off x="3398904" y="3020712"/>
+            <a:ext cx="3772426" cy="3439005"/>
+          </a:xfrm>
+          <a:prstGeom prst="rect">
+            <a:avLst/>
+          </a:prstGeom>
+        </p:spPr>
+      </p:pic>
     </p:spTree>
     <p:extLst>
       <p:ext uri="{BB962C8B-B14F-4D97-AF65-F5344CB8AC3E}">

--- a/styleguide/Jibres-brand-styleguide.pptx
+++ b/styleguide/Jibres-brand-styleguide.pptx
@@ -244,7 +244,7 @@
           <a:p>
             <a:fld id="{6C0DDEB0-B030-4B93-828E-484F5FD06683}" type="datetimeFigureOut">
               <a:rPr lang="en-US" smtClean="0"/>
-              <a:t>11/17/2019</a:t>
+              <a:t>12/6/2019</a:t>
             </a:fld>
             <a:endParaRPr lang="en-US"/>
           </a:p>
@@ -2043,7 +2043,7 @@
     <p:bg>
       <p:bgPr>
         <a:solidFill>
-          <a:srgbClr val="FE0002"/>
+          <a:srgbClr val="C80A5A"/>
         </a:solidFill>
         <a:effectLst/>
       </p:bgPr>
@@ -2078,13 +2078,12 @@
               </a:ext>
             </a:extLst>
           </a:blip>
-          <a:stretch>
-            <a:fillRect/>
-          </a:stretch>
+          <a:srcRect/>
+          <a:stretch/>
         </p:blipFill>
         <p:spPr>
           <a:xfrm>
-            <a:off x="1795328" y="2367182"/>
+            <a:off x="5019585" y="2213356"/>
             <a:ext cx="2152829" cy="2152829"/>
           </a:xfrm>
           <a:prstGeom prst="rect">
@@ -2092,52 +2091,6 @@
           </a:prstGeom>
         </p:spPr>
       </p:pic>
-      <p:sp>
-        <p:nvSpPr>
-          <p:cNvPr id="4" name="TextBox 3">
-            <a:extLst>
-              <a:ext uri="{FF2B5EF4-FFF2-40B4-BE49-F238E27FC236}">
-                <a16:creationId xmlns:a16="http://schemas.microsoft.com/office/drawing/2014/main" id="{E8C4DBA6-C771-4A9D-AAFB-79C5F9DCE417}"/>
-              </a:ext>
-            </a:extLst>
-          </p:cNvPr>
-          <p:cNvSpPr txBox="1"/>
-          <p:nvPr userDrawn="1"/>
-        </p:nvSpPr>
-        <p:spPr>
-          <a:xfrm>
-            <a:off x="4624522" y="1981200"/>
-            <a:ext cx="5772150" cy="2646878"/>
-          </a:xfrm>
-          <a:prstGeom prst="rect">
-            <a:avLst/>
-          </a:prstGeom>
-          <a:noFill/>
-        </p:spPr>
-        <p:txBody>
-          <a:bodyPr wrap="square" rtlCol="0">
-            <a:spAutoFit/>
-          </a:bodyPr>
-          <a:lstStyle/>
-          <a:p>
-            <a:r>
-              <a:rPr lang="en-US" sz="16600" dirty="0" err="1">
-                <a:solidFill>
-                  <a:schemeClr val="bg1"/>
-                </a:solidFill>
-                <a:latin typeface="Acre Medium" panose="00000600000000000000" pitchFamily="50" charset="0"/>
-              </a:rPr>
-              <a:t>JIbres</a:t>
-            </a:r>
-            <a:endParaRPr lang="en-US" sz="16600" dirty="0">
-              <a:solidFill>
-                <a:schemeClr val="bg1"/>
-              </a:solidFill>
-              <a:latin typeface="Acre Medium" panose="00000600000000000000" pitchFamily="50" charset="0"/>
-            </a:endParaRPr>
-          </a:p>
-        </p:txBody>
-      </p:sp>
     </p:spTree>
     <p:extLst>
       <p:ext uri="{BB962C8B-B14F-4D97-AF65-F5344CB8AC3E}">
@@ -3995,24 +3948,40 @@
           </a:p>
         </p:txBody>
       </p:sp>
-      <p:sp>
-        <p:nvSpPr>
-          <p:cNvPr id="7" name="Picture Placeholder 6">
+      <p:pic>
+        <p:nvPicPr>
+          <p:cNvPr id="6" name="Picture Placeholder 5">
             <a:extLst>
               <a:ext uri="{FF2B5EF4-FFF2-40B4-BE49-F238E27FC236}">
-                <a16:creationId xmlns:a16="http://schemas.microsoft.com/office/drawing/2014/main" id="{706A336A-ED89-4BB8-9183-D66CDEB6DFBD}"/>
+                <a16:creationId xmlns:a16="http://schemas.microsoft.com/office/drawing/2014/main" id="{DFF52977-146D-43AF-98FB-D027333AB4A6}"/>
               </a:ext>
             </a:extLst>
           </p:cNvPr>
-          <p:cNvSpPr>
-            <a:spLocks noGrp="1"/>
-          </p:cNvSpPr>
+          <p:cNvPicPr>
+            <a:picLocks noGrp="1" noChangeAspect="1"/>
+          </p:cNvPicPr>
           <p:nvPr>
             <p:ph type="pic" idx="1"/>
           </p:nvPr>
-        </p:nvSpPr>
-        <p:spPr/>
-      </p:sp>
+        </p:nvPicPr>
+        <p:blipFill>
+          <a:blip r:embed="rId2">
+            <a:extLst>
+              <a:ext uri="{28A0092B-C50C-407E-A947-70E740481C1C}">
+                <a14:useLocalDpi xmlns:a14="http://schemas.microsoft.com/office/drawing/2010/main" val="0"/>
+              </a:ext>
+            </a:extLst>
+          </a:blip>
+          <a:srcRect/>
+          <a:stretch/>
+        </p:blipFill>
+        <p:spPr>
+          <a:xfrm>
+            <a:off x="6562725" y="2372165"/>
+            <a:ext cx="4340996" cy="1356561"/>
+          </a:xfrm>
+        </p:spPr>
+      </p:pic>
       <p:sp>
         <p:nvSpPr>
           <p:cNvPr id="3" name="Content Placeholder 2"/>
@@ -4064,36 +4033,6 @@
           </a:p>
         </p:txBody>
       </p:sp>
-      <p:pic>
-        <p:nvPicPr>
-          <p:cNvPr id="10" name="Picture 9">
-            <a:extLst>
-              <a:ext uri="{FF2B5EF4-FFF2-40B4-BE49-F238E27FC236}">
-                <a16:creationId xmlns:a16="http://schemas.microsoft.com/office/drawing/2014/main" id="{A3CCF8DA-7044-4723-B5FB-1653EE760E61}"/>
-              </a:ext>
-            </a:extLst>
-          </p:cNvPr>
-          <p:cNvPicPr>
-            <a:picLocks noChangeAspect="1"/>
-          </p:cNvPicPr>
-          <p:nvPr/>
-        </p:nvPicPr>
-        <p:blipFill>
-          <a:blip r:embed="rId2"/>
-          <a:stretch>
-            <a:fillRect/>
-          </a:stretch>
-        </p:blipFill>
-        <p:spPr>
-          <a:xfrm>
-            <a:off x="6026033" y="2431933"/>
-            <a:ext cx="4677428" cy="2314898"/>
-          </a:xfrm>
-          <a:prstGeom prst="rect">
-            <a:avLst/>
-          </a:prstGeom>
-        </p:spPr>
-      </p:pic>
     </p:spTree>
     <p:extLst>
       <p:ext uri="{BB962C8B-B14F-4D97-AF65-F5344CB8AC3E}">
@@ -4146,24 +4085,43 @@
           </a:p>
         </p:txBody>
       </p:sp>
-      <p:sp>
-        <p:nvSpPr>
-          <p:cNvPr id="6" name="Picture Placeholder 5">
+      <p:pic>
+        <p:nvPicPr>
+          <p:cNvPr id="12" name="Picture Placeholder 11">
             <a:extLst>
               <a:ext uri="{FF2B5EF4-FFF2-40B4-BE49-F238E27FC236}">
-                <a16:creationId xmlns:a16="http://schemas.microsoft.com/office/drawing/2014/main" id="{55678F02-9346-4F3E-9696-D29E1F1BCE5D}"/>
+                <a16:creationId xmlns:a16="http://schemas.microsoft.com/office/drawing/2014/main" id="{99410408-A77A-434C-BCDE-65D8667EFE24}"/>
               </a:ext>
             </a:extLst>
           </p:cNvPr>
-          <p:cNvSpPr>
-            <a:spLocks noGrp="1"/>
-          </p:cNvSpPr>
+          <p:cNvPicPr>
+            <a:picLocks noGrp="1" noChangeAspect="1"/>
+          </p:cNvPicPr>
           <p:nvPr>
             <p:ph type="pic" idx="1"/>
           </p:nvPr>
-        </p:nvSpPr>
-        <p:spPr/>
-      </p:sp>
+        </p:nvPicPr>
+        <p:blipFill>
+          <a:blip r:embed="rId2" cstate="print">
+            <a:extLst>
+              <a:ext uri="{28A0092B-C50C-407E-A947-70E740481C1C}">
+                <a14:useLocalDpi xmlns:a14="http://schemas.microsoft.com/office/drawing/2010/main" val="0"/>
+              </a:ext>
+            </a:extLst>
+          </a:blip>
+          <a:srcRect/>
+          <a:stretch/>
+        </p:blipFill>
+        <p:spPr>
+          <a:xfrm>
+            <a:off x="6096000" y="2691468"/>
+            <a:ext cx="5040313" cy="1575097"/>
+          </a:xfrm>
+          <a:prstGeom prst="rect">
+            <a:avLst/>
+          </a:prstGeom>
+        </p:spPr>
+      </p:pic>
       <p:sp>
         <p:nvSpPr>
           <p:cNvPr id="3" name="Content Placeholder 2"/>
@@ -4223,16 +4181,15 @@
           </p:cNvPicPr>
           <p:nvPr/>
         </p:nvPicPr>
-        <p:blipFill>
-          <a:blip r:embed="rId2"/>
-          <a:stretch>
-            <a:fillRect/>
-          </a:stretch>
+        <p:blipFill rotWithShape="1">
+          <a:blip r:embed="rId3"/>
+          <a:srcRect l="5030" t="11333" r="9448" b="57874"/>
+          <a:stretch/>
         </p:blipFill>
         <p:spPr>
           <a:xfrm>
-            <a:off x="5981783" y="2321400"/>
-            <a:ext cx="4544059" cy="2629267"/>
+            <a:off x="6096000" y="1343026"/>
+            <a:ext cx="5541706" cy="1154522"/>
           </a:xfrm>
           <a:prstGeom prst="rect">
             <a:avLst/>

--- a/styleguide/Jibres-brand-styleguide.pptx
+++ b/styleguide/Jibres-brand-styleguide.pptx
@@ -4823,9 +4823,10 @@
           <a:lstStyle/>
           <a:p>
             <a:r>
-              <a:rPr lang="en-US" dirty="0"/>
-              <a:t>Jibres Gold</a:t>
-            </a:r>
+              <a:rPr lang="en-US"/>
+              <a:t>Jibres Red</a:t>
+            </a:r>
+            <a:endParaRPr lang="en-US" dirty="0"/>
           </a:p>
         </p:txBody>
       </p:sp>
@@ -4893,7 +4894,7 @@
         </p:nvSpPr>
         <p:spPr>
           <a:solidFill>
-            <a:srgbClr val="FFD600"/>
+            <a:srgbClr val="C80A5A"/>
           </a:solidFill>
         </p:spPr>
         <p:txBody>
@@ -4902,22 +4903,34 @@
           <a:p>
             <a:pPr indent="534988" defTabSz="1346200"/>
             <a:r>
-              <a:rPr lang="en-US" sz="1100" dirty="0"/>
+              <a:rPr lang="en-US" sz="1100" dirty="0">
+                <a:solidFill>
+                  <a:schemeClr val="bg1"/>
+                </a:solidFill>
+              </a:rPr>
               <a:t>HEX	#</a:t>
             </a:r>
           </a:p>
           <a:p>
             <a:pPr indent="534988" defTabSz="1346200"/>
             <a:r>
-              <a:rPr lang="en-US" sz="1100" dirty="0"/>
-              <a:t>RGB	255, 214, 0</a:t>
+              <a:rPr lang="en-US" sz="1100" dirty="0">
+                <a:solidFill>
+                  <a:schemeClr val="bg1"/>
+                </a:solidFill>
+              </a:rPr>
+              <a:t>RGB	200, 10, 90</a:t>
             </a:r>
           </a:p>
           <a:p>
             <a:pPr indent="534988" defTabSz="1346200"/>
             <a:r>
-              <a:rPr lang="en-US" sz="1100" dirty="0"/>
-              <a:t>CMYK	14 25 366 0</a:t>
+              <a:rPr lang="en-US" sz="1100" dirty="0">
+                <a:solidFill>
+                  <a:schemeClr val="bg1"/>
+                </a:solidFill>
+              </a:rPr>
+              <a:t>CMYK	17, 100, 50, 2</a:t>
             </a:r>
           </a:p>
         </p:txBody>

--- a/styleguide/Jibres-brand-styleguide.pptx
+++ b/styleguide/Jibres-brand-styleguide.pptx
@@ -151,7 +151,7 @@
             <a:srgbClr val="A4A3A4"/>
           </p15:clr>
         </p15:guide>
-        <p15:guide id="2" pos="3840" userDrawn="1">
+        <p15:guide id="2" pos="3863" userDrawn="1">
           <p15:clr>
             <a:srgbClr val="A4A3A4"/>
           </p15:clr>
@@ -540,7 +540,7 @@
         </p:nvSpPr>
         <p:spPr>
           <a:xfrm>
-            <a:off x="1059679" y="1797199"/>
+            <a:off x="1080000" y="1296000"/>
             <a:ext cx="3712346" cy="700348"/>
           </a:xfrm>
         </p:spPr>
@@ -634,7 +634,7 @@
         </p:nvSpPr>
         <p:spPr>
           <a:xfrm>
-            <a:off x="1059679" y="2619376"/>
+            <a:off x="1080000" y="2232000"/>
             <a:ext cx="3712346" cy="2686050"/>
           </a:xfrm>
         </p:spPr>
@@ -751,897 +751,6 @@
 </file>
 
 <file path=ppt/slideLayouts/slideLayout10.xml><?xml version="1.0" encoding="utf-8"?>
-<p:sldLayout xmlns:a="http://schemas.openxmlformats.org/drawingml/2006/main" xmlns:r="http://schemas.openxmlformats.org/officeDocument/2006/relationships" xmlns:p="http://schemas.openxmlformats.org/presentationml/2006/main" preserve="1" userDrawn="1">
-  <p:cSld name="Intro">
-    <p:spTree>
-      <p:nvGrpSpPr>
-        <p:cNvPr id="1" name=""/>
-        <p:cNvGrpSpPr/>
-        <p:nvPr/>
-      </p:nvGrpSpPr>
-      <p:grpSpPr>
-        <a:xfrm>
-          <a:off x="0" y="0"/>
-          <a:ext cx="0" cy="0"/>
-          <a:chOff x="0" y="0"/>
-          <a:chExt cx="0" cy="0"/>
-        </a:xfrm>
-      </p:grpSpPr>
-      <p:sp>
-        <p:nvSpPr>
-          <p:cNvPr id="3" name="TextBox 2">
-            <a:extLst>
-              <a:ext uri="{FF2B5EF4-FFF2-40B4-BE49-F238E27FC236}">
-                <a16:creationId xmlns:a16="http://schemas.microsoft.com/office/drawing/2014/main" id="{F7219342-DDBB-4D65-841A-201688492A5A}"/>
-              </a:ext>
-            </a:extLst>
-          </p:cNvPr>
-          <p:cNvSpPr txBox="1"/>
-          <p:nvPr userDrawn="1"/>
-        </p:nvSpPr>
-        <p:spPr>
-          <a:xfrm>
-            <a:off x="1055689" y="2290547"/>
-            <a:ext cx="10080624" cy="1446550"/>
-          </a:xfrm>
-          <a:prstGeom prst="rect">
-            <a:avLst/>
-          </a:prstGeom>
-          <a:noFill/>
-        </p:spPr>
-        <p:txBody>
-          <a:bodyPr wrap="square" rtlCol="1">
-            <a:spAutoFit/>
-          </a:bodyPr>
-          <a:lstStyle/>
-          <a:p>
-            <a:pPr algn="ctr"/>
-            <a:r>
-              <a:rPr lang="en-US" sz="8800" b="0" dirty="0">
-                <a:ln w="38100">
-                  <a:noFill/>
-                </a:ln>
-                <a:solidFill>
-                  <a:schemeClr val="tx1"/>
-                </a:solidFill>
-                <a:latin typeface="Acre Medium" panose="00000600000000000000" pitchFamily="50" charset="0"/>
-              </a:rPr>
-              <a:t>Brand Style Guide</a:t>
-            </a:r>
-            <a:endParaRPr lang="fa-IR" sz="8800" b="0" dirty="0">
-              <a:ln w="38100">
-                <a:noFill/>
-              </a:ln>
-              <a:solidFill>
-                <a:schemeClr val="tx1"/>
-              </a:solidFill>
-              <a:latin typeface="Acre Medium" panose="00000600000000000000" pitchFamily="50" charset="0"/>
-            </a:endParaRPr>
-          </a:p>
-        </p:txBody>
-      </p:sp>
-    </p:spTree>
-    <p:extLst>
-      <p:ext uri="{BB962C8B-B14F-4D97-AF65-F5344CB8AC3E}">
-        <p14:creationId xmlns:p14="http://schemas.microsoft.com/office/powerpoint/2010/main" val="2513775767"/>
-      </p:ext>
-    </p:extLst>
-  </p:cSld>
-  <p:clrMapOvr>
-    <a:masterClrMapping/>
-  </p:clrMapOvr>
-  <p:transition spd="slow">
-    <p:push dir="u"/>
-  </p:transition>
-  <p:extLst>
-    <p:ext uri="{DCECCB84-F9BA-43D5-87BE-67443E8EF086}">
-      <p15:sldGuideLst xmlns:p15="http://schemas.microsoft.com/office/powerpoint/2012/main">
-        <p15:guide id="1" orient="horz" pos="2160" userDrawn="1">
-          <p15:clr>
-            <a:srgbClr val="FBAE40"/>
-          </p15:clr>
-        </p15:guide>
-        <p15:guide id="2" pos="3840" userDrawn="1">
-          <p15:clr>
-            <a:srgbClr val="FBAE40"/>
-          </p15:clr>
-        </p15:guide>
-      </p15:sldGuideLst>
-    </p:ext>
-  </p:extLst>
-</p:sldLayout>
-</file>
-
-<file path=ppt/slideLayouts/slideLayout2.xml><?xml version="1.0" encoding="utf-8"?>
-<p:sldLayout xmlns:a="http://schemas.openxmlformats.org/drawingml/2006/main" xmlns:r="http://schemas.openxmlformats.org/officeDocument/2006/relationships" xmlns:p="http://schemas.openxmlformats.org/presentationml/2006/main" preserve="1" userDrawn="1">
-  <p:cSld name="1_Picture with Caption">
-    <p:spTree>
-      <p:nvGrpSpPr>
-        <p:cNvPr id="1" name=""/>
-        <p:cNvGrpSpPr/>
-        <p:nvPr/>
-      </p:nvGrpSpPr>
-      <p:grpSpPr>
-        <a:xfrm>
-          <a:off x="0" y="0"/>
-          <a:ext cx="0" cy="0"/>
-          <a:chOff x="0" y="0"/>
-          <a:chExt cx="0" cy="0"/>
-        </a:xfrm>
-      </p:grpSpPr>
-      <p:sp>
-        <p:nvSpPr>
-          <p:cNvPr id="2" name="Title 1"/>
-          <p:cNvSpPr>
-            <a:spLocks noGrp="1"/>
-          </p:cNvSpPr>
-          <p:nvPr>
-            <p:ph type="title"/>
-          </p:nvPr>
-        </p:nvSpPr>
-        <p:spPr>
-          <a:xfrm>
-            <a:off x="1059679" y="1273324"/>
-            <a:ext cx="3712346" cy="700348"/>
-          </a:xfrm>
-        </p:spPr>
-        <p:txBody>
-          <a:bodyPr anchor="t">
-            <a:noAutofit/>
-          </a:bodyPr>
-          <a:lstStyle>
-            <a:lvl1pPr>
-              <a:defRPr sz="2000" b="0"/>
-            </a:lvl1pPr>
-          </a:lstStyle>
-          <a:p>
-            <a:r>
-              <a:rPr lang="en-US" dirty="0"/>
-              <a:t>Click to edit Master title style</a:t>
-            </a:r>
-          </a:p>
-        </p:txBody>
-      </p:sp>
-      <p:sp>
-        <p:nvSpPr>
-          <p:cNvPr id="4" name="Text Placeholder 3"/>
-          <p:cNvSpPr>
-            <a:spLocks noGrp="1"/>
-          </p:cNvSpPr>
-          <p:nvPr>
-            <p:ph type="body" sz="half" idx="2"/>
-          </p:nvPr>
-        </p:nvSpPr>
-        <p:spPr>
-          <a:xfrm>
-            <a:off x="1059679" y="2057400"/>
-            <a:ext cx="3712346" cy="3779378"/>
-          </a:xfrm>
-        </p:spPr>
-        <p:txBody>
-          <a:bodyPr>
-            <a:normAutofit/>
-          </a:bodyPr>
-          <a:lstStyle>
-            <a:lvl1pPr marL="0" indent="0">
-              <a:lnSpc>
-                <a:spcPct val="150000"/>
-              </a:lnSpc>
-              <a:spcAft>
-                <a:spcPts val="1000"/>
-              </a:spcAft>
-              <a:buNone/>
-              <a:defRPr sz="1200">
-                <a:latin typeface="IRANSans Light" panose="020B0506030804020204" pitchFamily="34" charset="-78"/>
-                <a:cs typeface="IRANSans Light" panose="020B0506030804020204" pitchFamily="34" charset="-78"/>
-              </a:defRPr>
-            </a:lvl1pPr>
-            <a:lvl2pPr marL="457200" indent="0">
-              <a:buNone/>
-              <a:defRPr sz="1400"/>
-            </a:lvl2pPr>
-            <a:lvl3pPr marL="914400" indent="0">
-              <a:buNone/>
-              <a:defRPr sz="1200"/>
-            </a:lvl3pPr>
-            <a:lvl4pPr marL="1371600" indent="0">
-              <a:buNone/>
-              <a:defRPr sz="1000"/>
-            </a:lvl4pPr>
-            <a:lvl5pPr marL="1828800" indent="0">
-              <a:buNone/>
-              <a:defRPr sz="1000"/>
-            </a:lvl5pPr>
-            <a:lvl6pPr marL="2286000" indent="0">
-              <a:buNone/>
-              <a:defRPr sz="1000"/>
-            </a:lvl6pPr>
-            <a:lvl7pPr marL="2743200" indent="0">
-              <a:buNone/>
-              <a:defRPr sz="1000"/>
-            </a:lvl7pPr>
-            <a:lvl8pPr marL="3200400" indent="0">
-              <a:buNone/>
-              <a:defRPr sz="1000"/>
-            </a:lvl8pPr>
-            <a:lvl9pPr marL="3657600" indent="0">
-              <a:buNone/>
-              <a:defRPr sz="1000"/>
-            </a:lvl9pPr>
-          </a:lstStyle>
-          <a:p>
-            <a:pPr lvl="0"/>
-            <a:r>
-              <a:rPr lang="en-US" dirty="0"/>
-              <a:t>Edit Master text styles</a:t>
-            </a:r>
-          </a:p>
-        </p:txBody>
-      </p:sp>
-      <p:sp>
-        <p:nvSpPr>
-          <p:cNvPr id="7" name="Slide Number Placeholder 6"/>
-          <p:cNvSpPr>
-            <a:spLocks noGrp="1"/>
-          </p:cNvSpPr>
-          <p:nvPr>
-            <p:ph type="sldNum" sz="quarter" idx="12"/>
-          </p:nvPr>
-        </p:nvSpPr>
-        <p:spPr>
-          <a:xfrm>
-            <a:off x="8868064" y="5937599"/>
-            <a:ext cx="2268249" cy="365125"/>
-          </a:xfrm>
-        </p:spPr>
-        <p:txBody>
-          <a:bodyPr/>
-          <a:lstStyle/>
-          <a:p>
-            <a:fld id="{6B8230D4-A52F-48C3-88BB-7CF0A26BA1C5}" type="slidenum">
-              <a:rPr lang="en-US" smtClean="0"/>
-              <a:t>‹#›</a:t>
-            </a:fld>
-            <a:endParaRPr lang="en-US"/>
-          </a:p>
-        </p:txBody>
-      </p:sp>
-      <p:sp>
-        <p:nvSpPr>
-          <p:cNvPr id="6" name="Content Placeholder 5">
-            <a:extLst>
-              <a:ext uri="{FF2B5EF4-FFF2-40B4-BE49-F238E27FC236}">
-                <a16:creationId xmlns:a16="http://schemas.microsoft.com/office/drawing/2014/main" id="{70779BCD-9680-4E19-9C78-549D0760B83D}"/>
-              </a:ext>
-            </a:extLst>
-          </p:cNvPr>
-          <p:cNvSpPr>
-            <a:spLocks noGrp="1"/>
-          </p:cNvSpPr>
-          <p:nvPr>
-            <p:ph sz="quarter" idx="13"/>
-          </p:nvPr>
-        </p:nvSpPr>
-        <p:spPr>
-          <a:xfrm>
-            <a:off x="7535863" y="1999310"/>
-            <a:ext cx="2881459" cy="2871794"/>
-          </a:xfrm>
-        </p:spPr>
-        <p:txBody>
-          <a:bodyPr>
-            <a:noAutofit/>
-          </a:bodyPr>
-          <a:lstStyle>
-            <a:lvl1pPr marL="0" indent="0">
-              <a:buNone/>
-              <a:defRPr sz="1400"/>
-            </a:lvl1pPr>
-            <a:lvl2pPr>
-              <a:defRPr sz="1200"/>
-            </a:lvl2pPr>
-            <a:lvl3pPr>
-              <a:defRPr sz="1100"/>
-            </a:lvl3pPr>
-            <a:lvl4pPr>
-              <a:defRPr sz="1050"/>
-            </a:lvl4pPr>
-            <a:lvl5pPr>
-              <a:defRPr sz="1050"/>
-            </a:lvl5pPr>
-          </a:lstStyle>
-          <a:p>
-            <a:pPr lvl="0"/>
-            <a:r>
-              <a:rPr lang="en-US" dirty="0"/>
-              <a:t>Click to edit Master text styles</a:t>
-            </a:r>
-          </a:p>
-        </p:txBody>
-      </p:sp>
-    </p:spTree>
-    <p:extLst>
-      <p:ext uri="{BB962C8B-B14F-4D97-AF65-F5344CB8AC3E}">
-        <p14:creationId xmlns:p14="http://schemas.microsoft.com/office/powerpoint/2010/main" val="3948050768"/>
-      </p:ext>
-    </p:extLst>
-  </p:cSld>
-  <p:clrMapOvr>
-    <a:masterClrMapping/>
-  </p:clrMapOvr>
-  <p:extLst>
-    <p:ext uri="{DCECCB84-F9BA-43D5-87BE-67443E8EF086}">
-      <p15:sldGuideLst xmlns:p15="http://schemas.microsoft.com/office/powerpoint/2012/main">
-        <p15:guide id="1" pos="3840">
-          <p15:clr>
-            <a:srgbClr val="FBAE40"/>
-          </p15:clr>
-        </p15:guide>
-      </p15:sldGuideLst>
-    </p:ext>
-  </p:extLst>
-</p:sldLayout>
-</file>
-
-<file path=ppt/slideLayouts/slideLayout3.xml><?xml version="1.0" encoding="utf-8"?>
-<p:sldLayout xmlns:a="http://schemas.openxmlformats.org/drawingml/2006/main" xmlns:r="http://schemas.openxmlformats.org/officeDocument/2006/relationships" xmlns:p="http://schemas.openxmlformats.org/presentationml/2006/main" type="secHead" preserve="1">
-  <p:cSld name="Section Header">
-    <p:spTree>
-      <p:nvGrpSpPr>
-        <p:cNvPr id="1" name=""/>
-        <p:cNvGrpSpPr/>
-        <p:nvPr/>
-      </p:nvGrpSpPr>
-      <p:grpSpPr>
-        <a:xfrm>
-          <a:off x="0" y="0"/>
-          <a:ext cx="0" cy="0"/>
-          <a:chOff x="0" y="0"/>
-          <a:chExt cx="0" cy="0"/>
-        </a:xfrm>
-      </p:grpSpPr>
-      <p:sp>
-        <p:nvSpPr>
-          <p:cNvPr id="2" name="Title 1"/>
-          <p:cNvSpPr>
-            <a:spLocks noGrp="1"/>
-          </p:cNvSpPr>
-          <p:nvPr>
-            <p:ph type="title"/>
-          </p:nvPr>
-        </p:nvSpPr>
-        <p:spPr>
-          <a:xfrm>
-            <a:off x="831850" y="1709739"/>
-            <a:ext cx="10515600" cy="2443518"/>
-          </a:xfrm>
-        </p:spPr>
-        <p:txBody>
-          <a:bodyPr anchor="b"/>
-          <a:lstStyle>
-            <a:lvl1pPr>
-              <a:defRPr sz="6000"/>
-            </a:lvl1pPr>
-          </a:lstStyle>
-          <a:p>
-            <a:r>
-              <a:rPr lang="en-US"/>
-              <a:t>Click to edit Master title style</a:t>
-            </a:r>
-          </a:p>
-        </p:txBody>
-      </p:sp>
-      <p:sp>
-        <p:nvSpPr>
-          <p:cNvPr id="3" name="Text Placeholder 2"/>
-          <p:cNvSpPr>
-            <a:spLocks noGrp="1"/>
-          </p:cNvSpPr>
-          <p:nvPr>
-            <p:ph type="body" idx="1"/>
-          </p:nvPr>
-        </p:nvSpPr>
-        <p:spPr>
-          <a:xfrm>
-            <a:off x="831850" y="4346609"/>
-            <a:ext cx="10515600" cy="1500187"/>
-          </a:xfrm>
-        </p:spPr>
-        <p:txBody>
-          <a:bodyPr/>
-          <a:lstStyle>
-            <a:lvl1pPr marL="0" indent="0">
-              <a:buNone/>
-              <a:defRPr sz="2400">
-                <a:solidFill>
-                  <a:schemeClr val="tx1">
-                    <a:tint val="75000"/>
-                  </a:schemeClr>
-                </a:solidFill>
-              </a:defRPr>
-            </a:lvl1pPr>
-            <a:lvl2pPr marL="457200" indent="0">
-              <a:buNone/>
-              <a:defRPr sz="2000">
-                <a:solidFill>
-                  <a:schemeClr val="tx1">
-                    <a:tint val="75000"/>
-                  </a:schemeClr>
-                </a:solidFill>
-              </a:defRPr>
-            </a:lvl2pPr>
-            <a:lvl3pPr marL="914400" indent="0">
-              <a:buNone/>
-              <a:defRPr sz="1800">
-                <a:solidFill>
-                  <a:schemeClr val="tx1">
-                    <a:tint val="75000"/>
-                  </a:schemeClr>
-                </a:solidFill>
-              </a:defRPr>
-            </a:lvl3pPr>
-            <a:lvl4pPr marL="1371600" indent="0">
-              <a:buNone/>
-              <a:defRPr sz="1600">
-                <a:solidFill>
-                  <a:schemeClr val="tx1">
-                    <a:tint val="75000"/>
-                  </a:schemeClr>
-                </a:solidFill>
-              </a:defRPr>
-            </a:lvl4pPr>
-            <a:lvl5pPr marL="1828800" indent="0">
-              <a:buNone/>
-              <a:defRPr sz="1600">
-                <a:solidFill>
-                  <a:schemeClr val="tx1">
-                    <a:tint val="75000"/>
-                  </a:schemeClr>
-                </a:solidFill>
-              </a:defRPr>
-            </a:lvl5pPr>
-            <a:lvl6pPr marL="2286000" indent="0">
-              <a:buNone/>
-              <a:defRPr sz="1600">
-                <a:solidFill>
-                  <a:schemeClr val="tx1">
-                    <a:tint val="75000"/>
-                  </a:schemeClr>
-                </a:solidFill>
-              </a:defRPr>
-            </a:lvl6pPr>
-            <a:lvl7pPr marL="2743200" indent="0">
-              <a:buNone/>
-              <a:defRPr sz="1600">
-                <a:solidFill>
-                  <a:schemeClr val="tx1">
-                    <a:tint val="75000"/>
-                  </a:schemeClr>
-                </a:solidFill>
-              </a:defRPr>
-            </a:lvl7pPr>
-            <a:lvl8pPr marL="3200400" indent="0">
-              <a:buNone/>
-              <a:defRPr sz="1600">
-                <a:solidFill>
-                  <a:schemeClr val="tx1">
-                    <a:tint val="75000"/>
-                  </a:schemeClr>
-                </a:solidFill>
-              </a:defRPr>
-            </a:lvl8pPr>
-            <a:lvl9pPr marL="3657600" indent="0">
-              <a:buNone/>
-              <a:defRPr sz="1600">
-                <a:solidFill>
-                  <a:schemeClr val="tx1">
-                    <a:tint val="75000"/>
-                  </a:schemeClr>
-                </a:solidFill>
-              </a:defRPr>
-            </a:lvl9pPr>
-          </a:lstStyle>
-          <a:p>
-            <a:pPr lvl="0"/>
-            <a:r>
-              <a:rPr lang="en-US"/>
-              <a:t>Edit Master text styles</a:t>
-            </a:r>
-          </a:p>
-        </p:txBody>
-      </p:sp>
-      <p:sp>
-        <p:nvSpPr>
-          <p:cNvPr id="5" name="Footer Placeholder 4"/>
-          <p:cNvSpPr>
-            <a:spLocks noGrp="1"/>
-          </p:cNvSpPr>
-          <p:nvPr>
-            <p:ph type="ftr" sz="quarter" idx="11"/>
-          </p:nvPr>
-        </p:nvSpPr>
-        <p:spPr>
-          <a:xfrm>
-            <a:off x="1055687" y="5943599"/>
-            <a:ext cx="3033045" cy="365125"/>
-          </a:xfrm>
-          <a:prstGeom prst="rect">
-            <a:avLst/>
-          </a:prstGeom>
-        </p:spPr>
-        <p:txBody>
-          <a:bodyPr/>
-          <a:lstStyle/>
-          <a:p>
-            <a:endParaRPr lang="en-US"/>
-          </a:p>
-        </p:txBody>
-      </p:sp>
-      <p:sp>
-        <p:nvSpPr>
-          <p:cNvPr id="6" name="Slide Number Placeholder 5"/>
-          <p:cNvSpPr>
-            <a:spLocks noGrp="1"/>
-          </p:cNvSpPr>
-          <p:nvPr>
-            <p:ph type="sldNum" sz="quarter" idx="12"/>
-          </p:nvPr>
-        </p:nvSpPr>
-        <p:spPr/>
-        <p:txBody>
-          <a:bodyPr/>
-          <a:lstStyle/>
-          <a:p>
-            <a:fld id="{6B8230D4-A52F-48C3-88BB-7CF0A26BA1C5}" type="slidenum">
-              <a:rPr lang="en-US" smtClean="0"/>
-              <a:t>‹#›</a:t>
-            </a:fld>
-            <a:endParaRPr lang="en-US"/>
-          </a:p>
-        </p:txBody>
-      </p:sp>
-    </p:spTree>
-    <p:extLst>
-      <p:ext uri="{BB962C8B-B14F-4D97-AF65-F5344CB8AC3E}">
-        <p14:creationId xmlns:p14="http://schemas.microsoft.com/office/powerpoint/2010/main" val="2816712535"/>
-      </p:ext>
-    </p:extLst>
-  </p:cSld>
-  <p:clrMapOvr>
-    <a:masterClrMapping/>
-  </p:clrMapOvr>
-</p:sldLayout>
-</file>
-
-<file path=ppt/slideLayouts/slideLayout4.xml><?xml version="1.0" encoding="utf-8"?>
-<p:sldLayout xmlns:a="http://schemas.openxmlformats.org/drawingml/2006/main" xmlns:r="http://schemas.openxmlformats.org/officeDocument/2006/relationships" xmlns:p="http://schemas.openxmlformats.org/presentationml/2006/main" type="title" preserve="1">
-  <p:cSld name="Title Slide">
-    <p:spTree>
-      <p:nvGrpSpPr>
-        <p:cNvPr id="1" name=""/>
-        <p:cNvGrpSpPr/>
-        <p:nvPr/>
-      </p:nvGrpSpPr>
-      <p:grpSpPr>
-        <a:xfrm>
-          <a:off x="0" y="0"/>
-          <a:ext cx="0" cy="0"/>
-          <a:chOff x="0" y="0"/>
-          <a:chExt cx="0" cy="0"/>
-        </a:xfrm>
-      </p:grpSpPr>
-      <p:sp>
-        <p:nvSpPr>
-          <p:cNvPr id="2" name="Title 1"/>
-          <p:cNvSpPr>
-            <a:spLocks noGrp="1"/>
-          </p:cNvSpPr>
-          <p:nvPr>
-            <p:ph type="ctrTitle"/>
-          </p:nvPr>
-        </p:nvSpPr>
-        <p:spPr>
-          <a:xfrm>
-            <a:off x="1524000" y="1122363"/>
-            <a:ext cx="9144000" cy="2387600"/>
-          </a:xfrm>
-        </p:spPr>
-        <p:txBody>
-          <a:bodyPr anchor="b"/>
-          <a:lstStyle>
-            <a:lvl1pPr algn="ctr">
-              <a:defRPr sz="6000"/>
-            </a:lvl1pPr>
-          </a:lstStyle>
-          <a:p>
-            <a:r>
-              <a:rPr lang="en-US"/>
-              <a:t>Click to edit Master title style</a:t>
-            </a:r>
-          </a:p>
-        </p:txBody>
-      </p:sp>
-      <p:sp>
-        <p:nvSpPr>
-          <p:cNvPr id="3" name="Subtitle 2"/>
-          <p:cNvSpPr>
-            <a:spLocks noGrp="1"/>
-          </p:cNvSpPr>
-          <p:nvPr>
-            <p:ph type="subTitle" idx="1"/>
-          </p:nvPr>
-        </p:nvSpPr>
-        <p:spPr>
-          <a:xfrm>
-            <a:off x="1524000" y="3602038"/>
-            <a:ext cx="9144000" cy="1655762"/>
-          </a:xfrm>
-        </p:spPr>
-        <p:txBody>
-          <a:bodyPr/>
-          <a:lstStyle>
-            <a:lvl1pPr marL="0" indent="0" algn="ctr">
-              <a:buNone/>
-              <a:defRPr sz="2400"/>
-            </a:lvl1pPr>
-            <a:lvl2pPr marL="457200" indent="0" algn="ctr">
-              <a:buNone/>
-              <a:defRPr sz="2000"/>
-            </a:lvl2pPr>
-            <a:lvl3pPr marL="914400" indent="0" algn="ctr">
-              <a:buNone/>
-              <a:defRPr sz="1800"/>
-            </a:lvl3pPr>
-            <a:lvl4pPr marL="1371600" indent="0" algn="ctr">
-              <a:buNone/>
-              <a:defRPr sz="1600"/>
-            </a:lvl4pPr>
-            <a:lvl5pPr marL="1828800" indent="0" algn="ctr">
-              <a:buNone/>
-              <a:defRPr sz="1600"/>
-            </a:lvl5pPr>
-            <a:lvl6pPr marL="2286000" indent="0" algn="ctr">
-              <a:buNone/>
-              <a:defRPr sz="1600"/>
-            </a:lvl6pPr>
-            <a:lvl7pPr marL="2743200" indent="0" algn="ctr">
-              <a:buNone/>
-              <a:defRPr sz="1600"/>
-            </a:lvl7pPr>
-            <a:lvl8pPr marL="3200400" indent="0" algn="ctr">
-              <a:buNone/>
-              <a:defRPr sz="1600"/>
-            </a:lvl8pPr>
-            <a:lvl9pPr marL="3657600" indent="0" algn="ctr">
-              <a:buNone/>
-              <a:defRPr sz="1600"/>
-            </a:lvl9pPr>
-          </a:lstStyle>
-          <a:p>
-            <a:r>
-              <a:rPr lang="en-US"/>
-              <a:t>Click to edit Master subtitle style</a:t>
-            </a:r>
-          </a:p>
-        </p:txBody>
-      </p:sp>
-      <p:sp>
-        <p:nvSpPr>
-          <p:cNvPr id="5" name="Footer Placeholder 4"/>
-          <p:cNvSpPr>
-            <a:spLocks noGrp="1"/>
-          </p:cNvSpPr>
-          <p:nvPr>
-            <p:ph type="ftr" sz="quarter" idx="11"/>
-          </p:nvPr>
-        </p:nvSpPr>
-        <p:spPr>
-          <a:xfrm>
-            <a:off x="1055687" y="5943599"/>
-            <a:ext cx="3033045" cy="365125"/>
-          </a:xfrm>
-          <a:prstGeom prst="rect">
-            <a:avLst/>
-          </a:prstGeom>
-        </p:spPr>
-        <p:txBody>
-          <a:bodyPr/>
-          <a:lstStyle/>
-          <a:p>
-            <a:endParaRPr lang="en-US" dirty="0"/>
-          </a:p>
-        </p:txBody>
-      </p:sp>
-      <p:sp>
-        <p:nvSpPr>
-          <p:cNvPr id="6" name="Slide Number Placeholder 5"/>
-          <p:cNvSpPr>
-            <a:spLocks noGrp="1"/>
-          </p:cNvSpPr>
-          <p:nvPr>
-            <p:ph type="sldNum" sz="quarter" idx="12"/>
-          </p:nvPr>
-        </p:nvSpPr>
-        <p:spPr/>
-        <p:txBody>
-          <a:bodyPr/>
-          <a:lstStyle/>
-          <a:p>
-            <a:fld id="{6B8230D4-A52F-48C3-88BB-7CF0A26BA1C5}" type="slidenum">
-              <a:rPr lang="en-US" smtClean="0"/>
-              <a:t>‹#›</a:t>
-            </a:fld>
-            <a:endParaRPr lang="en-US" dirty="0"/>
-          </a:p>
-        </p:txBody>
-      </p:sp>
-    </p:spTree>
-    <p:extLst>
-      <p:ext uri="{BB962C8B-B14F-4D97-AF65-F5344CB8AC3E}">
-        <p14:creationId xmlns:p14="http://schemas.microsoft.com/office/powerpoint/2010/main" val="1915313678"/>
-      </p:ext>
-    </p:extLst>
-  </p:cSld>
-  <p:clrMapOvr>
-    <a:masterClrMapping/>
-  </p:clrMapOvr>
-</p:sldLayout>
-</file>
-
-<file path=ppt/slideLayouts/slideLayout5.xml><?xml version="1.0" encoding="utf-8"?>
-<p:sldLayout xmlns:a="http://schemas.openxmlformats.org/drawingml/2006/main" xmlns:r="http://schemas.openxmlformats.org/officeDocument/2006/relationships" xmlns:p="http://schemas.openxmlformats.org/presentationml/2006/main" type="obj" preserve="1">
-  <p:cSld name="Title and Content">
-    <p:spTree>
-      <p:nvGrpSpPr>
-        <p:cNvPr id="1" name=""/>
-        <p:cNvGrpSpPr/>
-        <p:nvPr/>
-      </p:nvGrpSpPr>
-      <p:grpSpPr>
-        <a:xfrm>
-          <a:off x="0" y="0"/>
-          <a:ext cx="0" cy="0"/>
-          <a:chOff x="0" y="0"/>
-          <a:chExt cx="0" cy="0"/>
-        </a:xfrm>
-      </p:grpSpPr>
-      <p:sp>
-        <p:nvSpPr>
-          <p:cNvPr id="2" name="Title 1"/>
-          <p:cNvSpPr>
-            <a:spLocks noGrp="1"/>
-          </p:cNvSpPr>
-          <p:nvPr>
-            <p:ph type="title"/>
-          </p:nvPr>
-        </p:nvSpPr>
-        <p:spPr/>
-        <p:txBody>
-          <a:bodyPr/>
-          <a:lstStyle/>
-          <a:p>
-            <a:r>
-              <a:rPr lang="en-US"/>
-              <a:t>Click to edit Master title style</a:t>
-            </a:r>
-          </a:p>
-        </p:txBody>
-      </p:sp>
-      <p:sp>
-        <p:nvSpPr>
-          <p:cNvPr id="3" name="Content Placeholder 2"/>
-          <p:cNvSpPr>
-            <a:spLocks noGrp="1"/>
-          </p:cNvSpPr>
-          <p:nvPr>
-            <p:ph idx="1"/>
-          </p:nvPr>
-        </p:nvSpPr>
-        <p:spPr/>
-        <p:txBody>
-          <a:bodyPr/>
-          <a:lstStyle/>
-          <a:p>
-            <a:pPr lvl="0"/>
-            <a:r>
-              <a:rPr lang="en-US"/>
-              <a:t>Edit Master text styles</a:t>
-            </a:r>
-          </a:p>
-          <a:p>
-            <a:pPr lvl="1"/>
-            <a:r>
-              <a:rPr lang="en-US"/>
-              <a:t>Second level</a:t>
-            </a:r>
-          </a:p>
-          <a:p>
-            <a:pPr lvl="2"/>
-            <a:r>
-              <a:rPr lang="en-US"/>
-              <a:t>Third level</a:t>
-            </a:r>
-          </a:p>
-          <a:p>
-            <a:pPr lvl="3"/>
-            <a:r>
-              <a:rPr lang="en-US"/>
-              <a:t>Fourth level</a:t>
-            </a:r>
-          </a:p>
-          <a:p>
-            <a:pPr lvl="4"/>
-            <a:r>
-              <a:rPr lang="en-US"/>
-              <a:t>Fifth level</a:t>
-            </a:r>
-          </a:p>
-        </p:txBody>
-      </p:sp>
-      <p:sp>
-        <p:nvSpPr>
-          <p:cNvPr id="5" name="Footer Placeholder 4"/>
-          <p:cNvSpPr>
-            <a:spLocks noGrp="1"/>
-          </p:cNvSpPr>
-          <p:nvPr>
-            <p:ph type="ftr" sz="quarter" idx="11"/>
-          </p:nvPr>
-        </p:nvSpPr>
-        <p:spPr>
-          <a:xfrm>
-            <a:off x="1055687" y="5943599"/>
-            <a:ext cx="3033045" cy="365125"/>
-          </a:xfrm>
-          <a:prstGeom prst="rect">
-            <a:avLst/>
-          </a:prstGeom>
-        </p:spPr>
-        <p:txBody>
-          <a:bodyPr/>
-          <a:lstStyle/>
-          <a:p>
-            <a:endParaRPr lang="en-US"/>
-          </a:p>
-        </p:txBody>
-      </p:sp>
-      <p:sp>
-        <p:nvSpPr>
-          <p:cNvPr id="6" name="Slide Number Placeholder 5"/>
-          <p:cNvSpPr>
-            <a:spLocks noGrp="1"/>
-          </p:cNvSpPr>
-          <p:nvPr>
-            <p:ph type="sldNum" sz="quarter" idx="12"/>
-          </p:nvPr>
-        </p:nvSpPr>
-        <p:spPr/>
-        <p:txBody>
-          <a:bodyPr/>
-          <a:lstStyle/>
-          <a:p>
-            <a:fld id="{6B8230D4-A52F-48C3-88BB-7CF0A26BA1C5}" type="slidenum">
-              <a:rPr lang="en-US" smtClean="0"/>
-              <a:t>‹#›</a:t>
-            </a:fld>
-            <a:endParaRPr lang="en-US"/>
-          </a:p>
-        </p:txBody>
-      </p:sp>
-    </p:spTree>
-    <p:extLst>
-      <p:ext uri="{BB962C8B-B14F-4D97-AF65-F5344CB8AC3E}">
-        <p14:creationId xmlns:p14="http://schemas.microsoft.com/office/powerpoint/2010/main" val="751939655"/>
-      </p:ext>
-    </p:extLst>
-  </p:cSld>
-  <p:clrMapOvr>
-    <a:masterClrMapping/>
-  </p:clrMapOvr>
-</p:sldLayout>
-</file>
-
-<file path=ppt/slideLayouts/slideLayout6.xml><?xml version="1.0" encoding="utf-8"?>
 <p:sldLayout xmlns:a="http://schemas.openxmlformats.org/drawingml/2006/main" xmlns:r="http://schemas.openxmlformats.org/officeDocument/2006/relationships" xmlns:p="http://schemas.openxmlformats.org/presentationml/2006/main" type="twoObj" preserve="1">
   <p:cSld name="Two Content">
     <p:spTree>
@@ -1855,7 +964,7 @@
 </p:sldLayout>
 </file>
 
-<file path=ppt/slideLayouts/slideLayout7.xml><?xml version="1.0" encoding="utf-8"?>
+<file path=ppt/slideLayouts/slideLayout11.xml><?xml version="1.0" encoding="utf-8"?>
 <p:sldLayout xmlns:a="http://schemas.openxmlformats.org/drawingml/2006/main" xmlns:r="http://schemas.openxmlformats.org/officeDocument/2006/relationships" xmlns:p="http://schemas.openxmlformats.org/presentationml/2006/main" type="titleOnly" preserve="1">
   <p:cSld name="Title Only">
     <p:spTree>
@@ -1957,7 +1066,7 @@
 </p:sldLayout>
 </file>
 
-<file path=ppt/slideLayouts/slideLayout8.xml><?xml version="1.0" encoding="utf-8"?>
+<file path=ppt/slideLayouts/slideLayout12.xml><?xml version="1.0" encoding="utf-8"?>
 <p:sldLayout xmlns:a="http://schemas.openxmlformats.org/drawingml/2006/main" xmlns:r="http://schemas.openxmlformats.org/officeDocument/2006/relationships" xmlns:p="http://schemas.openxmlformats.org/presentationml/2006/main" type="blank" preserve="1">
   <p:cSld name="1_Blank">
     <p:spTree>
@@ -2037,7 +1146,7 @@
 </p:sldLayout>
 </file>
 
-<file path=ppt/slideLayouts/slideLayout9.xml><?xml version="1.0" encoding="utf-8"?>
+<file path=ppt/slideLayouts/slideLayout13.xml><?xml version="1.0" encoding="utf-8"?>
 <p:sldLayout xmlns:a="http://schemas.openxmlformats.org/drawingml/2006/main" xmlns:r="http://schemas.openxmlformats.org/officeDocument/2006/relationships" xmlns:p="http://schemas.openxmlformats.org/presentationml/2006/main" type="blank" preserve="1">
   <p:cSld name="Cover">
     <p:bg>
@@ -2076,6 +1185,9 @@
               <a:ext uri="{28A0092B-C50C-407E-A947-70E740481C1C}">
                 <a14:useLocalDpi xmlns:a14="http://schemas.microsoft.com/office/drawing/2010/main" val="0"/>
               </a:ext>
+              <a:ext uri="{96DAC541-7B7A-43D3-8B79-37D633B846F1}">
+                <asvg:svgBlip xmlns:asvg="http://schemas.microsoft.com/office/drawing/2016/SVG/main" r:embed="rId3"/>
+              </a:ext>
             </a:extLst>
           </a:blip>
           <a:srcRect/>
@@ -2083,8 +1195,8 @@
         </p:blipFill>
         <p:spPr>
           <a:xfrm>
-            <a:off x="5019585" y="2213356"/>
-            <a:ext cx="2152829" cy="2152829"/>
+            <a:off x="5016000" y="2349000"/>
+            <a:ext cx="2160000" cy="2160000"/>
           </a:xfrm>
           <a:prstGeom prst="rect">
             <a:avLst/>
@@ -2104,6 +1216,1784 @@
   <p:transition spd="slow">
     <p:cover dir="d"/>
   </p:transition>
+</p:sldLayout>
+</file>
+
+<file path=ppt/slideLayouts/slideLayout14.xml><?xml version="1.0" encoding="utf-8"?>
+<p:sldLayout xmlns:a="http://schemas.openxmlformats.org/drawingml/2006/main" xmlns:r="http://schemas.openxmlformats.org/officeDocument/2006/relationships" xmlns:p="http://schemas.openxmlformats.org/presentationml/2006/main" preserve="1" userDrawn="1">
+  <p:cSld name="Intro">
+    <p:spTree>
+      <p:nvGrpSpPr>
+        <p:cNvPr id="1" name=""/>
+        <p:cNvGrpSpPr/>
+        <p:nvPr/>
+      </p:nvGrpSpPr>
+      <p:grpSpPr>
+        <a:xfrm>
+          <a:off x="0" y="0"/>
+          <a:ext cx="0" cy="0"/>
+          <a:chOff x="0" y="0"/>
+          <a:chExt cx="0" cy="0"/>
+        </a:xfrm>
+      </p:grpSpPr>
+      <p:sp>
+        <p:nvSpPr>
+          <p:cNvPr id="3" name="TextBox 2">
+            <a:extLst>
+              <a:ext uri="{FF2B5EF4-FFF2-40B4-BE49-F238E27FC236}">
+                <a16:creationId xmlns:a16="http://schemas.microsoft.com/office/drawing/2014/main" id="{F7219342-DDBB-4D65-841A-201688492A5A}"/>
+              </a:ext>
+            </a:extLst>
+          </p:cNvPr>
+          <p:cNvSpPr txBox="1"/>
+          <p:nvPr userDrawn="1"/>
+        </p:nvSpPr>
+        <p:spPr>
+          <a:xfrm>
+            <a:off x="1055688" y="2487002"/>
+            <a:ext cx="10080624" cy="1200329"/>
+          </a:xfrm>
+          <a:prstGeom prst="rect">
+            <a:avLst/>
+          </a:prstGeom>
+          <a:noFill/>
+        </p:spPr>
+        <p:txBody>
+          <a:bodyPr wrap="square" rtlCol="1">
+            <a:spAutoFit/>
+          </a:bodyPr>
+          <a:lstStyle/>
+          <a:p>
+            <a:pPr algn="ctr"/>
+            <a:r>
+              <a:rPr lang="en-US" sz="7200" b="0" dirty="0">
+                <a:ln w="38100">
+                  <a:noFill/>
+                </a:ln>
+                <a:solidFill>
+                  <a:schemeClr val="tx1"/>
+                </a:solidFill>
+                <a:latin typeface="Acre Medium" panose="00000600000000000000" pitchFamily="50" charset="0"/>
+              </a:rPr>
+              <a:t>Brand Style Guide</a:t>
+            </a:r>
+            <a:endParaRPr lang="fa-IR" sz="7200" b="0" dirty="0">
+              <a:ln w="38100">
+                <a:noFill/>
+              </a:ln>
+              <a:solidFill>
+                <a:schemeClr val="tx1"/>
+              </a:solidFill>
+              <a:latin typeface="Acre Medium" panose="00000600000000000000" pitchFamily="50" charset="0"/>
+            </a:endParaRPr>
+          </a:p>
+        </p:txBody>
+      </p:sp>
+    </p:spTree>
+    <p:extLst>
+      <p:ext uri="{BB962C8B-B14F-4D97-AF65-F5344CB8AC3E}">
+        <p14:creationId xmlns:p14="http://schemas.microsoft.com/office/powerpoint/2010/main" val="2513775767"/>
+      </p:ext>
+    </p:extLst>
+  </p:cSld>
+  <p:clrMapOvr>
+    <a:masterClrMapping/>
+  </p:clrMapOvr>
+  <p:transition spd="slow">
+    <p:push dir="u"/>
+  </p:transition>
+  <p:extLst>
+    <p:ext uri="{DCECCB84-F9BA-43D5-87BE-67443E8EF086}">
+      <p15:sldGuideLst xmlns:p15="http://schemas.microsoft.com/office/powerpoint/2012/main">
+        <p15:guide id="1" orient="horz" pos="2160" userDrawn="1">
+          <p15:clr>
+            <a:srgbClr val="FBAE40"/>
+          </p15:clr>
+        </p15:guide>
+        <p15:guide id="2" pos="3840" userDrawn="1">
+          <p15:clr>
+            <a:srgbClr val="FBAE40"/>
+          </p15:clr>
+        </p15:guide>
+      </p15:sldGuideLst>
+    </p:ext>
+  </p:extLst>
+</p:sldLayout>
+</file>
+
+<file path=ppt/slideLayouts/slideLayout2.xml><?xml version="1.0" encoding="utf-8"?>
+<p:sldLayout xmlns:a="http://schemas.openxmlformats.org/drawingml/2006/main" xmlns:r="http://schemas.openxmlformats.org/officeDocument/2006/relationships" xmlns:p="http://schemas.openxmlformats.org/presentationml/2006/main" type="picTx" preserve="1">
+  <p:cSld name="Picture with Caption md">
+    <p:spTree>
+      <p:nvGrpSpPr>
+        <p:cNvPr id="1" name=""/>
+        <p:cNvGrpSpPr/>
+        <p:nvPr/>
+      </p:nvGrpSpPr>
+      <p:grpSpPr>
+        <a:xfrm>
+          <a:off x="0" y="0"/>
+          <a:ext cx="0" cy="0"/>
+          <a:chOff x="0" y="0"/>
+          <a:chExt cx="0" cy="0"/>
+        </a:xfrm>
+      </p:grpSpPr>
+      <p:sp>
+        <p:nvSpPr>
+          <p:cNvPr id="2" name="Title 1"/>
+          <p:cNvSpPr>
+            <a:spLocks noGrp="1"/>
+          </p:cNvSpPr>
+          <p:nvPr>
+            <p:ph type="title"/>
+          </p:nvPr>
+        </p:nvSpPr>
+        <p:spPr>
+          <a:xfrm>
+            <a:off x="1080000" y="1296000"/>
+            <a:ext cx="2880000" cy="720000"/>
+          </a:xfrm>
+        </p:spPr>
+        <p:txBody>
+          <a:bodyPr anchor="b">
+            <a:noAutofit/>
+          </a:bodyPr>
+          <a:lstStyle>
+            <a:lvl1pPr>
+              <a:defRPr sz="2000" b="0"/>
+            </a:lvl1pPr>
+          </a:lstStyle>
+          <a:p>
+            <a:r>
+              <a:rPr lang="en-US" dirty="0"/>
+              <a:t>Click to edit Master title style</a:t>
+            </a:r>
+          </a:p>
+        </p:txBody>
+      </p:sp>
+      <p:sp>
+        <p:nvSpPr>
+          <p:cNvPr id="3" name="Picture Placeholder 2"/>
+          <p:cNvSpPr>
+            <a:spLocks noGrp="1"/>
+          </p:cNvSpPr>
+          <p:nvPr>
+            <p:ph type="pic" idx="1"/>
+          </p:nvPr>
+        </p:nvSpPr>
+        <p:spPr>
+          <a:xfrm>
+            <a:off x="6120000" y="1800000"/>
+            <a:ext cx="5036321" cy="3508227"/>
+          </a:xfrm>
+        </p:spPr>
+        <p:txBody>
+          <a:bodyPr/>
+          <a:lstStyle>
+            <a:lvl1pPr marL="0" indent="0">
+              <a:buNone/>
+              <a:defRPr sz="3200"/>
+            </a:lvl1pPr>
+            <a:lvl2pPr marL="457200" indent="0">
+              <a:buNone/>
+              <a:defRPr sz="2800"/>
+            </a:lvl2pPr>
+            <a:lvl3pPr marL="914400" indent="0">
+              <a:buNone/>
+              <a:defRPr sz="2400"/>
+            </a:lvl3pPr>
+            <a:lvl4pPr marL="1371600" indent="0">
+              <a:buNone/>
+              <a:defRPr sz="2000"/>
+            </a:lvl4pPr>
+            <a:lvl5pPr marL="1828800" indent="0">
+              <a:buNone/>
+              <a:defRPr sz="2000"/>
+            </a:lvl5pPr>
+            <a:lvl6pPr marL="2286000" indent="0">
+              <a:buNone/>
+              <a:defRPr sz="2000"/>
+            </a:lvl6pPr>
+            <a:lvl7pPr marL="2743200" indent="0">
+              <a:buNone/>
+              <a:defRPr sz="2000"/>
+            </a:lvl7pPr>
+            <a:lvl8pPr marL="3200400" indent="0">
+              <a:buNone/>
+              <a:defRPr sz="2000"/>
+            </a:lvl8pPr>
+            <a:lvl9pPr marL="3657600" indent="0">
+              <a:buNone/>
+              <a:defRPr sz="2000"/>
+            </a:lvl9pPr>
+          </a:lstStyle>
+          <a:p>
+            <a:endParaRPr lang="en-US" dirty="0"/>
+          </a:p>
+        </p:txBody>
+      </p:sp>
+      <p:sp>
+        <p:nvSpPr>
+          <p:cNvPr id="4" name="Text Placeholder 3"/>
+          <p:cNvSpPr>
+            <a:spLocks noGrp="1"/>
+          </p:cNvSpPr>
+          <p:nvPr>
+            <p:ph type="body" sz="half" idx="2"/>
+          </p:nvPr>
+        </p:nvSpPr>
+        <p:spPr>
+          <a:xfrm>
+            <a:off x="1080000" y="2232000"/>
+            <a:ext cx="2880000" cy="2520000"/>
+          </a:xfrm>
+        </p:spPr>
+        <p:txBody>
+          <a:bodyPr>
+            <a:normAutofit/>
+          </a:bodyPr>
+          <a:lstStyle>
+            <a:lvl1pPr marL="0" indent="0">
+              <a:lnSpc>
+                <a:spcPct val="150000"/>
+              </a:lnSpc>
+              <a:spcAft>
+                <a:spcPts val="1000"/>
+              </a:spcAft>
+              <a:buNone/>
+              <a:defRPr sz="1200">
+                <a:latin typeface="IRANSans Light" panose="020B0506030804020204" pitchFamily="34" charset="-78"/>
+                <a:cs typeface="IRANSans Light" panose="020B0506030804020204" pitchFamily="34" charset="-78"/>
+              </a:defRPr>
+            </a:lvl1pPr>
+            <a:lvl2pPr marL="457200" indent="0">
+              <a:buNone/>
+              <a:defRPr sz="1400"/>
+            </a:lvl2pPr>
+            <a:lvl3pPr marL="914400" indent="0">
+              <a:buNone/>
+              <a:defRPr sz="1200"/>
+            </a:lvl3pPr>
+            <a:lvl4pPr marL="1371600" indent="0">
+              <a:buNone/>
+              <a:defRPr sz="1000"/>
+            </a:lvl4pPr>
+            <a:lvl5pPr marL="1828800" indent="0">
+              <a:buNone/>
+              <a:defRPr sz="1000"/>
+            </a:lvl5pPr>
+            <a:lvl6pPr marL="2286000" indent="0">
+              <a:buNone/>
+              <a:defRPr sz="1000"/>
+            </a:lvl6pPr>
+            <a:lvl7pPr marL="2743200" indent="0">
+              <a:buNone/>
+              <a:defRPr sz="1000"/>
+            </a:lvl7pPr>
+            <a:lvl8pPr marL="3200400" indent="0">
+              <a:buNone/>
+              <a:defRPr sz="1000"/>
+            </a:lvl8pPr>
+            <a:lvl9pPr marL="3657600" indent="0">
+              <a:buNone/>
+              <a:defRPr sz="1000"/>
+            </a:lvl9pPr>
+          </a:lstStyle>
+          <a:p>
+            <a:pPr lvl="0"/>
+            <a:r>
+              <a:rPr lang="en-US" dirty="0"/>
+              <a:t>Edit Master text styles</a:t>
+            </a:r>
+          </a:p>
+        </p:txBody>
+      </p:sp>
+      <p:sp>
+        <p:nvSpPr>
+          <p:cNvPr id="7" name="Slide Number Placeholder 6"/>
+          <p:cNvSpPr>
+            <a:spLocks noGrp="1"/>
+          </p:cNvSpPr>
+          <p:nvPr>
+            <p:ph type="sldNum" sz="quarter" idx="12"/>
+          </p:nvPr>
+        </p:nvSpPr>
+        <p:spPr>
+          <a:xfrm>
+            <a:off x="8868064" y="5937599"/>
+            <a:ext cx="2268249" cy="365125"/>
+          </a:xfrm>
+        </p:spPr>
+        <p:txBody>
+          <a:bodyPr/>
+          <a:lstStyle/>
+          <a:p>
+            <a:fld id="{6B8230D4-A52F-48C3-88BB-7CF0A26BA1C5}" type="slidenum">
+              <a:rPr lang="en-US" smtClean="0"/>
+              <a:t>‹#›</a:t>
+            </a:fld>
+            <a:endParaRPr lang="en-US"/>
+          </a:p>
+        </p:txBody>
+      </p:sp>
+    </p:spTree>
+    <p:extLst>
+      <p:ext uri="{BB962C8B-B14F-4D97-AF65-F5344CB8AC3E}">
+        <p14:creationId xmlns:p14="http://schemas.microsoft.com/office/powerpoint/2010/main" val="782072992"/>
+      </p:ext>
+    </p:extLst>
+  </p:cSld>
+  <p:clrMapOvr>
+    <a:masterClrMapping/>
+  </p:clrMapOvr>
+  <p:extLst>
+    <p:ext uri="{DCECCB84-F9BA-43D5-87BE-67443E8EF086}">
+      <p15:sldGuideLst xmlns:p15="http://schemas.microsoft.com/office/powerpoint/2012/main">
+        <p15:guide id="1" pos="3840">
+          <p15:clr>
+            <a:srgbClr val="FBAE40"/>
+          </p15:clr>
+        </p15:guide>
+      </p15:sldGuideLst>
+    </p:ext>
+  </p:extLst>
+</p:sldLayout>
+</file>
+
+<file path=ppt/slideLayouts/slideLayout3.xml><?xml version="1.0" encoding="utf-8"?>
+<p:sldLayout xmlns:a="http://schemas.openxmlformats.org/drawingml/2006/main" xmlns:r="http://schemas.openxmlformats.org/officeDocument/2006/relationships" xmlns:p="http://schemas.openxmlformats.org/presentationml/2006/main" preserve="1" userDrawn="1">
+  <p:cSld name="JibresLogo with Caption">
+    <p:spTree>
+      <p:nvGrpSpPr>
+        <p:cNvPr id="1" name=""/>
+        <p:cNvGrpSpPr/>
+        <p:nvPr/>
+      </p:nvGrpSpPr>
+      <p:grpSpPr>
+        <a:xfrm>
+          <a:off x="0" y="0"/>
+          <a:ext cx="0" cy="0"/>
+          <a:chOff x="0" y="0"/>
+          <a:chExt cx="0" cy="0"/>
+        </a:xfrm>
+      </p:grpSpPr>
+      <p:sp>
+        <p:nvSpPr>
+          <p:cNvPr id="2" name="Title 1"/>
+          <p:cNvSpPr>
+            <a:spLocks noGrp="1"/>
+          </p:cNvSpPr>
+          <p:nvPr>
+            <p:ph type="title"/>
+          </p:nvPr>
+        </p:nvSpPr>
+        <p:spPr>
+          <a:xfrm>
+            <a:off x="1080000" y="1296000"/>
+            <a:ext cx="2880000" cy="720000"/>
+          </a:xfrm>
+        </p:spPr>
+        <p:txBody>
+          <a:bodyPr anchor="b">
+            <a:noAutofit/>
+          </a:bodyPr>
+          <a:lstStyle>
+            <a:lvl1pPr>
+              <a:defRPr sz="2000" b="0"/>
+            </a:lvl1pPr>
+          </a:lstStyle>
+          <a:p>
+            <a:r>
+              <a:rPr lang="en-US" dirty="0"/>
+              <a:t>Click to edit Master title style</a:t>
+            </a:r>
+          </a:p>
+        </p:txBody>
+      </p:sp>
+      <p:sp>
+        <p:nvSpPr>
+          <p:cNvPr id="4" name="Text Placeholder 3"/>
+          <p:cNvSpPr>
+            <a:spLocks noGrp="1"/>
+          </p:cNvSpPr>
+          <p:nvPr>
+            <p:ph type="body" sz="half" idx="2"/>
+          </p:nvPr>
+        </p:nvSpPr>
+        <p:spPr>
+          <a:xfrm>
+            <a:off x="1080000" y="2232000"/>
+            <a:ext cx="2880000" cy="2520000"/>
+          </a:xfrm>
+        </p:spPr>
+        <p:txBody>
+          <a:bodyPr>
+            <a:normAutofit/>
+          </a:bodyPr>
+          <a:lstStyle>
+            <a:lvl1pPr marL="0" indent="0">
+              <a:lnSpc>
+                <a:spcPct val="150000"/>
+              </a:lnSpc>
+              <a:spcAft>
+                <a:spcPts val="1000"/>
+              </a:spcAft>
+              <a:buNone/>
+              <a:defRPr sz="1200">
+                <a:latin typeface="IRANSans Light" panose="020B0506030804020204" pitchFamily="34" charset="-78"/>
+                <a:cs typeface="IRANSans Light" panose="020B0506030804020204" pitchFamily="34" charset="-78"/>
+              </a:defRPr>
+            </a:lvl1pPr>
+            <a:lvl2pPr marL="457200" indent="0">
+              <a:buNone/>
+              <a:defRPr sz="1400"/>
+            </a:lvl2pPr>
+            <a:lvl3pPr marL="914400" indent="0">
+              <a:buNone/>
+              <a:defRPr sz="1200"/>
+            </a:lvl3pPr>
+            <a:lvl4pPr marL="1371600" indent="0">
+              <a:buNone/>
+              <a:defRPr sz="1000"/>
+            </a:lvl4pPr>
+            <a:lvl5pPr marL="1828800" indent="0">
+              <a:buNone/>
+              <a:defRPr sz="1000"/>
+            </a:lvl5pPr>
+            <a:lvl6pPr marL="2286000" indent="0">
+              <a:buNone/>
+              <a:defRPr sz="1000"/>
+            </a:lvl6pPr>
+            <a:lvl7pPr marL="2743200" indent="0">
+              <a:buNone/>
+              <a:defRPr sz="1000"/>
+            </a:lvl7pPr>
+            <a:lvl8pPr marL="3200400" indent="0">
+              <a:buNone/>
+              <a:defRPr sz="1000"/>
+            </a:lvl8pPr>
+            <a:lvl9pPr marL="3657600" indent="0">
+              <a:buNone/>
+              <a:defRPr sz="1000"/>
+            </a:lvl9pPr>
+          </a:lstStyle>
+          <a:p>
+            <a:pPr lvl="0"/>
+            <a:r>
+              <a:rPr lang="en-US" dirty="0"/>
+              <a:t>Edit Master text styles</a:t>
+            </a:r>
+          </a:p>
+        </p:txBody>
+      </p:sp>
+      <p:sp>
+        <p:nvSpPr>
+          <p:cNvPr id="7" name="Slide Number Placeholder 6"/>
+          <p:cNvSpPr>
+            <a:spLocks noGrp="1"/>
+          </p:cNvSpPr>
+          <p:nvPr>
+            <p:ph type="sldNum" sz="quarter" idx="12"/>
+          </p:nvPr>
+        </p:nvSpPr>
+        <p:spPr>
+          <a:xfrm>
+            <a:off x="8868064" y="5937599"/>
+            <a:ext cx="2268249" cy="365125"/>
+          </a:xfrm>
+        </p:spPr>
+        <p:txBody>
+          <a:bodyPr/>
+          <a:lstStyle/>
+          <a:p>
+            <a:fld id="{6B8230D4-A52F-48C3-88BB-7CF0A26BA1C5}" type="slidenum">
+              <a:rPr lang="en-US" smtClean="0"/>
+              <a:t>‹#›</a:t>
+            </a:fld>
+            <a:endParaRPr lang="en-US"/>
+          </a:p>
+        </p:txBody>
+      </p:sp>
+      <p:pic>
+        <p:nvPicPr>
+          <p:cNvPr id="6" name="Graphic 5">
+            <a:extLst>
+              <a:ext uri="{FF2B5EF4-FFF2-40B4-BE49-F238E27FC236}">
+                <a16:creationId xmlns:a16="http://schemas.microsoft.com/office/drawing/2014/main" id="{DC583769-5A49-4908-AABC-4063C901E85A}"/>
+              </a:ext>
+            </a:extLst>
+          </p:cNvPr>
+          <p:cNvPicPr>
+            <a:picLocks noChangeAspect="1"/>
+          </p:cNvPicPr>
+          <p:nvPr userDrawn="1"/>
+        </p:nvPicPr>
+        <p:blipFill>
+          <a:blip r:embed="rId2" cstate="print">
+            <a:extLst>
+              <a:ext uri="{28A0092B-C50C-407E-A947-70E740481C1C}">
+                <a14:useLocalDpi xmlns:a14="http://schemas.microsoft.com/office/drawing/2010/main" val="0"/>
+              </a:ext>
+              <a:ext uri="{96DAC541-7B7A-43D3-8B79-37D633B846F1}">
+                <asvg:svgBlip xmlns:asvg="http://schemas.microsoft.com/office/drawing/2016/SVG/main" r:embed="rId3"/>
+              </a:ext>
+            </a:extLst>
+          </a:blip>
+          <a:srcRect/>
+          <a:stretch/>
+        </p:blipFill>
+        <p:spPr>
+          <a:xfrm>
+            <a:off x="6105557" y="2139593"/>
+            <a:ext cx="5040000" cy="2172414"/>
+          </a:xfrm>
+          <a:prstGeom prst="rect">
+            <a:avLst/>
+          </a:prstGeom>
+        </p:spPr>
+      </p:pic>
+    </p:spTree>
+    <p:extLst>
+      <p:ext uri="{BB962C8B-B14F-4D97-AF65-F5344CB8AC3E}">
+        <p14:creationId xmlns:p14="http://schemas.microsoft.com/office/powerpoint/2010/main" val="1016542852"/>
+      </p:ext>
+    </p:extLst>
+  </p:cSld>
+  <p:clrMapOvr>
+    <a:masterClrMapping/>
+  </p:clrMapOvr>
+  <p:extLst>
+    <p:ext uri="{DCECCB84-F9BA-43D5-87BE-67443E8EF086}">
+      <p15:sldGuideLst xmlns:p15="http://schemas.microsoft.com/office/powerpoint/2012/main">
+        <p15:guide id="1" pos="3840">
+          <p15:clr>
+            <a:srgbClr val="FBAE40"/>
+          </p15:clr>
+        </p15:guide>
+      </p15:sldGuideLst>
+    </p:ext>
+  </p:extLst>
+</p:sldLayout>
+</file>
+
+<file path=ppt/slideLayouts/slideLayout4.xml><?xml version="1.0" encoding="utf-8"?>
+<p:sldLayout xmlns:a="http://schemas.openxmlformats.org/drawingml/2006/main" xmlns:r="http://schemas.openxmlformats.org/officeDocument/2006/relationships" xmlns:p="http://schemas.openxmlformats.org/presentationml/2006/main" preserve="1" userDrawn="1">
+  <p:cSld name="1_JibresLogo with Caption">
+    <p:spTree>
+      <p:nvGrpSpPr>
+        <p:cNvPr id="1" name=""/>
+        <p:cNvGrpSpPr/>
+        <p:nvPr/>
+      </p:nvGrpSpPr>
+      <p:grpSpPr>
+        <a:xfrm>
+          <a:off x="0" y="0"/>
+          <a:ext cx="0" cy="0"/>
+          <a:chOff x="0" y="0"/>
+          <a:chExt cx="0" cy="0"/>
+        </a:xfrm>
+      </p:grpSpPr>
+      <p:sp>
+        <p:nvSpPr>
+          <p:cNvPr id="2" name="Title 1"/>
+          <p:cNvSpPr>
+            <a:spLocks noGrp="1"/>
+          </p:cNvSpPr>
+          <p:nvPr>
+            <p:ph type="title"/>
+          </p:nvPr>
+        </p:nvSpPr>
+        <p:spPr>
+          <a:xfrm>
+            <a:off x="1080000" y="1296000"/>
+            <a:ext cx="2880000" cy="720000"/>
+          </a:xfrm>
+        </p:spPr>
+        <p:txBody>
+          <a:bodyPr anchor="b">
+            <a:noAutofit/>
+          </a:bodyPr>
+          <a:lstStyle>
+            <a:lvl1pPr>
+              <a:defRPr sz="2000" b="0"/>
+            </a:lvl1pPr>
+          </a:lstStyle>
+          <a:p>
+            <a:r>
+              <a:rPr lang="en-US" dirty="0"/>
+              <a:t>Click to edit Master title style</a:t>
+            </a:r>
+          </a:p>
+        </p:txBody>
+      </p:sp>
+      <p:sp>
+        <p:nvSpPr>
+          <p:cNvPr id="4" name="Text Placeholder 3"/>
+          <p:cNvSpPr>
+            <a:spLocks noGrp="1"/>
+          </p:cNvSpPr>
+          <p:nvPr>
+            <p:ph type="body" sz="half" idx="2"/>
+          </p:nvPr>
+        </p:nvSpPr>
+        <p:spPr>
+          <a:xfrm>
+            <a:off x="1080000" y="2232000"/>
+            <a:ext cx="2880000" cy="2520000"/>
+          </a:xfrm>
+        </p:spPr>
+        <p:txBody>
+          <a:bodyPr>
+            <a:normAutofit/>
+          </a:bodyPr>
+          <a:lstStyle>
+            <a:lvl1pPr marL="0" indent="0">
+              <a:lnSpc>
+                <a:spcPct val="150000"/>
+              </a:lnSpc>
+              <a:spcAft>
+                <a:spcPts val="1000"/>
+              </a:spcAft>
+              <a:buNone/>
+              <a:defRPr sz="1200">
+                <a:latin typeface="IRANSans Light" panose="020B0506030804020204" pitchFamily="34" charset="-78"/>
+                <a:cs typeface="IRANSans Light" panose="020B0506030804020204" pitchFamily="34" charset="-78"/>
+              </a:defRPr>
+            </a:lvl1pPr>
+            <a:lvl2pPr marL="457200" indent="0">
+              <a:buNone/>
+              <a:defRPr sz="1400"/>
+            </a:lvl2pPr>
+            <a:lvl3pPr marL="914400" indent="0">
+              <a:buNone/>
+              <a:defRPr sz="1200"/>
+            </a:lvl3pPr>
+            <a:lvl4pPr marL="1371600" indent="0">
+              <a:buNone/>
+              <a:defRPr sz="1000"/>
+            </a:lvl4pPr>
+            <a:lvl5pPr marL="1828800" indent="0">
+              <a:buNone/>
+              <a:defRPr sz="1000"/>
+            </a:lvl5pPr>
+            <a:lvl6pPr marL="2286000" indent="0">
+              <a:buNone/>
+              <a:defRPr sz="1000"/>
+            </a:lvl6pPr>
+            <a:lvl7pPr marL="2743200" indent="0">
+              <a:buNone/>
+              <a:defRPr sz="1000"/>
+            </a:lvl7pPr>
+            <a:lvl8pPr marL="3200400" indent="0">
+              <a:buNone/>
+              <a:defRPr sz="1000"/>
+            </a:lvl8pPr>
+            <a:lvl9pPr marL="3657600" indent="0">
+              <a:buNone/>
+              <a:defRPr sz="1000"/>
+            </a:lvl9pPr>
+          </a:lstStyle>
+          <a:p>
+            <a:pPr lvl="0"/>
+            <a:r>
+              <a:rPr lang="en-US" dirty="0"/>
+              <a:t>Edit Master text styles</a:t>
+            </a:r>
+          </a:p>
+        </p:txBody>
+      </p:sp>
+      <p:sp>
+        <p:nvSpPr>
+          <p:cNvPr id="7" name="Slide Number Placeholder 6"/>
+          <p:cNvSpPr>
+            <a:spLocks noGrp="1"/>
+          </p:cNvSpPr>
+          <p:nvPr>
+            <p:ph type="sldNum" sz="quarter" idx="12"/>
+          </p:nvPr>
+        </p:nvSpPr>
+        <p:spPr>
+          <a:xfrm>
+            <a:off x="8868064" y="5937599"/>
+            <a:ext cx="2268249" cy="365125"/>
+          </a:xfrm>
+        </p:spPr>
+        <p:txBody>
+          <a:bodyPr/>
+          <a:lstStyle/>
+          <a:p>
+            <a:fld id="{6B8230D4-A52F-48C3-88BB-7CF0A26BA1C5}" type="slidenum">
+              <a:rPr lang="en-US" smtClean="0"/>
+              <a:t>‹#›</a:t>
+            </a:fld>
+            <a:endParaRPr lang="en-US"/>
+          </a:p>
+        </p:txBody>
+      </p:sp>
+      <p:pic>
+        <p:nvPicPr>
+          <p:cNvPr id="6" name="Graphic 5">
+            <a:extLst>
+              <a:ext uri="{FF2B5EF4-FFF2-40B4-BE49-F238E27FC236}">
+                <a16:creationId xmlns:a16="http://schemas.microsoft.com/office/drawing/2014/main" id="{DC583769-5A49-4908-AABC-4063C901E85A}"/>
+              </a:ext>
+            </a:extLst>
+          </p:cNvPr>
+          <p:cNvPicPr>
+            <a:picLocks noChangeAspect="1"/>
+          </p:cNvPicPr>
+          <p:nvPr userDrawn="1"/>
+        </p:nvPicPr>
+        <p:blipFill>
+          <a:blip r:embed="rId2" cstate="print">
+            <a:extLst>
+              <a:ext uri="{28A0092B-C50C-407E-A947-70E740481C1C}">
+                <a14:useLocalDpi xmlns:a14="http://schemas.microsoft.com/office/drawing/2010/main" val="0"/>
+              </a:ext>
+              <a:ext uri="{96DAC541-7B7A-43D3-8B79-37D633B846F1}">
+                <asvg:svgBlip xmlns:asvg="http://schemas.microsoft.com/office/drawing/2016/SVG/main" r:embed="rId3"/>
+              </a:ext>
+            </a:extLst>
+          </a:blip>
+          <a:srcRect/>
+          <a:stretch/>
+        </p:blipFill>
+        <p:spPr>
+          <a:xfrm>
+            <a:off x="6838219" y="1440000"/>
+            <a:ext cx="3240000" cy="3069474"/>
+          </a:xfrm>
+          <a:prstGeom prst="rect">
+            <a:avLst/>
+          </a:prstGeom>
+        </p:spPr>
+      </p:pic>
+    </p:spTree>
+    <p:extLst>
+      <p:ext uri="{BB962C8B-B14F-4D97-AF65-F5344CB8AC3E}">
+        <p14:creationId xmlns:p14="http://schemas.microsoft.com/office/powerpoint/2010/main" val="2303007461"/>
+      </p:ext>
+    </p:extLst>
+  </p:cSld>
+  <p:clrMapOvr>
+    <a:masterClrMapping/>
+  </p:clrMapOvr>
+  <p:extLst>
+    <p:ext uri="{DCECCB84-F9BA-43D5-87BE-67443E8EF086}">
+      <p15:sldGuideLst xmlns:p15="http://schemas.microsoft.com/office/powerpoint/2012/main">
+        <p15:guide id="1" pos="3840">
+          <p15:clr>
+            <a:srgbClr val="FBAE40"/>
+          </p15:clr>
+        </p15:guide>
+      </p15:sldGuideLst>
+    </p:ext>
+  </p:extLst>
+</p:sldLayout>
+</file>
+
+<file path=ppt/slideLayouts/slideLayout5.xml><?xml version="1.0" encoding="utf-8"?>
+<p:sldLayout xmlns:a="http://schemas.openxmlformats.org/drawingml/2006/main" xmlns:r="http://schemas.openxmlformats.org/officeDocument/2006/relationships" xmlns:p="http://schemas.openxmlformats.org/presentationml/2006/main" preserve="1" userDrawn="1">
+  <p:cSld name="2_JibresLogo with Caption">
+    <p:spTree>
+      <p:nvGrpSpPr>
+        <p:cNvPr id="1" name=""/>
+        <p:cNvGrpSpPr/>
+        <p:nvPr/>
+      </p:nvGrpSpPr>
+      <p:grpSpPr>
+        <a:xfrm>
+          <a:off x="0" y="0"/>
+          <a:ext cx="0" cy="0"/>
+          <a:chOff x="0" y="0"/>
+          <a:chExt cx="0" cy="0"/>
+        </a:xfrm>
+      </p:grpSpPr>
+      <p:sp>
+        <p:nvSpPr>
+          <p:cNvPr id="2" name="Title 1"/>
+          <p:cNvSpPr>
+            <a:spLocks noGrp="1"/>
+          </p:cNvSpPr>
+          <p:nvPr>
+            <p:ph type="title"/>
+          </p:nvPr>
+        </p:nvSpPr>
+        <p:spPr>
+          <a:xfrm>
+            <a:off x="1080000" y="1296000"/>
+            <a:ext cx="2880000" cy="720000"/>
+          </a:xfrm>
+        </p:spPr>
+        <p:txBody>
+          <a:bodyPr anchor="b">
+            <a:noAutofit/>
+          </a:bodyPr>
+          <a:lstStyle>
+            <a:lvl1pPr>
+              <a:defRPr sz="2000" b="0"/>
+            </a:lvl1pPr>
+          </a:lstStyle>
+          <a:p>
+            <a:r>
+              <a:rPr lang="en-US" dirty="0"/>
+              <a:t>Click to edit Master title style</a:t>
+            </a:r>
+          </a:p>
+        </p:txBody>
+      </p:sp>
+      <p:sp>
+        <p:nvSpPr>
+          <p:cNvPr id="4" name="Text Placeholder 3"/>
+          <p:cNvSpPr>
+            <a:spLocks noGrp="1"/>
+          </p:cNvSpPr>
+          <p:nvPr>
+            <p:ph type="body" sz="half" idx="2"/>
+          </p:nvPr>
+        </p:nvSpPr>
+        <p:spPr>
+          <a:xfrm>
+            <a:off x="1080000" y="2232000"/>
+            <a:ext cx="2880000" cy="2520000"/>
+          </a:xfrm>
+        </p:spPr>
+        <p:txBody>
+          <a:bodyPr>
+            <a:normAutofit/>
+          </a:bodyPr>
+          <a:lstStyle>
+            <a:lvl1pPr marL="0" indent="0">
+              <a:lnSpc>
+                <a:spcPct val="150000"/>
+              </a:lnSpc>
+              <a:spcAft>
+                <a:spcPts val="1000"/>
+              </a:spcAft>
+              <a:buNone/>
+              <a:defRPr sz="1200">
+                <a:latin typeface="IRANSans Light" panose="020B0506030804020204" pitchFamily="34" charset="-78"/>
+                <a:cs typeface="IRANSans Light" panose="020B0506030804020204" pitchFamily="34" charset="-78"/>
+              </a:defRPr>
+            </a:lvl1pPr>
+            <a:lvl2pPr marL="457200" indent="0">
+              <a:buNone/>
+              <a:defRPr sz="1400"/>
+            </a:lvl2pPr>
+            <a:lvl3pPr marL="914400" indent="0">
+              <a:buNone/>
+              <a:defRPr sz="1200"/>
+            </a:lvl3pPr>
+            <a:lvl4pPr marL="1371600" indent="0">
+              <a:buNone/>
+              <a:defRPr sz="1000"/>
+            </a:lvl4pPr>
+            <a:lvl5pPr marL="1828800" indent="0">
+              <a:buNone/>
+              <a:defRPr sz="1000"/>
+            </a:lvl5pPr>
+            <a:lvl6pPr marL="2286000" indent="0">
+              <a:buNone/>
+              <a:defRPr sz="1000"/>
+            </a:lvl6pPr>
+            <a:lvl7pPr marL="2743200" indent="0">
+              <a:buNone/>
+              <a:defRPr sz="1000"/>
+            </a:lvl7pPr>
+            <a:lvl8pPr marL="3200400" indent="0">
+              <a:buNone/>
+              <a:defRPr sz="1000"/>
+            </a:lvl8pPr>
+            <a:lvl9pPr marL="3657600" indent="0">
+              <a:buNone/>
+              <a:defRPr sz="1000"/>
+            </a:lvl9pPr>
+          </a:lstStyle>
+          <a:p>
+            <a:pPr lvl="0"/>
+            <a:r>
+              <a:rPr lang="en-US" dirty="0"/>
+              <a:t>Edit Master text styles</a:t>
+            </a:r>
+          </a:p>
+        </p:txBody>
+      </p:sp>
+      <p:sp>
+        <p:nvSpPr>
+          <p:cNvPr id="7" name="Slide Number Placeholder 6"/>
+          <p:cNvSpPr>
+            <a:spLocks noGrp="1"/>
+          </p:cNvSpPr>
+          <p:nvPr>
+            <p:ph type="sldNum" sz="quarter" idx="12"/>
+          </p:nvPr>
+        </p:nvSpPr>
+        <p:spPr>
+          <a:xfrm>
+            <a:off x="8868064" y="5937599"/>
+            <a:ext cx="2268249" cy="365125"/>
+          </a:xfrm>
+        </p:spPr>
+        <p:txBody>
+          <a:bodyPr/>
+          <a:lstStyle/>
+          <a:p>
+            <a:fld id="{6B8230D4-A52F-48C3-88BB-7CF0A26BA1C5}" type="slidenum">
+              <a:rPr lang="en-US" smtClean="0"/>
+              <a:t>‹#›</a:t>
+            </a:fld>
+            <a:endParaRPr lang="en-US"/>
+          </a:p>
+        </p:txBody>
+      </p:sp>
+      <p:pic>
+        <p:nvPicPr>
+          <p:cNvPr id="6" name="Graphic 5">
+            <a:extLst>
+              <a:ext uri="{FF2B5EF4-FFF2-40B4-BE49-F238E27FC236}">
+                <a16:creationId xmlns:a16="http://schemas.microsoft.com/office/drawing/2014/main" id="{DC583769-5A49-4908-AABC-4063C901E85A}"/>
+              </a:ext>
+            </a:extLst>
+          </p:cNvPr>
+          <p:cNvPicPr>
+            <a:picLocks noChangeAspect="1"/>
+          </p:cNvPicPr>
+          <p:nvPr userDrawn="1"/>
+        </p:nvPicPr>
+        <p:blipFill>
+          <a:blip r:embed="rId2" cstate="print">
+            <a:extLst>
+              <a:ext uri="{28A0092B-C50C-407E-A947-70E740481C1C}">
+                <a14:useLocalDpi xmlns:a14="http://schemas.microsoft.com/office/drawing/2010/main" val="0"/>
+              </a:ext>
+              <a:ext uri="{96DAC541-7B7A-43D3-8B79-37D633B846F1}">
+                <asvg:svgBlip xmlns:asvg="http://schemas.microsoft.com/office/drawing/2016/SVG/main" r:embed="rId3"/>
+              </a:ext>
+            </a:extLst>
+          </a:blip>
+          <a:srcRect/>
+          <a:stretch/>
+        </p:blipFill>
+        <p:spPr>
+          <a:xfrm>
+            <a:off x="6795185" y="1722300"/>
+            <a:ext cx="2880000" cy="2880000"/>
+          </a:xfrm>
+          <a:prstGeom prst="rect">
+            <a:avLst/>
+          </a:prstGeom>
+        </p:spPr>
+      </p:pic>
+    </p:spTree>
+    <p:extLst>
+      <p:ext uri="{BB962C8B-B14F-4D97-AF65-F5344CB8AC3E}">
+        <p14:creationId xmlns:p14="http://schemas.microsoft.com/office/powerpoint/2010/main" val="3127470596"/>
+      </p:ext>
+    </p:extLst>
+  </p:cSld>
+  <p:clrMapOvr>
+    <a:masterClrMapping/>
+  </p:clrMapOvr>
+  <p:extLst>
+    <p:ext uri="{DCECCB84-F9BA-43D5-87BE-67443E8EF086}">
+      <p15:sldGuideLst xmlns:p15="http://schemas.microsoft.com/office/powerpoint/2012/main">
+        <p15:guide id="1" pos="3840">
+          <p15:clr>
+            <a:srgbClr val="FBAE40"/>
+          </p15:clr>
+        </p15:guide>
+      </p15:sldGuideLst>
+    </p:ext>
+  </p:extLst>
+</p:sldLayout>
+</file>
+
+<file path=ppt/slideLayouts/slideLayout6.xml><?xml version="1.0" encoding="utf-8"?>
+<p:sldLayout xmlns:a="http://schemas.openxmlformats.org/drawingml/2006/main" xmlns:r="http://schemas.openxmlformats.org/officeDocument/2006/relationships" xmlns:p="http://schemas.openxmlformats.org/presentationml/2006/main" preserve="1" userDrawn="1">
+  <p:cSld name="1_Picture with Caption">
+    <p:spTree>
+      <p:nvGrpSpPr>
+        <p:cNvPr id="1" name=""/>
+        <p:cNvGrpSpPr/>
+        <p:nvPr/>
+      </p:nvGrpSpPr>
+      <p:grpSpPr>
+        <a:xfrm>
+          <a:off x="0" y="0"/>
+          <a:ext cx="0" cy="0"/>
+          <a:chOff x="0" y="0"/>
+          <a:chExt cx="0" cy="0"/>
+        </a:xfrm>
+      </p:grpSpPr>
+      <p:sp>
+        <p:nvSpPr>
+          <p:cNvPr id="2" name="Title 1"/>
+          <p:cNvSpPr>
+            <a:spLocks noGrp="1"/>
+          </p:cNvSpPr>
+          <p:nvPr>
+            <p:ph type="title"/>
+          </p:nvPr>
+        </p:nvSpPr>
+        <p:spPr>
+          <a:xfrm>
+            <a:off x="1059679" y="1273324"/>
+            <a:ext cx="3712346" cy="700348"/>
+          </a:xfrm>
+        </p:spPr>
+        <p:txBody>
+          <a:bodyPr anchor="t">
+            <a:noAutofit/>
+          </a:bodyPr>
+          <a:lstStyle>
+            <a:lvl1pPr>
+              <a:defRPr sz="2000" b="0"/>
+            </a:lvl1pPr>
+          </a:lstStyle>
+          <a:p>
+            <a:r>
+              <a:rPr lang="en-US" dirty="0"/>
+              <a:t>Click to edit Master title style</a:t>
+            </a:r>
+          </a:p>
+        </p:txBody>
+      </p:sp>
+      <p:sp>
+        <p:nvSpPr>
+          <p:cNvPr id="4" name="Text Placeholder 3"/>
+          <p:cNvSpPr>
+            <a:spLocks noGrp="1"/>
+          </p:cNvSpPr>
+          <p:nvPr>
+            <p:ph type="body" sz="half" idx="2"/>
+          </p:nvPr>
+        </p:nvSpPr>
+        <p:spPr>
+          <a:xfrm>
+            <a:off x="1059679" y="2057400"/>
+            <a:ext cx="3712346" cy="3779378"/>
+          </a:xfrm>
+        </p:spPr>
+        <p:txBody>
+          <a:bodyPr>
+            <a:normAutofit/>
+          </a:bodyPr>
+          <a:lstStyle>
+            <a:lvl1pPr marL="0" indent="0">
+              <a:lnSpc>
+                <a:spcPct val="150000"/>
+              </a:lnSpc>
+              <a:spcAft>
+                <a:spcPts val="1000"/>
+              </a:spcAft>
+              <a:buNone/>
+              <a:defRPr sz="1200">
+                <a:latin typeface="IRANSans Light" panose="020B0506030804020204" pitchFamily="34" charset="-78"/>
+                <a:cs typeface="IRANSans Light" panose="020B0506030804020204" pitchFamily="34" charset="-78"/>
+              </a:defRPr>
+            </a:lvl1pPr>
+            <a:lvl2pPr marL="457200" indent="0">
+              <a:buNone/>
+              <a:defRPr sz="1400"/>
+            </a:lvl2pPr>
+            <a:lvl3pPr marL="914400" indent="0">
+              <a:buNone/>
+              <a:defRPr sz="1200"/>
+            </a:lvl3pPr>
+            <a:lvl4pPr marL="1371600" indent="0">
+              <a:buNone/>
+              <a:defRPr sz="1000"/>
+            </a:lvl4pPr>
+            <a:lvl5pPr marL="1828800" indent="0">
+              <a:buNone/>
+              <a:defRPr sz="1000"/>
+            </a:lvl5pPr>
+            <a:lvl6pPr marL="2286000" indent="0">
+              <a:buNone/>
+              <a:defRPr sz="1000"/>
+            </a:lvl6pPr>
+            <a:lvl7pPr marL="2743200" indent="0">
+              <a:buNone/>
+              <a:defRPr sz="1000"/>
+            </a:lvl7pPr>
+            <a:lvl8pPr marL="3200400" indent="0">
+              <a:buNone/>
+              <a:defRPr sz="1000"/>
+            </a:lvl8pPr>
+            <a:lvl9pPr marL="3657600" indent="0">
+              <a:buNone/>
+              <a:defRPr sz="1000"/>
+            </a:lvl9pPr>
+          </a:lstStyle>
+          <a:p>
+            <a:pPr lvl="0"/>
+            <a:r>
+              <a:rPr lang="en-US" dirty="0"/>
+              <a:t>Edit Master text styles</a:t>
+            </a:r>
+          </a:p>
+        </p:txBody>
+      </p:sp>
+      <p:sp>
+        <p:nvSpPr>
+          <p:cNvPr id="7" name="Slide Number Placeholder 6"/>
+          <p:cNvSpPr>
+            <a:spLocks noGrp="1"/>
+          </p:cNvSpPr>
+          <p:nvPr>
+            <p:ph type="sldNum" sz="quarter" idx="12"/>
+          </p:nvPr>
+        </p:nvSpPr>
+        <p:spPr>
+          <a:xfrm>
+            <a:off x="8868064" y="5937599"/>
+            <a:ext cx="2268249" cy="365125"/>
+          </a:xfrm>
+        </p:spPr>
+        <p:txBody>
+          <a:bodyPr/>
+          <a:lstStyle/>
+          <a:p>
+            <a:fld id="{6B8230D4-A52F-48C3-88BB-7CF0A26BA1C5}" type="slidenum">
+              <a:rPr lang="en-US" smtClean="0"/>
+              <a:t>‹#›</a:t>
+            </a:fld>
+            <a:endParaRPr lang="en-US"/>
+          </a:p>
+        </p:txBody>
+      </p:sp>
+      <p:sp>
+        <p:nvSpPr>
+          <p:cNvPr id="6" name="Content Placeholder 5">
+            <a:extLst>
+              <a:ext uri="{FF2B5EF4-FFF2-40B4-BE49-F238E27FC236}">
+                <a16:creationId xmlns:a16="http://schemas.microsoft.com/office/drawing/2014/main" id="{70779BCD-9680-4E19-9C78-549D0760B83D}"/>
+              </a:ext>
+            </a:extLst>
+          </p:cNvPr>
+          <p:cNvSpPr>
+            <a:spLocks noGrp="1"/>
+          </p:cNvSpPr>
+          <p:nvPr>
+            <p:ph sz="quarter" idx="13"/>
+          </p:nvPr>
+        </p:nvSpPr>
+        <p:spPr>
+          <a:xfrm>
+            <a:off x="7560000" y="1980000"/>
+            <a:ext cx="2881459" cy="2871794"/>
+          </a:xfrm>
+        </p:spPr>
+        <p:txBody>
+          <a:bodyPr>
+            <a:noAutofit/>
+          </a:bodyPr>
+          <a:lstStyle>
+            <a:lvl1pPr marL="0" indent="0">
+              <a:buNone/>
+              <a:defRPr sz="1400"/>
+            </a:lvl1pPr>
+            <a:lvl2pPr>
+              <a:defRPr sz="1200"/>
+            </a:lvl2pPr>
+            <a:lvl3pPr>
+              <a:defRPr sz="1100"/>
+            </a:lvl3pPr>
+            <a:lvl4pPr>
+              <a:defRPr sz="1050"/>
+            </a:lvl4pPr>
+            <a:lvl5pPr>
+              <a:defRPr sz="1050"/>
+            </a:lvl5pPr>
+          </a:lstStyle>
+          <a:p>
+            <a:pPr lvl="0"/>
+            <a:r>
+              <a:rPr lang="en-US" dirty="0"/>
+              <a:t>Click to edit Master text styles</a:t>
+            </a:r>
+          </a:p>
+        </p:txBody>
+      </p:sp>
+    </p:spTree>
+    <p:extLst>
+      <p:ext uri="{BB962C8B-B14F-4D97-AF65-F5344CB8AC3E}">
+        <p14:creationId xmlns:p14="http://schemas.microsoft.com/office/powerpoint/2010/main" val="3948050768"/>
+      </p:ext>
+    </p:extLst>
+  </p:cSld>
+  <p:clrMapOvr>
+    <a:masterClrMapping/>
+  </p:clrMapOvr>
+  <p:extLst>
+    <p:ext uri="{DCECCB84-F9BA-43D5-87BE-67443E8EF086}">
+      <p15:sldGuideLst xmlns:p15="http://schemas.microsoft.com/office/powerpoint/2012/main">
+        <p15:guide id="1" pos="3840">
+          <p15:clr>
+            <a:srgbClr val="FBAE40"/>
+          </p15:clr>
+        </p15:guide>
+      </p15:sldGuideLst>
+    </p:ext>
+  </p:extLst>
+</p:sldLayout>
+</file>
+
+<file path=ppt/slideLayouts/slideLayout7.xml><?xml version="1.0" encoding="utf-8"?>
+<p:sldLayout xmlns:a="http://schemas.openxmlformats.org/drawingml/2006/main" xmlns:r="http://schemas.openxmlformats.org/officeDocument/2006/relationships" xmlns:p="http://schemas.openxmlformats.org/presentationml/2006/main" type="secHead" preserve="1">
+  <p:cSld name="Section Header">
+    <p:spTree>
+      <p:nvGrpSpPr>
+        <p:cNvPr id="1" name=""/>
+        <p:cNvGrpSpPr/>
+        <p:nvPr/>
+      </p:nvGrpSpPr>
+      <p:grpSpPr>
+        <a:xfrm>
+          <a:off x="0" y="0"/>
+          <a:ext cx="0" cy="0"/>
+          <a:chOff x="0" y="0"/>
+          <a:chExt cx="0" cy="0"/>
+        </a:xfrm>
+      </p:grpSpPr>
+      <p:sp>
+        <p:nvSpPr>
+          <p:cNvPr id="2" name="Title 1"/>
+          <p:cNvSpPr>
+            <a:spLocks noGrp="1"/>
+          </p:cNvSpPr>
+          <p:nvPr>
+            <p:ph type="title"/>
+          </p:nvPr>
+        </p:nvSpPr>
+        <p:spPr>
+          <a:xfrm>
+            <a:off x="831850" y="1709739"/>
+            <a:ext cx="10515600" cy="2443518"/>
+          </a:xfrm>
+        </p:spPr>
+        <p:txBody>
+          <a:bodyPr anchor="b"/>
+          <a:lstStyle>
+            <a:lvl1pPr>
+              <a:defRPr sz="6000"/>
+            </a:lvl1pPr>
+          </a:lstStyle>
+          <a:p>
+            <a:r>
+              <a:rPr lang="en-US"/>
+              <a:t>Click to edit Master title style</a:t>
+            </a:r>
+          </a:p>
+        </p:txBody>
+      </p:sp>
+      <p:sp>
+        <p:nvSpPr>
+          <p:cNvPr id="3" name="Text Placeholder 2"/>
+          <p:cNvSpPr>
+            <a:spLocks noGrp="1"/>
+          </p:cNvSpPr>
+          <p:nvPr>
+            <p:ph type="body" idx="1"/>
+          </p:nvPr>
+        </p:nvSpPr>
+        <p:spPr>
+          <a:xfrm>
+            <a:off x="831850" y="4346609"/>
+            <a:ext cx="10515600" cy="1500187"/>
+          </a:xfrm>
+        </p:spPr>
+        <p:txBody>
+          <a:bodyPr/>
+          <a:lstStyle>
+            <a:lvl1pPr marL="0" indent="0">
+              <a:buNone/>
+              <a:defRPr sz="2400">
+                <a:solidFill>
+                  <a:schemeClr val="tx1">
+                    <a:tint val="75000"/>
+                  </a:schemeClr>
+                </a:solidFill>
+              </a:defRPr>
+            </a:lvl1pPr>
+            <a:lvl2pPr marL="457200" indent="0">
+              <a:buNone/>
+              <a:defRPr sz="2000">
+                <a:solidFill>
+                  <a:schemeClr val="tx1">
+                    <a:tint val="75000"/>
+                  </a:schemeClr>
+                </a:solidFill>
+              </a:defRPr>
+            </a:lvl2pPr>
+            <a:lvl3pPr marL="914400" indent="0">
+              <a:buNone/>
+              <a:defRPr sz="1800">
+                <a:solidFill>
+                  <a:schemeClr val="tx1">
+                    <a:tint val="75000"/>
+                  </a:schemeClr>
+                </a:solidFill>
+              </a:defRPr>
+            </a:lvl3pPr>
+            <a:lvl4pPr marL="1371600" indent="0">
+              <a:buNone/>
+              <a:defRPr sz="1600">
+                <a:solidFill>
+                  <a:schemeClr val="tx1">
+                    <a:tint val="75000"/>
+                  </a:schemeClr>
+                </a:solidFill>
+              </a:defRPr>
+            </a:lvl4pPr>
+            <a:lvl5pPr marL="1828800" indent="0">
+              <a:buNone/>
+              <a:defRPr sz="1600">
+                <a:solidFill>
+                  <a:schemeClr val="tx1">
+                    <a:tint val="75000"/>
+                  </a:schemeClr>
+                </a:solidFill>
+              </a:defRPr>
+            </a:lvl5pPr>
+            <a:lvl6pPr marL="2286000" indent="0">
+              <a:buNone/>
+              <a:defRPr sz="1600">
+                <a:solidFill>
+                  <a:schemeClr val="tx1">
+                    <a:tint val="75000"/>
+                  </a:schemeClr>
+                </a:solidFill>
+              </a:defRPr>
+            </a:lvl6pPr>
+            <a:lvl7pPr marL="2743200" indent="0">
+              <a:buNone/>
+              <a:defRPr sz="1600">
+                <a:solidFill>
+                  <a:schemeClr val="tx1">
+                    <a:tint val="75000"/>
+                  </a:schemeClr>
+                </a:solidFill>
+              </a:defRPr>
+            </a:lvl7pPr>
+            <a:lvl8pPr marL="3200400" indent="0">
+              <a:buNone/>
+              <a:defRPr sz="1600">
+                <a:solidFill>
+                  <a:schemeClr val="tx1">
+                    <a:tint val="75000"/>
+                  </a:schemeClr>
+                </a:solidFill>
+              </a:defRPr>
+            </a:lvl8pPr>
+            <a:lvl9pPr marL="3657600" indent="0">
+              <a:buNone/>
+              <a:defRPr sz="1600">
+                <a:solidFill>
+                  <a:schemeClr val="tx1">
+                    <a:tint val="75000"/>
+                  </a:schemeClr>
+                </a:solidFill>
+              </a:defRPr>
+            </a:lvl9pPr>
+          </a:lstStyle>
+          <a:p>
+            <a:pPr lvl="0"/>
+            <a:r>
+              <a:rPr lang="en-US"/>
+              <a:t>Edit Master text styles</a:t>
+            </a:r>
+          </a:p>
+        </p:txBody>
+      </p:sp>
+      <p:sp>
+        <p:nvSpPr>
+          <p:cNvPr id="5" name="Footer Placeholder 4"/>
+          <p:cNvSpPr>
+            <a:spLocks noGrp="1"/>
+          </p:cNvSpPr>
+          <p:nvPr>
+            <p:ph type="ftr" sz="quarter" idx="11"/>
+          </p:nvPr>
+        </p:nvSpPr>
+        <p:spPr>
+          <a:xfrm>
+            <a:off x="1055687" y="5943599"/>
+            <a:ext cx="3033045" cy="365125"/>
+          </a:xfrm>
+          <a:prstGeom prst="rect">
+            <a:avLst/>
+          </a:prstGeom>
+        </p:spPr>
+        <p:txBody>
+          <a:bodyPr/>
+          <a:lstStyle/>
+          <a:p>
+            <a:endParaRPr lang="en-US"/>
+          </a:p>
+        </p:txBody>
+      </p:sp>
+      <p:sp>
+        <p:nvSpPr>
+          <p:cNvPr id="6" name="Slide Number Placeholder 5"/>
+          <p:cNvSpPr>
+            <a:spLocks noGrp="1"/>
+          </p:cNvSpPr>
+          <p:nvPr>
+            <p:ph type="sldNum" sz="quarter" idx="12"/>
+          </p:nvPr>
+        </p:nvSpPr>
+        <p:spPr/>
+        <p:txBody>
+          <a:bodyPr/>
+          <a:lstStyle/>
+          <a:p>
+            <a:fld id="{6B8230D4-A52F-48C3-88BB-7CF0A26BA1C5}" type="slidenum">
+              <a:rPr lang="en-US" smtClean="0"/>
+              <a:t>‹#›</a:t>
+            </a:fld>
+            <a:endParaRPr lang="en-US"/>
+          </a:p>
+        </p:txBody>
+      </p:sp>
+    </p:spTree>
+    <p:extLst>
+      <p:ext uri="{BB962C8B-B14F-4D97-AF65-F5344CB8AC3E}">
+        <p14:creationId xmlns:p14="http://schemas.microsoft.com/office/powerpoint/2010/main" val="2816712535"/>
+      </p:ext>
+    </p:extLst>
+  </p:cSld>
+  <p:clrMapOvr>
+    <a:masterClrMapping/>
+  </p:clrMapOvr>
+</p:sldLayout>
+</file>
+
+<file path=ppt/slideLayouts/slideLayout8.xml><?xml version="1.0" encoding="utf-8"?>
+<p:sldLayout xmlns:a="http://schemas.openxmlformats.org/drawingml/2006/main" xmlns:r="http://schemas.openxmlformats.org/officeDocument/2006/relationships" xmlns:p="http://schemas.openxmlformats.org/presentationml/2006/main" type="title" preserve="1">
+  <p:cSld name="Title Slide">
+    <p:spTree>
+      <p:nvGrpSpPr>
+        <p:cNvPr id="1" name=""/>
+        <p:cNvGrpSpPr/>
+        <p:nvPr/>
+      </p:nvGrpSpPr>
+      <p:grpSpPr>
+        <a:xfrm>
+          <a:off x="0" y="0"/>
+          <a:ext cx="0" cy="0"/>
+          <a:chOff x="0" y="0"/>
+          <a:chExt cx="0" cy="0"/>
+        </a:xfrm>
+      </p:grpSpPr>
+      <p:sp>
+        <p:nvSpPr>
+          <p:cNvPr id="2" name="Title 1"/>
+          <p:cNvSpPr>
+            <a:spLocks noGrp="1"/>
+          </p:cNvSpPr>
+          <p:nvPr>
+            <p:ph type="ctrTitle"/>
+          </p:nvPr>
+        </p:nvSpPr>
+        <p:spPr>
+          <a:xfrm>
+            <a:off x="1524000" y="1122363"/>
+            <a:ext cx="9144000" cy="2387600"/>
+          </a:xfrm>
+        </p:spPr>
+        <p:txBody>
+          <a:bodyPr anchor="b"/>
+          <a:lstStyle>
+            <a:lvl1pPr algn="ctr">
+              <a:defRPr sz="6000"/>
+            </a:lvl1pPr>
+          </a:lstStyle>
+          <a:p>
+            <a:r>
+              <a:rPr lang="en-US"/>
+              <a:t>Click to edit Master title style</a:t>
+            </a:r>
+          </a:p>
+        </p:txBody>
+      </p:sp>
+      <p:sp>
+        <p:nvSpPr>
+          <p:cNvPr id="3" name="Subtitle 2"/>
+          <p:cNvSpPr>
+            <a:spLocks noGrp="1"/>
+          </p:cNvSpPr>
+          <p:nvPr>
+            <p:ph type="subTitle" idx="1"/>
+          </p:nvPr>
+        </p:nvSpPr>
+        <p:spPr>
+          <a:xfrm>
+            <a:off x="1524000" y="3602038"/>
+            <a:ext cx="9144000" cy="1655762"/>
+          </a:xfrm>
+        </p:spPr>
+        <p:txBody>
+          <a:bodyPr/>
+          <a:lstStyle>
+            <a:lvl1pPr marL="0" indent="0" algn="ctr">
+              <a:buNone/>
+              <a:defRPr sz="2400"/>
+            </a:lvl1pPr>
+            <a:lvl2pPr marL="457200" indent="0" algn="ctr">
+              <a:buNone/>
+              <a:defRPr sz="2000"/>
+            </a:lvl2pPr>
+            <a:lvl3pPr marL="914400" indent="0" algn="ctr">
+              <a:buNone/>
+              <a:defRPr sz="1800"/>
+            </a:lvl3pPr>
+            <a:lvl4pPr marL="1371600" indent="0" algn="ctr">
+              <a:buNone/>
+              <a:defRPr sz="1600"/>
+            </a:lvl4pPr>
+            <a:lvl5pPr marL="1828800" indent="0" algn="ctr">
+              <a:buNone/>
+              <a:defRPr sz="1600"/>
+            </a:lvl5pPr>
+            <a:lvl6pPr marL="2286000" indent="0" algn="ctr">
+              <a:buNone/>
+              <a:defRPr sz="1600"/>
+            </a:lvl6pPr>
+            <a:lvl7pPr marL="2743200" indent="0" algn="ctr">
+              <a:buNone/>
+              <a:defRPr sz="1600"/>
+            </a:lvl7pPr>
+            <a:lvl8pPr marL="3200400" indent="0" algn="ctr">
+              <a:buNone/>
+              <a:defRPr sz="1600"/>
+            </a:lvl8pPr>
+            <a:lvl9pPr marL="3657600" indent="0" algn="ctr">
+              <a:buNone/>
+              <a:defRPr sz="1600"/>
+            </a:lvl9pPr>
+          </a:lstStyle>
+          <a:p>
+            <a:r>
+              <a:rPr lang="en-US"/>
+              <a:t>Click to edit Master subtitle style</a:t>
+            </a:r>
+          </a:p>
+        </p:txBody>
+      </p:sp>
+      <p:sp>
+        <p:nvSpPr>
+          <p:cNvPr id="5" name="Footer Placeholder 4"/>
+          <p:cNvSpPr>
+            <a:spLocks noGrp="1"/>
+          </p:cNvSpPr>
+          <p:nvPr>
+            <p:ph type="ftr" sz="quarter" idx="11"/>
+          </p:nvPr>
+        </p:nvSpPr>
+        <p:spPr>
+          <a:xfrm>
+            <a:off x="1055687" y="5943599"/>
+            <a:ext cx="3033045" cy="365125"/>
+          </a:xfrm>
+          <a:prstGeom prst="rect">
+            <a:avLst/>
+          </a:prstGeom>
+        </p:spPr>
+        <p:txBody>
+          <a:bodyPr/>
+          <a:lstStyle/>
+          <a:p>
+            <a:endParaRPr lang="en-US" dirty="0"/>
+          </a:p>
+        </p:txBody>
+      </p:sp>
+      <p:sp>
+        <p:nvSpPr>
+          <p:cNvPr id="6" name="Slide Number Placeholder 5"/>
+          <p:cNvSpPr>
+            <a:spLocks noGrp="1"/>
+          </p:cNvSpPr>
+          <p:nvPr>
+            <p:ph type="sldNum" sz="quarter" idx="12"/>
+          </p:nvPr>
+        </p:nvSpPr>
+        <p:spPr/>
+        <p:txBody>
+          <a:bodyPr/>
+          <a:lstStyle/>
+          <a:p>
+            <a:fld id="{6B8230D4-A52F-48C3-88BB-7CF0A26BA1C5}" type="slidenum">
+              <a:rPr lang="en-US" smtClean="0"/>
+              <a:t>‹#›</a:t>
+            </a:fld>
+            <a:endParaRPr lang="en-US" dirty="0"/>
+          </a:p>
+        </p:txBody>
+      </p:sp>
+    </p:spTree>
+    <p:extLst>
+      <p:ext uri="{BB962C8B-B14F-4D97-AF65-F5344CB8AC3E}">
+        <p14:creationId xmlns:p14="http://schemas.microsoft.com/office/powerpoint/2010/main" val="1915313678"/>
+      </p:ext>
+    </p:extLst>
+  </p:cSld>
+  <p:clrMapOvr>
+    <a:masterClrMapping/>
+  </p:clrMapOvr>
+</p:sldLayout>
+</file>
+
+<file path=ppt/slideLayouts/slideLayout9.xml><?xml version="1.0" encoding="utf-8"?>
+<p:sldLayout xmlns:a="http://schemas.openxmlformats.org/drawingml/2006/main" xmlns:r="http://schemas.openxmlformats.org/officeDocument/2006/relationships" xmlns:p="http://schemas.openxmlformats.org/presentationml/2006/main" type="obj" preserve="1">
+  <p:cSld name="Title and Content">
+    <p:spTree>
+      <p:nvGrpSpPr>
+        <p:cNvPr id="1" name=""/>
+        <p:cNvGrpSpPr/>
+        <p:nvPr/>
+      </p:nvGrpSpPr>
+      <p:grpSpPr>
+        <a:xfrm>
+          <a:off x="0" y="0"/>
+          <a:ext cx="0" cy="0"/>
+          <a:chOff x="0" y="0"/>
+          <a:chExt cx="0" cy="0"/>
+        </a:xfrm>
+      </p:grpSpPr>
+      <p:sp>
+        <p:nvSpPr>
+          <p:cNvPr id="2" name="Title 1"/>
+          <p:cNvSpPr>
+            <a:spLocks noGrp="1"/>
+          </p:cNvSpPr>
+          <p:nvPr>
+            <p:ph type="title"/>
+          </p:nvPr>
+        </p:nvSpPr>
+        <p:spPr/>
+        <p:txBody>
+          <a:bodyPr/>
+          <a:lstStyle/>
+          <a:p>
+            <a:r>
+              <a:rPr lang="en-US"/>
+              <a:t>Click to edit Master title style</a:t>
+            </a:r>
+          </a:p>
+        </p:txBody>
+      </p:sp>
+      <p:sp>
+        <p:nvSpPr>
+          <p:cNvPr id="3" name="Content Placeholder 2"/>
+          <p:cNvSpPr>
+            <a:spLocks noGrp="1"/>
+          </p:cNvSpPr>
+          <p:nvPr>
+            <p:ph idx="1"/>
+          </p:nvPr>
+        </p:nvSpPr>
+        <p:spPr/>
+        <p:txBody>
+          <a:bodyPr/>
+          <a:lstStyle/>
+          <a:p>
+            <a:pPr lvl="0"/>
+            <a:r>
+              <a:rPr lang="en-US"/>
+              <a:t>Edit Master text styles</a:t>
+            </a:r>
+          </a:p>
+          <a:p>
+            <a:pPr lvl="1"/>
+            <a:r>
+              <a:rPr lang="en-US"/>
+              <a:t>Second level</a:t>
+            </a:r>
+          </a:p>
+          <a:p>
+            <a:pPr lvl="2"/>
+            <a:r>
+              <a:rPr lang="en-US"/>
+              <a:t>Third level</a:t>
+            </a:r>
+          </a:p>
+          <a:p>
+            <a:pPr lvl="3"/>
+            <a:r>
+              <a:rPr lang="en-US"/>
+              <a:t>Fourth level</a:t>
+            </a:r>
+          </a:p>
+          <a:p>
+            <a:pPr lvl="4"/>
+            <a:r>
+              <a:rPr lang="en-US"/>
+              <a:t>Fifth level</a:t>
+            </a:r>
+          </a:p>
+        </p:txBody>
+      </p:sp>
+      <p:sp>
+        <p:nvSpPr>
+          <p:cNvPr id="5" name="Footer Placeholder 4"/>
+          <p:cNvSpPr>
+            <a:spLocks noGrp="1"/>
+          </p:cNvSpPr>
+          <p:nvPr>
+            <p:ph type="ftr" sz="quarter" idx="11"/>
+          </p:nvPr>
+        </p:nvSpPr>
+        <p:spPr>
+          <a:xfrm>
+            <a:off x="1055687" y="5943599"/>
+            <a:ext cx="3033045" cy="365125"/>
+          </a:xfrm>
+          <a:prstGeom prst="rect">
+            <a:avLst/>
+          </a:prstGeom>
+        </p:spPr>
+        <p:txBody>
+          <a:bodyPr/>
+          <a:lstStyle/>
+          <a:p>
+            <a:endParaRPr lang="en-US"/>
+          </a:p>
+        </p:txBody>
+      </p:sp>
+      <p:sp>
+        <p:nvSpPr>
+          <p:cNvPr id="6" name="Slide Number Placeholder 5"/>
+          <p:cNvSpPr>
+            <a:spLocks noGrp="1"/>
+          </p:cNvSpPr>
+          <p:nvPr>
+            <p:ph type="sldNum" sz="quarter" idx="12"/>
+          </p:nvPr>
+        </p:nvSpPr>
+        <p:spPr/>
+        <p:txBody>
+          <a:bodyPr/>
+          <a:lstStyle/>
+          <a:p>
+            <a:fld id="{6B8230D4-A52F-48C3-88BB-7CF0A26BA1C5}" type="slidenum">
+              <a:rPr lang="en-US" smtClean="0"/>
+              <a:t>‹#›</a:t>
+            </a:fld>
+            <a:endParaRPr lang="en-US"/>
+          </a:p>
+        </p:txBody>
+      </p:sp>
+    </p:spTree>
+    <p:extLst>
+      <p:ext uri="{BB962C8B-B14F-4D97-AF65-F5344CB8AC3E}">
+        <p14:creationId xmlns:p14="http://schemas.microsoft.com/office/powerpoint/2010/main" val="751939655"/>
+      </p:ext>
+    </p:extLst>
+  </p:cSld>
+  <p:clrMapOvr>
+    <a:masterClrMapping/>
+  </p:clrMapOvr>
 </p:sldLayout>
 </file>
 
@@ -2234,8 +3124,8 @@
         </p:nvSpPr>
         <p:spPr>
           <a:xfrm>
-            <a:off x="8868064" y="5943600"/>
-            <a:ext cx="2268249" cy="365125"/>
+            <a:off x="9324000" y="5940000"/>
+            <a:ext cx="1800000" cy="360000"/>
           </a:xfrm>
           <a:prstGeom prst="rect">
             <a:avLst/>
@@ -2279,8 +3169,8 @@
         </p:nvSpPr>
         <p:spPr>
           <a:xfrm>
-            <a:off x="1064234" y="5939327"/>
-            <a:ext cx="2875378" cy="365126"/>
+            <a:off x="1836000" y="5940000"/>
+            <a:ext cx="1800000" cy="360000"/>
           </a:xfrm>
           <a:prstGeom prst="rect">
             <a:avLst/>
@@ -2307,12 +3197,51 @@
             <a:pPr lvl="0"/>
             <a:r>
               <a:rPr lang="en-US" dirty="0"/>
-              <a:t>Jibres Brand Style Guide</a:t>
+              <a:t>Brand Style Guide</a:t>
             </a:r>
             <a:endParaRPr lang="fa-IR" dirty="0"/>
           </a:p>
         </p:txBody>
       </p:sp>
+      <p:pic>
+        <p:nvPicPr>
+          <p:cNvPr id="7" name="Graphic 6">
+            <a:extLst>
+              <a:ext uri="{FF2B5EF4-FFF2-40B4-BE49-F238E27FC236}">
+                <a16:creationId xmlns:a16="http://schemas.microsoft.com/office/drawing/2014/main" id="{64A58C41-3402-4229-907C-217004E35EE7}"/>
+              </a:ext>
+            </a:extLst>
+          </p:cNvPr>
+          <p:cNvPicPr>
+            <a:picLocks noChangeAspect="1"/>
+          </p:cNvPicPr>
+          <p:nvPr userDrawn="1"/>
+        </p:nvPicPr>
+        <p:blipFill>
+          <a:blip r:embed="rId14" cstate="print">
+            <a:extLst>
+              <a:ext uri="{28A0092B-C50C-407E-A947-70E740481C1C}">
+                <a14:useLocalDpi xmlns:a14="http://schemas.microsoft.com/office/drawing/2010/main" val="0"/>
+              </a:ext>
+              <a:ext uri="{96DAC541-7B7A-43D3-8B79-37D633B846F1}">
+                <asvg:svgBlip xmlns:asvg="http://schemas.microsoft.com/office/drawing/2016/SVG/main" r:embed="rId15"/>
+              </a:ext>
+            </a:extLst>
+          </a:blip>
+          <a:stretch>
+            <a:fillRect/>
+          </a:stretch>
+        </p:blipFill>
+        <p:spPr>
+          <a:xfrm>
+            <a:off x="1080000" y="5976000"/>
+            <a:ext cx="756000" cy="257040"/>
+          </a:xfrm>
+          <a:prstGeom prst="rect">
+            <a:avLst/>
+          </a:prstGeom>
+        </p:spPr>
+      </p:pic>
     </p:spTree>
     <p:extLst>
       <p:ext uri="{BB962C8B-B14F-4D97-AF65-F5344CB8AC3E}">
@@ -2323,13 +3252,17 @@
   <p:clrMap bg1="lt1" tx1="dk1" bg2="lt2" tx2="dk2" accent1="accent1" accent2="accent2" accent3="accent3" accent4="accent4" accent5="accent5" accent6="accent6" hlink="hlink" folHlink="folHlink"/>
   <p:sldLayoutIdLst>
     <p:sldLayoutId id="2147483657" r:id="rId1"/>
-    <p:sldLayoutId id="2147483665" r:id="rId2"/>
-    <p:sldLayoutId id="2147483651" r:id="rId3"/>
-    <p:sldLayoutId id="2147483649" r:id="rId4"/>
-    <p:sldLayoutId id="2147483650" r:id="rId5"/>
-    <p:sldLayoutId id="2147483652" r:id="rId6"/>
-    <p:sldLayoutId id="2147483654" r:id="rId7"/>
-    <p:sldLayoutId id="2147483660" r:id="rId8"/>
+    <p:sldLayoutId id="2147483667" r:id="rId2"/>
+    <p:sldLayoutId id="2147483666" r:id="rId3"/>
+    <p:sldLayoutId id="2147483668" r:id="rId4"/>
+    <p:sldLayoutId id="2147483669" r:id="rId5"/>
+    <p:sldLayoutId id="2147483665" r:id="rId6"/>
+    <p:sldLayoutId id="2147483651" r:id="rId7"/>
+    <p:sldLayoutId id="2147483649" r:id="rId8"/>
+    <p:sldLayoutId id="2147483650" r:id="rId9"/>
+    <p:sldLayoutId id="2147483652" r:id="rId10"/>
+    <p:sldLayoutId id="2147483654" r:id="rId11"/>
+    <p:sldLayoutId id="2147483660" r:id="rId12"/>
   </p:sldLayoutIdLst>
   <p:hf hdr="0" ftr="0" dt="0"/>
   <p:txStyles>
@@ -3829,37 +4762,6 @@
           <a:chExt cx="0" cy="0"/>
         </a:xfrm>
       </p:grpSpPr>
-      <p:sp>
-        <p:nvSpPr>
-          <p:cNvPr id="5" name="Slide Number Placeholder 4"/>
-          <p:cNvSpPr>
-            <a:spLocks noGrp="1"/>
-          </p:cNvSpPr>
-          <p:nvPr>
-            <p:ph type="sldNum" sz="quarter" idx="4294967295"/>
-          </p:nvPr>
-        </p:nvSpPr>
-        <p:spPr>
-          <a:xfrm>
-            <a:off x="9923463" y="5943600"/>
-            <a:ext cx="2268537" cy="365125"/>
-          </a:xfrm>
-          <a:prstGeom prst="rect">
-            <a:avLst/>
-          </a:prstGeom>
-        </p:spPr>
-        <p:txBody>
-          <a:bodyPr/>
-          <a:lstStyle/>
-          <a:p>
-            <a:fld id="{6B8230D4-A52F-48C3-88BB-7CF0A26BA1C5}" type="slidenum">
-              <a:rPr lang="en-US" smtClean="0"/>
-              <a:t>14</a:t>
-            </a:fld>
-            <a:endParaRPr lang="en-US"/>
-          </a:p>
-        </p:txBody>
-      </p:sp>
     </p:spTree>
     <p:extLst>
       <p:ext uri="{BB962C8B-B14F-4D97-AF65-F5344CB8AC3E}">
@@ -3948,40 +4850,6 @@
           </a:p>
         </p:txBody>
       </p:sp>
-      <p:pic>
-        <p:nvPicPr>
-          <p:cNvPr id="6" name="Picture Placeholder 5">
-            <a:extLst>
-              <a:ext uri="{FF2B5EF4-FFF2-40B4-BE49-F238E27FC236}">
-                <a16:creationId xmlns:a16="http://schemas.microsoft.com/office/drawing/2014/main" id="{DFF52977-146D-43AF-98FB-D027333AB4A6}"/>
-              </a:ext>
-            </a:extLst>
-          </p:cNvPr>
-          <p:cNvPicPr>
-            <a:picLocks noGrp="1" noChangeAspect="1"/>
-          </p:cNvPicPr>
-          <p:nvPr>
-            <p:ph type="pic" idx="1"/>
-          </p:nvPr>
-        </p:nvPicPr>
-        <p:blipFill>
-          <a:blip r:embed="rId2">
-            <a:extLst>
-              <a:ext uri="{28A0092B-C50C-407E-A947-70E740481C1C}">
-                <a14:useLocalDpi xmlns:a14="http://schemas.microsoft.com/office/drawing/2010/main" val="0"/>
-              </a:ext>
-            </a:extLst>
-          </a:blip>
-          <a:srcRect/>
-          <a:stretch/>
-        </p:blipFill>
-        <p:spPr>
-          <a:xfrm>
-            <a:off x="6562725" y="2372165"/>
-            <a:ext cx="4340996" cy="1356561"/>
-          </a:xfrm>
-        </p:spPr>
-      </p:pic>
       <p:sp>
         <p:nvSpPr>
           <p:cNvPr id="3" name="Content Placeholder 2"/>
@@ -3999,7 +4867,7 @@
           <a:p>
             <a:r>
               <a:rPr lang="en-US" dirty="0"/>
-              <a:t>Our logo represents simplicity, vivacity, agility scalability and reliability; Values that we believe them as a company</a:t>
+              <a:t>Our logo represents simplicity, vivacity, agility scalability and reliability; Values that we believe them as a company.</a:t>
             </a:r>
           </a:p>
           <a:p>
@@ -4027,6 +4895,7 @@
           <a:p>
             <a:fld id="{6B8230D4-A52F-48C3-88BB-7CF0A26BA1C5}" type="slidenum">
               <a:rPr lang="en-US" smtClean="0"/>
+              <a:pPr/>
               <a:t>3</a:t>
             </a:fld>
             <a:endParaRPr lang="en-US"/>
@@ -4085,117 +4954,421 @@
           </a:p>
         </p:txBody>
       </p:sp>
-      <p:pic>
-        <p:nvPicPr>
-          <p:cNvPr id="12" name="Picture Placeholder 11">
+      <p:sp>
+        <p:nvSpPr>
+          <p:cNvPr id="3" name="Content Placeholder 2"/>
+          <p:cNvSpPr>
+            <a:spLocks noGrp="1"/>
+          </p:cNvSpPr>
+          <p:nvPr>
+            <p:ph type="body" sz="half" idx="2"/>
+          </p:nvPr>
+        </p:nvSpPr>
+        <p:spPr/>
+        <p:txBody>
+          <a:bodyPr/>
+          <a:lstStyle/>
+          <a:p>
+            <a:r>
+              <a:rPr lang="en-US" dirty="0"/>
+              <a:t>Our standard horizontal lockup is our official logotype, consisting of the icon and our wordmark. If you aren’t sure which logo to use in your materials, use this one.</a:t>
+            </a:r>
+          </a:p>
+        </p:txBody>
+      </p:sp>
+      <p:sp>
+        <p:nvSpPr>
+          <p:cNvPr id="5" name="Slide Number Placeholder 4"/>
+          <p:cNvSpPr>
+            <a:spLocks noGrp="1"/>
+          </p:cNvSpPr>
+          <p:nvPr>
+            <p:ph type="sldNum" sz="quarter" idx="12"/>
+          </p:nvPr>
+        </p:nvSpPr>
+        <p:spPr/>
+        <p:txBody>
+          <a:bodyPr/>
+          <a:lstStyle/>
+          <a:p>
+            <a:fld id="{6B8230D4-A52F-48C3-88BB-7CF0A26BA1C5}" type="slidenum">
+              <a:rPr lang="en-US" smtClean="0"/>
+              <a:pPr/>
+              <a:t>4</a:t>
+            </a:fld>
+            <a:endParaRPr lang="en-US"/>
+          </a:p>
+        </p:txBody>
+      </p:sp>
+      <p:grpSp>
+        <p:nvGrpSpPr>
+          <p:cNvPr id="26" name="Group 25">
             <a:extLst>
               <a:ext uri="{FF2B5EF4-FFF2-40B4-BE49-F238E27FC236}">
-                <a16:creationId xmlns:a16="http://schemas.microsoft.com/office/drawing/2014/main" id="{99410408-A77A-434C-BCDE-65D8667EFE24}"/>
+                <a16:creationId xmlns:a16="http://schemas.microsoft.com/office/drawing/2014/main" id="{0F87D18E-959F-4F3B-AB33-03055AECCBC2}"/>
               </a:ext>
             </a:extLst>
           </p:cNvPr>
-          <p:cNvPicPr>
-            <a:picLocks noGrp="1" noChangeAspect="1"/>
-          </p:cNvPicPr>
-          <p:nvPr>
-            <p:ph type="pic" idx="1"/>
-          </p:nvPr>
-        </p:nvPicPr>
-        <p:blipFill>
-          <a:blip r:embed="rId2" cstate="print">
-            <a:extLst>
-              <a:ext uri="{28A0092B-C50C-407E-A947-70E740481C1C}">
-                <a14:useLocalDpi xmlns:a14="http://schemas.microsoft.com/office/drawing/2010/main" val="0"/>
-              </a:ext>
-            </a:extLst>
-          </a:blip>
-          <a:srcRect/>
-          <a:stretch/>
-        </p:blipFill>
-        <p:spPr>
+          <p:cNvGrpSpPr/>
+          <p:nvPr/>
+        </p:nvGrpSpPr>
+        <p:grpSpPr>
           <a:xfrm>
-            <a:off x="6096000" y="2691468"/>
-            <a:ext cx="5040313" cy="1575097"/>
+            <a:off x="6542748" y="1342626"/>
+            <a:ext cx="4166376" cy="877526"/>
+            <a:chOff x="6542748" y="1118344"/>
+            <a:chExt cx="4166376" cy="877526"/>
           </a:xfrm>
-          <a:prstGeom prst="rect">
-            <a:avLst/>
-          </a:prstGeom>
-        </p:spPr>
-      </p:pic>
-      <p:sp>
-        <p:nvSpPr>
-          <p:cNvPr id="3" name="Content Placeholder 2"/>
-          <p:cNvSpPr>
-            <a:spLocks noGrp="1"/>
-          </p:cNvSpPr>
-          <p:nvPr>
-            <p:ph type="body" sz="half" idx="2"/>
-          </p:nvPr>
-        </p:nvSpPr>
-        <p:spPr/>
-        <p:txBody>
-          <a:bodyPr/>
-          <a:lstStyle/>
-          <a:p>
-            <a:r>
-              <a:rPr lang="en-US" dirty="0"/>
-              <a:t>Our standard horizontal lockup is our official logotype, consisting of the icon and our wordmark. If you aren’t sure which logo to use in your materials, use this one.</a:t>
-            </a:r>
-          </a:p>
-        </p:txBody>
-      </p:sp>
-      <p:sp>
-        <p:nvSpPr>
-          <p:cNvPr id="5" name="Slide Number Placeholder 4"/>
-          <p:cNvSpPr>
-            <a:spLocks noGrp="1"/>
-          </p:cNvSpPr>
-          <p:nvPr>
-            <p:ph type="sldNum" sz="quarter" idx="12"/>
-          </p:nvPr>
-        </p:nvSpPr>
-        <p:spPr/>
-        <p:txBody>
-          <a:bodyPr/>
-          <a:lstStyle/>
-          <a:p>
-            <a:fld id="{6B8230D4-A52F-48C3-88BB-7CF0A26BA1C5}" type="slidenum">
-              <a:rPr lang="en-US" smtClean="0"/>
-              <a:t>4</a:t>
-            </a:fld>
-            <a:endParaRPr lang="en-US"/>
-          </a:p>
-        </p:txBody>
-      </p:sp>
-      <p:pic>
-        <p:nvPicPr>
-          <p:cNvPr id="4" name="Picture 3">
-            <a:extLst>
-              <a:ext uri="{FF2B5EF4-FFF2-40B4-BE49-F238E27FC236}">
-                <a16:creationId xmlns:a16="http://schemas.microsoft.com/office/drawing/2014/main" id="{B56F5D9E-69A8-451F-BD21-1591030A77F2}"/>
-              </a:ext>
-            </a:extLst>
-          </p:cNvPr>
-          <p:cNvPicPr>
-            <a:picLocks noChangeAspect="1"/>
-          </p:cNvPicPr>
-          <p:nvPr/>
-        </p:nvPicPr>
-        <p:blipFill rotWithShape="1">
-          <a:blip r:embed="rId3"/>
-          <a:srcRect l="5030" t="11333" r="9448" b="57874"/>
-          <a:stretch/>
-        </p:blipFill>
-        <p:spPr>
-          <a:xfrm>
-            <a:off x="6096000" y="1343026"/>
-            <a:ext cx="5541706" cy="1154522"/>
-          </a:xfrm>
-          <a:prstGeom prst="rect">
-            <a:avLst/>
-          </a:prstGeom>
-        </p:spPr>
-      </p:pic>
+        </p:grpSpPr>
+        <p:grpSp>
+          <p:nvGrpSpPr>
+            <p:cNvPr id="25" name="Group 24">
+              <a:extLst>
+                <a:ext uri="{FF2B5EF4-FFF2-40B4-BE49-F238E27FC236}">
+                  <a16:creationId xmlns:a16="http://schemas.microsoft.com/office/drawing/2014/main" id="{945F51A1-4DD5-4B91-9DFC-E2EBAD71B11E}"/>
+                </a:ext>
+              </a:extLst>
+            </p:cNvPr>
+            <p:cNvGrpSpPr/>
+            <p:nvPr/>
+          </p:nvGrpSpPr>
+          <p:grpSpPr>
+            <a:xfrm>
+              <a:off x="6559132" y="1621764"/>
+              <a:ext cx="4149992" cy="374106"/>
+              <a:chOff x="6559132" y="1621764"/>
+              <a:chExt cx="4149992" cy="374106"/>
+            </a:xfrm>
+          </p:grpSpPr>
+          <p:grpSp>
+            <p:nvGrpSpPr>
+              <p:cNvPr id="24" name="Group 23">
+                <a:extLst>
+                  <a:ext uri="{FF2B5EF4-FFF2-40B4-BE49-F238E27FC236}">
+                    <a16:creationId xmlns:a16="http://schemas.microsoft.com/office/drawing/2014/main" id="{5FC3C9B9-125C-4C45-BCE7-5E739DA84C25}"/>
+                  </a:ext>
+                </a:extLst>
+              </p:cNvPr>
+              <p:cNvGrpSpPr/>
+              <p:nvPr/>
+            </p:nvGrpSpPr>
+            <p:grpSpPr>
+              <a:xfrm>
+                <a:off x="6559132" y="1621764"/>
+                <a:ext cx="1299532" cy="369332"/>
+                <a:chOff x="6559132" y="1621764"/>
+                <a:chExt cx="1299532" cy="369332"/>
+              </a:xfrm>
+            </p:grpSpPr>
+            <p:cxnSp>
+              <p:nvCxnSpPr>
+                <p:cNvPr id="10" name="Straight Arrow Connector 9">
+                  <a:extLst>
+                    <a:ext uri="{FF2B5EF4-FFF2-40B4-BE49-F238E27FC236}">
+                      <a16:creationId xmlns:a16="http://schemas.microsoft.com/office/drawing/2014/main" id="{9875D427-1944-429A-9141-0BEF59942EB7}"/>
+                    </a:ext>
+                  </a:extLst>
+                </p:cNvPr>
+                <p:cNvCxnSpPr>
+                  <a:cxnSpLocks/>
+                </p:cNvCxnSpPr>
+                <p:nvPr/>
+              </p:nvCxnSpPr>
+              <p:spPr>
+                <a:xfrm>
+                  <a:off x="6559132" y="1990122"/>
+                  <a:ext cx="1299532" cy="0"/>
+                </a:xfrm>
+                <a:prstGeom prst="straightConnector1">
+                  <a:avLst/>
+                </a:prstGeom>
+                <a:ln cap="rnd">
+                  <a:solidFill>
+                    <a:srgbClr val="C80A5A"/>
+                  </a:solidFill>
+                  <a:round/>
+                  <a:headEnd type="oval" w="sm" len="sm"/>
+                  <a:tailEnd type="oval" w="sm" len="sm"/>
+                </a:ln>
+              </p:spPr>
+              <p:style>
+                <a:lnRef idx="1">
+                  <a:schemeClr val="accent1"/>
+                </a:lnRef>
+                <a:fillRef idx="0">
+                  <a:schemeClr val="accent1"/>
+                </a:fillRef>
+                <a:effectRef idx="0">
+                  <a:schemeClr val="accent1"/>
+                </a:effectRef>
+                <a:fontRef idx="minor">
+                  <a:schemeClr val="tx1"/>
+                </a:fontRef>
+              </p:style>
+            </p:cxnSp>
+            <p:sp>
+              <p:nvSpPr>
+                <p:cNvPr id="19" name="TextBox 18">
+                  <a:extLst>
+                    <a:ext uri="{FF2B5EF4-FFF2-40B4-BE49-F238E27FC236}">
+                      <a16:creationId xmlns:a16="http://schemas.microsoft.com/office/drawing/2014/main" id="{785748FC-3744-4BF0-AF0F-C3D89E1BE1AE}"/>
+                    </a:ext>
+                  </a:extLst>
+                </p:cNvPr>
+                <p:cNvSpPr txBox="1"/>
+                <p:nvPr/>
+              </p:nvSpPr>
+              <p:spPr>
+                <a:xfrm>
+                  <a:off x="6559132" y="1621764"/>
+                  <a:ext cx="1299532" cy="369332"/>
+                </a:xfrm>
+                <a:prstGeom prst="rect">
+                  <a:avLst/>
+                </a:prstGeom>
+                <a:noFill/>
+              </p:spPr>
+              <p:txBody>
+                <a:bodyPr wrap="square" rtlCol="0">
+                  <a:spAutoFit/>
+                </a:bodyPr>
+                <a:lstStyle/>
+                <a:p>
+                  <a:pPr algn="ctr"/>
+                  <a:r>
+                    <a:rPr lang="en-US" dirty="0">
+                      <a:solidFill>
+                        <a:srgbClr val="C80A5A"/>
+                      </a:solidFill>
+                      <a:latin typeface="IRANSans Light" panose="020B0506030804020204" pitchFamily="34" charset="-78"/>
+                      <a:cs typeface="IRANSans Light" panose="020B0506030804020204" pitchFamily="34" charset="-78"/>
+                    </a:rPr>
+                    <a:t>icon</a:t>
+                  </a:r>
+                </a:p>
+              </p:txBody>
+            </p:sp>
+          </p:grpSp>
+          <p:grpSp>
+            <p:nvGrpSpPr>
+              <p:cNvPr id="23" name="Group 22">
+                <a:extLst>
+                  <a:ext uri="{FF2B5EF4-FFF2-40B4-BE49-F238E27FC236}">
+                    <a16:creationId xmlns:a16="http://schemas.microsoft.com/office/drawing/2014/main" id="{A7C7AA60-7015-4E1D-80CC-644D96579672}"/>
+                  </a:ext>
+                </a:extLst>
+              </p:cNvPr>
+              <p:cNvGrpSpPr/>
+              <p:nvPr/>
+            </p:nvGrpSpPr>
+            <p:grpSpPr>
+              <a:xfrm>
+                <a:off x="8298791" y="1626538"/>
+                <a:ext cx="2410333" cy="369332"/>
+                <a:chOff x="8298791" y="1626538"/>
+                <a:chExt cx="2410333" cy="369332"/>
+              </a:xfrm>
+            </p:grpSpPr>
+            <p:cxnSp>
+              <p:nvCxnSpPr>
+                <p:cNvPr id="14" name="Straight Arrow Connector 13">
+                  <a:extLst>
+                    <a:ext uri="{FF2B5EF4-FFF2-40B4-BE49-F238E27FC236}">
+                      <a16:creationId xmlns:a16="http://schemas.microsoft.com/office/drawing/2014/main" id="{E9FF13D3-2B30-4D63-B8E8-9E4A79607ABE}"/>
+                    </a:ext>
+                  </a:extLst>
+                </p:cNvPr>
+                <p:cNvCxnSpPr>
+                  <a:cxnSpLocks/>
+                </p:cNvCxnSpPr>
+                <p:nvPr/>
+              </p:nvCxnSpPr>
+              <p:spPr>
+                <a:xfrm>
+                  <a:off x="8298791" y="1994181"/>
+                  <a:ext cx="2397964" cy="0"/>
+                </a:xfrm>
+                <a:prstGeom prst="straightConnector1">
+                  <a:avLst/>
+                </a:prstGeom>
+                <a:ln cap="rnd">
+                  <a:solidFill>
+                    <a:srgbClr val="C80A5A"/>
+                  </a:solidFill>
+                  <a:round/>
+                  <a:headEnd type="oval" w="sm" len="sm"/>
+                  <a:tailEnd type="oval" w="sm" len="sm"/>
+                </a:ln>
+              </p:spPr>
+              <p:style>
+                <a:lnRef idx="1">
+                  <a:schemeClr val="accent1"/>
+                </a:lnRef>
+                <a:fillRef idx="0">
+                  <a:schemeClr val="accent1"/>
+                </a:fillRef>
+                <a:effectRef idx="0">
+                  <a:schemeClr val="accent1"/>
+                </a:effectRef>
+                <a:fontRef idx="minor">
+                  <a:schemeClr val="tx1"/>
+                </a:fontRef>
+              </p:style>
+            </p:cxnSp>
+            <p:sp>
+              <p:nvSpPr>
+                <p:cNvPr id="20" name="TextBox 19">
+                  <a:extLst>
+                    <a:ext uri="{FF2B5EF4-FFF2-40B4-BE49-F238E27FC236}">
+                      <a16:creationId xmlns:a16="http://schemas.microsoft.com/office/drawing/2014/main" id="{9508EECB-594E-4853-975C-715282E0264B}"/>
+                    </a:ext>
+                  </a:extLst>
+                </p:cNvPr>
+                <p:cNvSpPr txBox="1"/>
+                <p:nvPr/>
+              </p:nvSpPr>
+              <p:spPr>
+                <a:xfrm>
+                  <a:off x="8298791" y="1626538"/>
+                  <a:ext cx="2410333" cy="369332"/>
+                </a:xfrm>
+                <a:prstGeom prst="rect">
+                  <a:avLst/>
+                </a:prstGeom>
+                <a:noFill/>
+              </p:spPr>
+              <p:txBody>
+                <a:bodyPr wrap="square" rtlCol="0">
+                  <a:spAutoFit/>
+                </a:bodyPr>
+                <a:lstStyle/>
+                <a:p>
+                  <a:pPr algn="ctr"/>
+                  <a:r>
+                    <a:rPr lang="en-US" dirty="0">
+                      <a:solidFill>
+                        <a:srgbClr val="C80A5A"/>
+                      </a:solidFill>
+                      <a:latin typeface="IRANSans Light" panose="020B0506030804020204" pitchFamily="34" charset="-78"/>
+                      <a:cs typeface="IRANSans Light" panose="020B0506030804020204" pitchFamily="34" charset="-78"/>
+                    </a:rPr>
+                    <a:t>wordmark</a:t>
+                  </a:r>
+                </a:p>
+              </p:txBody>
+            </p:sp>
+          </p:grpSp>
+        </p:grpSp>
+        <p:grpSp>
+          <p:nvGrpSpPr>
+            <p:cNvPr id="22" name="Group 21">
+              <a:extLst>
+                <a:ext uri="{FF2B5EF4-FFF2-40B4-BE49-F238E27FC236}">
+                  <a16:creationId xmlns:a16="http://schemas.microsoft.com/office/drawing/2014/main" id="{BFDE92FB-350B-4D5C-899D-0FA2E5C27BE2}"/>
+                </a:ext>
+              </a:extLst>
+            </p:cNvPr>
+            <p:cNvGrpSpPr/>
+            <p:nvPr/>
+          </p:nvGrpSpPr>
+          <p:grpSpPr>
+            <a:xfrm>
+              <a:off x="6542748" y="1118344"/>
+              <a:ext cx="4166376" cy="369332"/>
+              <a:chOff x="6542748" y="902686"/>
+              <a:chExt cx="4166376" cy="369332"/>
+            </a:xfrm>
+          </p:grpSpPr>
+          <p:cxnSp>
+            <p:nvCxnSpPr>
+              <p:cNvPr id="16" name="Straight Arrow Connector 15">
+                <a:extLst>
+                  <a:ext uri="{FF2B5EF4-FFF2-40B4-BE49-F238E27FC236}">
+                    <a16:creationId xmlns:a16="http://schemas.microsoft.com/office/drawing/2014/main" id="{EA41384E-55D8-4ED6-B70A-12673189369F}"/>
+                  </a:ext>
+                </a:extLst>
+              </p:cNvPr>
+              <p:cNvCxnSpPr>
+                <a:cxnSpLocks/>
+              </p:cNvCxnSpPr>
+              <p:nvPr/>
+            </p:nvCxnSpPr>
+            <p:spPr>
+              <a:xfrm>
+                <a:off x="6559132" y="1270122"/>
+                <a:ext cx="4137623" cy="0"/>
+              </a:xfrm>
+              <a:prstGeom prst="straightConnector1">
+                <a:avLst/>
+              </a:prstGeom>
+              <a:ln cap="rnd">
+                <a:solidFill>
+                  <a:srgbClr val="C80A5A"/>
+                </a:solidFill>
+                <a:round/>
+                <a:headEnd type="oval" w="sm" len="sm"/>
+                <a:tailEnd type="oval" w="sm" len="sm"/>
+              </a:ln>
+            </p:spPr>
+            <p:style>
+              <a:lnRef idx="1">
+                <a:schemeClr val="accent1"/>
+              </a:lnRef>
+              <a:fillRef idx="0">
+                <a:schemeClr val="accent1"/>
+              </a:fillRef>
+              <a:effectRef idx="0">
+                <a:schemeClr val="accent1"/>
+              </a:effectRef>
+              <a:fontRef idx="minor">
+                <a:schemeClr val="tx1"/>
+              </a:fontRef>
+            </p:style>
+          </p:cxnSp>
+          <p:sp>
+            <p:nvSpPr>
+              <p:cNvPr id="21" name="TextBox 20">
+                <a:extLst>
+                  <a:ext uri="{FF2B5EF4-FFF2-40B4-BE49-F238E27FC236}">
+                    <a16:creationId xmlns:a16="http://schemas.microsoft.com/office/drawing/2014/main" id="{47255B84-3447-41B5-94FE-13EAB5BA4532}"/>
+                  </a:ext>
+                </a:extLst>
+              </p:cNvPr>
+              <p:cNvSpPr txBox="1"/>
+              <p:nvPr/>
+            </p:nvSpPr>
+            <p:spPr>
+              <a:xfrm>
+                <a:off x="6542748" y="902686"/>
+                <a:ext cx="4166376" cy="369332"/>
+              </a:xfrm>
+              <a:prstGeom prst="rect">
+                <a:avLst/>
+              </a:prstGeom>
+              <a:noFill/>
+            </p:spPr>
+            <p:txBody>
+              <a:bodyPr wrap="square" rtlCol="0">
+                <a:spAutoFit/>
+              </a:bodyPr>
+              <a:lstStyle/>
+              <a:p>
+                <a:pPr algn="ctr"/>
+                <a:r>
+                  <a:rPr lang="en-US" dirty="0">
+                    <a:solidFill>
+                      <a:srgbClr val="C80A5A"/>
+                    </a:solidFill>
+                    <a:latin typeface="IRANSans Light" panose="020B0506030804020204" pitchFamily="34" charset="-78"/>
+                    <a:cs typeface="IRANSans Light" panose="020B0506030804020204" pitchFamily="34" charset="-78"/>
+                  </a:rPr>
+                  <a:t>logo</a:t>
+                </a:r>
+              </a:p>
+            </p:txBody>
+          </p:sp>
+        </p:grpSp>
+      </p:grpSp>
     </p:spTree>
     <p:extLst>
       <p:ext uri="{BB962C8B-B14F-4D97-AF65-F5344CB8AC3E}">
@@ -4250,24 +5423,6 @@
       </p:sp>
       <p:sp>
         <p:nvSpPr>
-          <p:cNvPr id="6" name="Picture Placeholder 5">
-            <a:extLst>
-              <a:ext uri="{FF2B5EF4-FFF2-40B4-BE49-F238E27FC236}">
-                <a16:creationId xmlns:a16="http://schemas.microsoft.com/office/drawing/2014/main" id="{2278F296-330E-4225-969C-7091D6C7BF7B}"/>
-              </a:ext>
-            </a:extLst>
-          </p:cNvPr>
-          <p:cNvSpPr>
-            <a:spLocks noGrp="1"/>
-          </p:cNvSpPr>
-          <p:nvPr>
-            <p:ph type="pic" idx="1"/>
-          </p:nvPr>
-        </p:nvSpPr>
-        <p:spPr/>
-      </p:sp>
-      <p:sp>
-        <p:nvSpPr>
           <p:cNvPr id="3" name="Content Placeholder 2"/>
           <p:cNvSpPr>
             <a:spLocks noGrp="1"/>
@@ -4305,42 +5460,13 @@
           <a:p>
             <a:fld id="{6B8230D4-A52F-48C3-88BB-7CF0A26BA1C5}" type="slidenum">
               <a:rPr lang="en-US" smtClean="0"/>
+              <a:pPr/>
               <a:t>5</a:t>
             </a:fld>
             <a:endParaRPr lang="en-US"/>
           </a:p>
         </p:txBody>
       </p:sp>
-      <p:pic>
-        <p:nvPicPr>
-          <p:cNvPr id="4" name="Picture 3">
-            <a:extLst>
-              <a:ext uri="{FF2B5EF4-FFF2-40B4-BE49-F238E27FC236}">
-                <a16:creationId xmlns:a16="http://schemas.microsoft.com/office/drawing/2014/main" id="{F337951F-E5A2-4FD0-8B5B-238593558186}"/>
-              </a:ext>
-            </a:extLst>
-          </p:cNvPr>
-          <p:cNvPicPr>
-            <a:picLocks noChangeAspect="1"/>
-          </p:cNvPicPr>
-          <p:nvPr/>
-        </p:nvPicPr>
-        <p:blipFill>
-          <a:blip r:embed="rId2"/>
-          <a:stretch>
-            <a:fillRect/>
-          </a:stretch>
-        </p:blipFill>
-        <p:spPr>
-          <a:xfrm>
-            <a:off x="6363799" y="2271597"/>
-            <a:ext cx="3553321" cy="2953162"/>
-          </a:xfrm>
-          <a:prstGeom prst="rect">
-            <a:avLst/>
-          </a:prstGeom>
-        </p:spPr>
-      </p:pic>
     </p:spTree>
     <p:extLst>
       <p:ext uri="{BB962C8B-B14F-4D97-AF65-F5344CB8AC3E}">
@@ -4383,7 +5509,7 @@
         </p:nvSpPr>
         <p:spPr/>
         <p:txBody>
-          <a:bodyPr anchor="b"/>
+          <a:bodyPr/>
           <a:lstStyle/>
           <a:p>
             <a:r>
@@ -4393,41 +5519,6 @@
           </a:p>
         </p:txBody>
       </p:sp>
-      <p:pic>
-        <p:nvPicPr>
-          <p:cNvPr id="8" name="Picture Placeholder 7">
-            <a:extLst>
-              <a:ext uri="{FF2B5EF4-FFF2-40B4-BE49-F238E27FC236}">
-                <a16:creationId xmlns:a16="http://schemas.microsoft.com/office/drawing/2014/main" id="{23E56A5E-A803-4D49-9C9D-70D4CA9FFAC0}"/>
-              </a:ext>
-            </a:extLst>
-          </p:cNvPr>
-          <p:cNvPicPr>
-            <a:picLocks noGrp="1" noChangeAspect="1"/>
-          </p:cNvPicPr>
-          <p:nvPr>
-            <p:ph type="pic" idx="1"/>
-          </p:nvPr>
-        </p:nvPicPr>
-        <p:blipFill>
-          <a:blip r:embed="rId2" cstate="print">
-            <a:extLst>
-              <a:ext uri="{28A0092B-C50C-407E-A947-70E740481C1C}">
-                <a14:useLocalDpi xmlns:a14="http://schemas.microsoft.com/office/drawing/2010/main" val="0"/>
-              </a:ext>
-            </a:extLst>
-          </a:blip>
-          <a:srcRect t="10066" b="10066"/>
-          <a:stretch>
-            <a:fillRect/>
-          </a:stretch>
-        </p:blipFill>
-        <p:spPr>
-          <a:prstGeom prst="rect">
-            <a:avLst/>
-          </a:prstGeom>
-        </p:spPr>
-      </p:pic>
       <p:sp>
         <p:nvSpPr>
           <p:cNvPr id="3" name="Content Placeholder 2"/>
@@ -4445,15 +5536,7 @@
           <a:p>
             <a:r>
               <a:rPr lang="en-US" dirty="0"/>
-              <a:t>Use the icon </a:t>
-            </a:r>
-            <a:r>
-              <a:rPr lang="en-US" b="1" dirty="0"/>
-              <a:t>only</a:t>
-            </a:r>
-            <a:r>
-              <a:rPr lang="en-US" dirty="0"/>
-              <a:t> when “Jibres” has been well established elsewhere on the page or in the design. When in doubt, use the full logotype.</a:t>
+              <a:t>Use the icon only when “Jibres” has been well established elsewhere on the page or in the design. When in doubt, use the full logotype.</a:t>
             </a:r>
           </a:p>
         </p:txBody>
@@ -4475,6 +5558,7 @@
           <a:p>
             <a:fld id="{6B8230D4-A52F-48C3-88BB-7CF0A26BA1C5}" type="slidenum">
               <a:rPr lang="en-US" smtClean="0"/>
+              <a:pPr/>
               <a:t>6</a:t>
             </a:fld>
             <a:endParaRPr lang="en-US"/>
@@ -4686,24 +5770,6 @@
       </p:sp>
       <p:sp>
         <p:nvSpPr>
-          <p:cNvPr id="6" name="Picture Placeholder 5">
-            <a:extLst>
-              <a:ext uri="{FF2B5EF4-FFF2-40B4-BE49-F238E27FC236}">
-                <a16:creationId xmlns:a16="http://schemas.microsoft.com/office/drawing/2014/main" id="{609BFE0F-5E47-44F6-8972-BDF1C5924E7F}"/>
-              </a:ext>
-            </a:extLst>
-          </p:cNvPr>
-          <p:cNvSpPr>
-            <a:spLocks noGrp="1"/>
-          </p:cNvSpPr>
-          <p:nvPr>
-            <p:ph type="pic" idx="1"/>
-          </p:nvPr>
-        </p:nvSpPr>
-        <p:spPr/>
-      </p:sp>
-      <p:sp>
-        <p:nvSpPr>
           <p:cNvPr id="3" name="Content Placeholder 2"/>
           <p:cNvSpPr>
             <a:spLocks noGrp="1"/>
@@ -4747,36 +5813,603 @@
           </a:p>
         </p:txBody>
       </p:sp>
-      <p:pic>
-        <p:nvPicPr>
-          <p:cNvPr id="4" name="Picture 3">
+      <p:grpSp>
+        <p:nvGrpSpPr>
+          <p:cNvPr id="38" name="Group 37">
             <a:extLst>
               <a:ext uri="{FF2B5EF4-FFF2-40B4-BE49-F238E27FC236}">
-                <a16:creationId xmlns:a16="http://schemas.microsoft.com/office/drawing/2014/main" id="{B120546F-8D80-4660-9552-ACB13B52CEB9}"/>
+                <a16:creationId xmlns:a16="http://schemas.microsoft.com/office/drawing/2014/main" id="{8706C43F-E149-4738-879F-0749C95D6F2A}"/>
               </a:ext>
             </a:extLst>
           </p:cNvPr>
-          <p:cNvPicPr>
-            <a:picLocks noChangeAspect="1"/>
-          </p:cNvPicPr>
+          <p:cNvGrpSpPr/>
           <p:nvPr/>
-        </p:nvPicPr>
-        <p:blipFill>
-          <a:blip r:embed="rId2"/>
-          <a:stretch>
-            <a:fillRect/>
-          </a:stretch>
-        </p:blipFill>
-        <p:spPr>
+        </p:nvGrpSpPr>
+        <p:grpSpPr>
           <a:xfrm>
-            <a:off x="6281726" y="1273324"/>
-            <a:ext cx="2734057" cy="4410691"/>
+            <a:off x="6890694" y="2623518"/>
+            <a:ext cx="2268249" cy="1320987"/>
+            <a:chOff x="10002188" y="4231588"/>
+            <a:chExt cx="2268249" cy="1320987"/>
           </a:xfrm>
-          <a:prstGeom prst="rect">
-            <a:avLst/>
-          </a:prstGeom>
-        </p:spPr>
-      </p:pic>
+        </p:grpSpPr>
+        <p:grpSp>
+          <p:nvGrpSpPr>
+            <p:cNvPr id="34" name="Group 33">
+              <a:extLst>
+                <a:ext uri="{FF2B5EF4-FFF2-40B4-BE49-F238E27FC236}">
+                  <a16:creationId xmlns:a16="http://schemas.microsoft.com/office/drawing/2014/main" id="{250508C2-088D-4055-B1F8-5713AF42B546}"/>
+                </a:ext>
+              </a:extLst>
+            </p:cNvPr>
+            <p:cNvGrpSpPr/>
+            <p:nvPr/>
+          </p:nvGrpSpPr>
+          <p:grpSpPr>
+            <a:xfrm>
+              <a:off x="10071196" y="4231588"/>
+              <a:ext cx="1588235" cy="636554"/>
+              <a:chOff x="8510854" y="1296000"/>
+              <a:chExt cx="1588235" cy="636554"/>
+            </a:xfrm>
+          </p:grpSpPr>
+          <p:pic>
+            <p:nvPicPr>
+              <p:cNvPr id="10" name="Graphic 9">
+                <a:extLst>
+                  <a:ext uri="{FF2B5EF4-FFF2-40B4-BE49-F238E27FC236}">
+                    <a16:creationId xmlns:a16="http://schemas.microsoft.com/office/drawing/2014/main" id="{6833B9DA-EBEB-4883-BD62-756E5A3CE85B}"/>
+                  </a:ext>
+                </a:extLst>
+              </p:cNvPr>
+              <p:cNvPicPr>
+                <a:picLocks noChangeAspect="1"/>
+              </p:cNvPicPr>
+              <p:nvPr/>
+            </p:nvPicPr>
+            <p:blipFill>
+              <a:blip r:embed="rId2" cstate="print">
+                <a:extLst>
+                  <a:ext uri="{28A0092B-C50C-407E-A947-70E740481C1C}">
+                    <a14:useLocalDpi xmlns:a14="http://schemas.microsoft.com/office/drawing/2010/main" val="0"/>
+                  </a:ext>
+                  <a:ext uri="{96DAC541-7B7A-43D3-8B79-37D633B846F1}">
+                    <asvg:svgBlip xmlns:asvg="http://schemas.microsoft.com/office/drawing/2016/SVG/main" r:embed="rId3"/>
+                  </a:ext>
+                </a:extLst>
+              </a:blip>
+              <a:stretch>
+                <a:fillRect/>
+              </a:stretch>
+            </p:blipFill>
+            <p:spPr>
+              <a:xfrm>
+                <a:off x="8510854" y="1296000"/>
+                <a:ext cx="1588235" cy="540000"/>
+              </a:xfrm>
+              <a:prstGeom prst="rect">
+                <a:avLst/>
+              </a:prstGeom>
+            </p:spPr>
+          </p:pic>
+          <p:cxnSp>
+            <p:nvCxnSpPr>
+              <p:cNvPr id="17" name="Straight Arrow Connector 16">
+                <a:extLst>
+                  <a:ext uri="{FF2B5EF4-FFF2-40B4-BE49-F238E27FC236}">
+                    <a16:creationId xmlns:a16="http://schemas.microsoft.com/office/drawing/2014/main" id="{594BA0E3-9081-4582-89C2-34A6595C2385}"/>
+                  </a:ext>
+                </a:extLst>
+              </p:cNvPr>
+              <p:cNvCxnSpPr>
+                <a:cxnSpLocks/>
+              </p:cNvCxnSpPr>
+              <p:nvPr/>
+            </p:nvCxnSpPr>
+            <p:spPr>
+              <a:xfrm>
+                <a:off x="8562611" y="1932554"/>
+                <a:ext cx="1461283" cy="0"/>
+              </a:xfrm>
+              <a:prstGeom prst="straightConnector1">
+                <a:avLst/>
+              </a:prstGeom>
+              <a:ln cap="rnd">
+                <a:solidFill>
+                  <a:srgbClr val="C80A5A"/>
+                </a:solidFill>
+                <a:round/>
+                <a:headEnd type="oval" w="sm" len="sm"/>
+                <a:tailEnd type="oval" w="sm" len="sm"/>
+              </a:ln>
+            </p:spPr>
+            <p:style>
+              <a:lnRef idx="1">
+                <a:schemeClr val="accent1"/>
+              </a:lnRef>
+              <a:fillRef idx="0">
+                <a:schemeClr val="accent1"/>
+              </a:fillRef>
+              <a:effectRef idx="0">
+                <a:schemeClr val="accent1"/>
+              </a:effectRef>
+              <a:fontRef idx="minor">
+                <a:schemeClr val="tx1"/>
+              </a:fontRef>
+            </p:style>
+          </p:cxnSp>
+        </p:grpSp>
+        <p:sp>
+          <p:nvSpPr>
+            <p:cNvPr id="35" name="TextBox 34">
+              <a:extLst>
+                <a:ext uri="{FF2B5EF4-FFF2-40B4-BE49-F238E27FC236}">
+                  <a16:creationId xmlns:a16="http://schemas.microsoft.com/office/drawing/2014/main" id="{9CBF5667-E482-4607-98C5-66BBF6D0A5C9}"/>
+                </a:ext>
+              </a:extLst>
+            </p:cNvPr>
+            <p:cNvSpPr txBox="1"/>
+            <p:nvPr/>
+          </p:nvSpPr>
+          <p:spPr>
+            <a:xfrm>
+              <a:off x="10002188" y="4973570"/>
+              <a:ext cx="2268249" cy="579005"/>
+            </a:xfrm>
+            <a:prstGeom prst="rect">
+              <a:avLst/>
+            </a:prstGeom>
+            <a:noFill/>
+            <a:ln>
+              <a:noFill/>
+            </a:ln>
+          </p:spPr>
+          <p:txBody>
+            <a:bodyPr wrap="square" rtlCol="0">
+              <a:spAutoFit/>
+            </a:bodyPr>
+            <a:lstStyle/>
+            <a:p>
+              <a:pPr>
+                <a:lnSpc>
+                  <a:spcPct val="150000"/>
+                </a:lnSpc>
+              </a:pPr>
+              <a:r>
+                <a:rPr lang="en-US" sz="1100" dirty="0">
+                  <a:solidFill>
+                    <a:schemeClr val="tx1">
+                      <a:lumMod val="85000"/>
+                      <a:lumOff val="15000"/>
+                    </a:schemeClr>
+                  </a:solidFill>
+                  <a:latin typeface="IRANSans Light" panose="020B0506030804020204" pitchFamily="34" charset="-78"/>
+                  <a:cs typeface="IRANSans Light" panose="020B0506030804020204" pitchFamily="34" charset="-78"/>
+                </a:rPr>
+                <a:t>Print size 2.5 cm wide</a:t>
+              </a:r>
+            </a:p>
+            <a:p>
+              <a:pPr>
+                <a:lnSpc>
+                  <a:spcPct val="150000"/>
+                </a:lnSpc>
+              </a:pPr>
+              <a:r>
+                <a:rPr lang="en-US" sz="1100" dirty="0">
+                  <a:solidFill>
+                    <a:schemeClr val="tx1">
+                      <a:lumMod val="85000"/>
+                      <a:lumOff val="15000"/>
+                    </a:schemeClr>
+                  </a:solidFill>
+                  <a:latin typeface="IRANSans Light" panose="020B0506030804020204" pitchFamily="34" charset="-78"/>
+                  <a:cs typeface="IRANSans Light" panose="020B0506030804020204" pitchFamily="34" charset="-78"/>
+                </a:rPr>
+                <a:t>Digital size 96 pixels wide</a:t>
+              </a:r>
+            </a:p>
+          </p:txBody>
+        </p:sp>
+      </p:grpSp>
+      <p:grpSp>
+        <p:nvGrpSpPr>
+          <p:cNvPr id="39" name="Group 38">
+            <a:extLst>
+              <a:ext uri="{FF2B5EF4-FFF2-40B4-BE49-F238E27FC236}">
+                <a16:creationId xmlns:a16="http://schemas.microsoft.com/office/drawing/2014/main" id="{6F8F585B-7442-46A6-B592-400C07114FAD}"/>
+              </a:ext>
+            </a:extLst>
+          </p:cNvPr>
+          <p:cNvGrpSpPr/>
+          <p:nvPr/>
+        </p:nvGrpSpPr>
+        <p:grpSpPr>
+          <a:xfrm>
+            <a:off x="6890694" y="4229470"/>
+            <a:ext cx="2268249" cy="1676459"/>
+            <a:chOff x="7535863" y="3876116"/>
+            <a:chExt cx="2268249" cy="1676459"/>
+          </a:xfrm>
+        </p:grpSpPr>
+        <p:grpSp>
+          <p:nvGrpSpPr>
+            <p:cNvPr id="32" name="Group 31">
+              <a:extLst>
+                <a:ext uri="{FF2B5EF4-FFF2-40B4-BE49-F238E27FC236}">
+                  <a16:creationId xmlns:a16="http://schemas.microsoft.com/office/drawing/2014/main" id="{38F858BF-4B3A-4608-BA93-812E555720FD}"/>
+                </a:ext>
+              </a:extLst>
+            </p:cNvPr>
+            <p:cNvGrpSpPr/>
+            <p:nvPr/>
+          </p:nvGrpSpPr>
+          <p:grpSpPr>
+            <a:xfrm>
+              <a:off x="7604871" y="3876116"/>
+              <a:ext cx="964288" cy="992026"/>
+              <a:chOff x="7970854" y="2135072"/>
+              <a:chExt cx="964288" cy="992026"/>
+            </a:xfrm>
+          </p:grpSpPr>
+          <p:pic>
+            <p:nvPicPr>
+              <p:cNvPr id="12" name="Graphic 11">
+                <a:extLst>
+                  <a:ext uri="{FF2B5EF4-FFF2-40B4-BE49-F238E27FC236}">
+                    <a16:creationId xmlns:a16="http://schemas.microsoft.com/office/drawing/2014/main" id="{7E0A357B-0EAC-4249-A01D-753B681DCFD8}"/>
+                  </a:ext>
+                </a:extLst>
+              </p:cNvPr>
+              <p:cNvPicPr>
+                <a:picLocks noChangeAspect="1"/>
+              </p:cNvPicPr>
+              <p:nvPr/>
+            </p:nvPicPr>
+            <p:blipFill>
+              <a:blip r:embed="rId4" cstate="print">
+                <a:extLst>
+                  <a:ext uri="{28A0092B-C50C-407E-A947-70E740481C1C}">
+                    <a14:useLocalDpi xmlns:a14="http://schemas.microsoft.com/office/drawing/2010/main" val="0"/>
+                  </a:ext>
+                  <a:ext uri="{96DAC541-7B7A-43D3-8B79-37D633B846F1}">
+                    <asvg:svgBlip xmlns:asvg="http://schemas.microsoft.com/office/drawing/2016/SVG/main" r:embed="rId5"/>
+                  </a:ext>
+                </a:extLst>
+              </a:blip>
+              <a:stretch>
+                <a:fillRect/>
+              </a:stretch>
+            </p:blipFill>
+            <p:spPr>
+              <a:xfrm>
+                <a:off x="7970854" y="2135072"/>
+                <a:ext cx="964288" cy="900000"/>
+              </a:xfrm>
+              <a:prstGeom prst="rect">
+                <a:avLst/>
+              </a:prstGeom>
+            </p:spPr>
+          </p:pic>
+          <p:cxnSp>
+            <p:nvCxnSpPr>
+              <p:cNvPr id="24" name="Straight Arrow Connector 23">
+                <a:extLst>
+                  <a:ext uri="{FF2B5EF4-FFF2-40B4-BE49-F238E27FC236}">
+                    <a16:creationId xmlns:a16="http://schemas.microsoft.com/office/drawing/2014/main" id="{19AEB816-2028-4B27-84D0-A4D2DD059417}"/>
+                  </a:ext>
+                </a:extLst>
+              </p:cNvPr>
+              <p:cNvCxnSpPr>
+                <a:cxnSpLocks/>
+              </p:cNvCxnSpPr>
+              <p:nvPr/>
+            </p:nvCxnSpPr>
+            <p:spPr>
+              <a:xfrm>
+                <a:off x="7993306" y="3127098"/>
+                <a:ext cx="907332" cy="0"/>
+              </a:xfrm>
+              <a:prstGeom prst="straightConnector1">
+                <a:avLst/>
+              </a:prstGeom>
+              <a:ln cap="rnd">
+                <a:solidFill>
+                  <a:srgbClr val="C80A5A"/>
+                </a:solidFill>
+                <a:round/>
+                <a:headEnd type="oval" w="sm" len="sm"/>
+                <a:tailEnd type="oval" w="sm" len="sm"/>
+              </a:ln>
+            </p:spPr>
+            <p:style>
+              <a:lnRef idx="1">
+                <a:schemeClr val="accent1"/>
+              </a:lnRef>
+              <a:fillRef idx="0">
+                <a:schemeClr val="accent1"/>
+              </a:fillRef>
+              <a:effectRef idx="0">
+                <a:schemeClr val="accent1"/>
+              </a:effectRef>
+              <a:fontRef idx="minor">
+                <a:schemeClr val="tx1"/>
+              </a:fontRef>
+            </p:style>
+          </p:cxnSp>
+        </p:grpSp>
+        <p:sp>
+          <p:nvSpPr>
+            <p:cNvPr id="36" name="TextBox 35">
+              <a:extLst>
+                <a:ext uri="{FF2B5EF4-FFF2-40B4-BE49-F238E27FC236}">
+                  <a16:creationId xmlns:a16="http://schemas.microsoft.com/office/drawing/2014/main" id="{2928031B-1957-4BED-9B50-8AC4DF3E815A}"/>
+                </a:ext>
+              </a:extLst>
+            </p:cNvPr>
+            <p:cNvSpPr txBox="1"/>
+            <p:nvPr/>
+          </p:nvSpPr>
+          <p:spPr>
+            <a:xfrm>
+              <a:off x="7535863" y="4973570"/>
+              <a:ext cx="2268249" cy="579005"/>
+            </a:xfrm>
+            <a:prstGeom prst="rect">
+              <a:avLst/>
+            </a:prstGeom>
+            <a:noFill/>
+            <a:ln>
+              <a:noFill/>
+            </a:ln>
+          </p:spPr>
+          <p:txBody>
+            <a:bodyPr wrap="square" rtlCol="0">
+              <a:spAutoFit/>
+            </a:bodyPr>
+            <a:lstStyle/>
+            <a:p>
+              <a:pPr>
+                <a:lnSpc>
+                  <a:spcPct val="150000"/>
+                </a:lnSpc>
+              </a:pPr>
+              <a:r>
+                <a:rPr lang="en-US" sz="1100" dirty="0">
+                  <a:solidFill>
+                    <a:schemeClr val="tx1">
+                      <a:lumMod val="85000"/>
+                      <a:lumOff val="15000"/>
+                    </a:schemeClr>
+                  </a:solidFill>
+                  <a:latin typeface="IRANSans Light" panose="020B0506030804020204" pitchFamily="34" charset="-78"/>
+                  <a:cs typeface="IRANSans Light" panose="020B0506030804020204" pitchFamily="34" charset="-78"/>
+                </a:rPr>
+                <a:t>Print size 1.7 cm wide</a:t>
+              </a:r>
+            </a:p>
+            <a:p>
+              <a:pPr>
+                <a:lnSpc>
+                  <a:spcPct val="150000"/>
+                </a:lnSpc>
+              </a:pPr>
+              <a:r>
+                <a:rPr lang="en-US" sz="1100" dirty="0">
+                  <a:solidFill>
+                    <a:schemeClr val="tx1">
+                      <a:lumMod val="85000"/>
+                      <a:lumOff val="15000"/>
+                    </a:schemeClr>
+                  </a:solidFill>
+                  <a:latin typeface="IRANSans Light" panose="020B0506030804020204" pitchFamily="34" charset="-78"/>
+                  <a:cs typeface="IRANSans Light" panose="020B0506030804020204" pitchFamily="34" charset="-78"/>
+                </a:rPr>
+                <a:t>Digital size 64 pixels wide</a:t>
+              </a:r>
+            </a:p>
+          </p:txBody>
+        </p:sp>
+      </p:grpSp>
+      <p:grpSp>
+        <p:nvGrpSpPr>
+          <p:cNvPr id="40" name="Group 39">
+            <a:extLst>
+              <a:ext uri="{FF2B5EF4-FFF2-40B4-BE49-F238E27FC236}">
+                <a16:creationId xmlns:a16="http://schemas.microsoft.com/office/drawing/2014/main" id="{C4C266FE-F53F-4270-96D5-521DB2F8472E}"/>
+              </a:ext>
+            </a:extLst>
+          </p:cNvPr>
+          <p:cNvGrpSpPr/>
+          <p:nvPr/>
+        </p:nvGrpSpPr>
+        <p:grpSpPr>
+          <a:xfrm>
+            <a:off x="6890694" y="1016715"/>
+            <a:ext cx="2268249" cy="1321838"/>
+            <a:chOff x="5307893" y="4230737"/>
+            <a:chExt cx="2268249" cy="1321838"/>
+          </a:xfrm>
+        </p:grpSpPr>
+        <p:grpSp>
+          <p:nvGrpSpPr>
+            <p:cNvPr id="33" name="Group 32">
+              <a:extLst>
+                <a:ext uri="{FF2B5EF4-FFF2-40B4-BE49-F238E27FC236}">
+                  <a16:creationId xmlns:a16="http://schemas.microsoft.com/office/drawing/2014/main" id="{594C091B-AE6F-45CE-8653-D8D711D0ABB3}"/>
+                </a:ext>
+              </a:extLst>
+            </p:cNvPr>
+            <p:cNvGrpSpPr/>
+            <p:nvPr/>
+          </p:nvGrpSpPr>
+          <p:grpSpPr>
+            <a:xfrm>
+              <a:off x="5376901" y="4230737"/>
+              <a:ext cx="540000" cy="637405"/>
+              <a:chOff x="7970854" y="1296000"/>
+              <a:chExt cx="540000" cy="637405"/>
+            </a:xfrm>
+          </p:grpSpPr>
+          <p:pic>
+            <p:nvPicPr>
+              <p:cNvPr id="14" name="Graphic 13">
+                <a:extLst>
+                  <a:ext uri="{FF2B5EF4-FFF2-40B4-BE49-F238E27FC236}">
+                    <a16:creationId xmlns:a16="http://schemas.microsoft.com/office/drawing/2014/main" id="{48A81B30-8B89-4617-82CF-C80F6961B86D}"/>
+                  </a:ext>
+                </a:extLst>
+              </p:cNvPr>
+              <p:cNvPicPr>
+                <a:picLocks noChangeAspect="1"/>
+              </p:cNvPicPr>
+              <p:nvPr/>
+            </p:nvPicPr>
+            <p:blipFill>
+              <a:blip r:embed="rId6" cstate="print">
+                <a:extLst>
+                  <a:ext uri="{28A0092B-C50C-407E-A947-70E740481C1C}">
+                    <a14:useLocalDpi xmlns:a14="http://schemas.microsoft.com/office/drawing/2010/main" val="0"/>
+                  </a:ext>
+                  <a:ext uri="{96DAC541-7B7A-43D3-8B79-37D633B846F1}">
+                    <asvg:svgBlip xmlns:asvg="http://schemas.microsoft.com/office/drawing/2016/SVG/main" r:embed="rId7"/>
+                  </a:ext>
+                </a:extLst>
+              </a:blip>
+              <a:stretch>
+                <a:fillRect/>
+              </a:stretch>
+            </p:blipFill>
+            <p:spPr>
+              <a:xfrm>
+                <a:off x="7970854" y="1296000"/>
+                <a:ext cx="540000" cy="540000"/>
+              </a:xfrm>
+              <a:prstGeom prst="rect">
+                <a:avLst/>
+              </a:prstGeom>
+            </p:spPr>
+          </p:pic>
+          <p:cxnSp>
+            <p:nvCxnSpPr>
+              <p:cNvPr id="27" name="Straight Arrow Connector 26">
+                <a:extLst>
+                  <a:ext uri="{FF2B5EF4-FFF2-40B4-BE49-F238E27FC236}">
+                    <a16:creationId xmlns:a16="http://schemas.microsoft.com/office/drawing/2014/main" id="{B285A062-7224-4072-81F8-6CC93A1D184A}"/>
+                  </a:ext>
+                </a:extLst>
+              </p:cNvPr>
+              <p:cNvCxnSpPr>
+                <a:cxnSpLocks/>
+              </p:cNvCxnSpPr>
+              <p:nvPr/>
+            </p:nvCxnSpPr>
+            <p:spPr>
+              <a:xfrm>
+                <a:off x="8022565" y="1933405"/>
+                <a:ext cx="422691" cy="0"/>
+              </a:xfrm>
+              <a:prstGeom prst="straightConnector1">
+                <a:avLst/>
+              </a:prstGeom>
+              <a:ln cap="rnd">
+                <a:solidFill>
+                  <a:srgbClr val="C80A5A"/>
+                </a:solidFill>
+                <a:round/>
+                <a:headEnd type="oval" w="sm" len="sm"/>
+                <a:tailEnd type="oval" w="sm" len="sm"/>
+              </a:ln>
+            </p:spPr>
+            <p:style>
+              <a:lnRef idx="1">
+                <a:schemeClr val="accent1"/>
+              </a:lnRef>
+              <a:fillRef idx="0">
+                <a:schemeClr val="accent1"/>
+              </a:fillRef>
+              <a:effectRef idx="0">
+                <a:schemeClr val="accent1"/>
+              </a:effectRef>
+              <a:fontRef idx="minor">
+                <a:schemeClr val="tx1"/>
+              </a:fontRef>
+            </p:style>
+          </p:cxnSp>
+        </p:grpSp>
+        <p:sp>
+          <p:nvSpPr>
+            <p:cNvPr id="37" name="TextBox 36">
+              <a:extLst>
+                <a:ext uri="{FF2B5EF4-FFF2-40B4-BE49-F238E27FC236}">
+                  <a16:creationId xmlns:a16="http://schemas.microsoft.com/office/drawing/2014/main" id="{EFFB8082-34DC-4BD9-AE15-32F6DB23559B}"/>
+                </a:ext>
+              </a:extLst>
+            </p:cNvPr>
+            <p:cNvSpPr txBox="1"/>
+            <p:nvPr/>
+          </p:nvSpPr>
+          <p:spPr>
+            <a:xfrm>
+              <a:off x="5307893" y="4973570"/>
+              <a:ext cx="2268249" cy="579005"/>
+            </a:xfrm>
+            <a:prstGeom prst="rect">
+              <a:avLst/>
+            </a:prstGeom>
+            <a:noFill/>
+            <a:ln>
+              <a:noFill/>
+            </a:ln>
+          </p:spPr>
+          <p:txBody>
+            <a:bodyPr wrap="square" rtlCol="0">
+              <a:spAutoFit/>
+            </a:bodyPr>
+            <a:lstStyle/>
+            <a:p>
+              <a:pPr>
+                <a:lnSpc>
+                  <a:spcPct val="150000"/>
+                </a:lnSpc>
+              </a:pPr>
+              <a:r>
+                <a:rPr lang="en-US" sz="1100" dirty="0">
+                  <a:solidFill>
+                    <a:schemeClr val="tx1">
+                      <a:lumMod val="85000"/>
+                      <a:lumOff val="15000"/>
+                    </a:schemeClr>
+                  </a:solidFill>
+                  <a:latin typeface="IRANSans Light" panose="020B0506030804020204" pitchFamily="34" charset="-78"/>
+                  <a:cs typeface="IRANSans Light" panose="020B0506030804020204" pitchFamily="34" charset="-78"/>
+                </a:rPr>
+                <a:t>Print size 1 cm wide</a:t>
+              </a:r>
+            </a:p>
+            <a:p>
+              <a:pPr>
+                <a:lnSpc>
+                  <a:spcPct val="150000"/>
+                </a:lnSpc>
+              </a:pPr>
+              <a:r>
+                <a:rPr lang="en-US" sz="1100" dirty="0">
+                  <a:solidFill>
+                    <a:schemeClr val="tx1">
+                      <a:lumMod val="85000"/>
+                      <a:lumOff val="15000"/>
+                    </a:schemeClr>
+                  </a:solidFill>
+                  <a:latin typeface="IRANSans Light" panose="020B0506030804020204" pitchFamily="34" charset="-78"/>
+                  <a:cs typeface="IRANSans Light" panose="020B0506030804020204" pitchFamily="34" charset="-78"/>
+                </a:rPr>
+                <a:t>Digital size 36 pixels wide</a:t>
+              </a:r>
+            </a:p>
+          </p:txBody>
+        </p:sp>
+      </p:grpSp>
     </p:spTree>
     <p:extLst>
       <p:ext uri="{BB962C8B-B14F-4D97-AF65-F5344CB8AC3E}">
@@ -4823,10 +6456,9 @@
           <a:lstStyle/>
           <a:p>
             <a:r>
-              <a:rPr lang="en-US"/>
-              <a:t>Jibres Red</a:t>
-            </a:r>
-            <a:endParaRPr lang="en-US" dirty="0"/>
+              <a:rPr lang="en-US" dirty="0"/>
+              <a:t>JIBRES RED</a:t>
+            </a:r>
           </a:p>
         </p:txBody>
       </p:sp>
@@ -4847,7 +6479,7 @@
           <a:p>
             <a:r>
               <a:rPr lang="en-US" dirty="0"/>
-              <a:t>The Jibres gold is bright and vibrant and we want it to stand out clearly. To that end, here are the color values you can use for both digital and print.</a:t>
+              <a:t>The Jibres red is bright and vibrant and we want it to stand out clearly. To that end, here are the color values you can use for both digital and print.</a:t>
             </a:r>
           </a:p>
         </p:txBody>
@@ -4889,10 +6521,14 @@
             <a:spLocks noGrp="1"/>
           </p:cNvSpPr>
           <p:nvPr>
-            <p:ph sz="quarter" idx="13"/>
+            <p:ph sz="quarter" idx="4294967295"/>
           </p:nvPr>
         </p:nvSpPr>
         <p:spPr>
+          <a:xfrm>
+            <a:off x="7544489" y="1988344"/>
+            <a:ext cx="2881312" cy="2881312"/>
+          </a:xfrm>
           <a:solidFill>
             <a:srgbClr val="C80A5A"/>
           </a:solidFill>
@@ -4901,18 +6537,22 @@
           <a:bodyPr anchor="ctr"/>
           <a:lstStyle/>
           <a:p>
-            <a:pPr indent="534988" defTabSz="1346200"/>
+            <a:pPr indent="0" defTabSz="1346200">
+              <a:buNone/>
+            </a:pPr>
             <a:r>
               <a:rPr lang="en-US" sz="1100" dirty="0">
                 <a:solidFill>
                   <a:schemeClr val="bg1"/>
                 </a:solidFill>
               </a:rPr>
-              <a:t>HEX	#</a:t>
-            </a:r>
-          </a:p>
-          <a:p>
-            <a:pPr indent="534988" defTabSz="1346200"/>
+              <a:t>HEX	#C80A5A</a:t>
+            </a:r>
+          </a:p>
+          <a:p>
+            <a:pPr indent="0" defTabSz="1346200">
+              <a:buNone/>
+            </a:pPr>
             <a:r>
               <a:rPr lang="en-US" sz="1100" dirty="0">
                 <a:solidFill>
@@ -4923,7 +6563,9 @@
             </a:r>
           </a:p>
           <a:p>
-            <a:pPr indent="534988" defTabSz="1346200"/>
+            <a:pPr indent="0" defTabSz="1346200">
+              <a:buNone/>
+            </a:pPr>
             <a:r>
               <a:rPr lang="en-US" sz="1100" dirty="0">
                 <a:solidFill>
@@ -4933,38 +6575,21 @@
               <a:t>CMYK	17, 100, 50, 2</a:t>
             </a:r>
           </a:p>
-        </p:txBody>
-      </p:sp>
-      <p:pic>
-        <p:nvPicPr>
-          <p:cNvPr id="4" name="Picture 3">
-            <a:extLst>
-              <a:ext uri="{FF2B5EF4-FFF2-40B4-BE49-F238E27FC236}">
-                <a16:creationId xmlns:a16="http://schemas.microsoft.com/office/drawing/2014/main" id="{0736284D-063F-4918-A649-595F217F0ABB}"/>
-              </a:ext>
-            </a:extLst>
-          </p:cNvPr>
-          <p:cNvPicPr>
-            <a:picLocks noChangeAspect="1"/>
-          </p:cNvPicPr>
-          <p:nvPr/>
-        </p:nvPicPr>
-        <p:blipFill>
-          <a:blip r:embed="rId2"/>
-          <a:stretch>
-            <a:fillRect/>
-          </a:stretch>
-        </p:blipFill>
-        <p:spPr>
-          <a:xfrm>
-            <a:off x="3398904" y="3020712"/>
-            <a:ext cx="3772426" cy="3439005"/>
-          </a:xfrm>
-          <a:prstGeom prst="rect">
-            <a:avLst/>
-          </a:prstGeom>
-        </p:spPr>
-      </p:pic>
+          <a:p>
+            <a:pPr indent="0" defTabSz="1346200">
+              <a:buNone/>
+            </a:pPr>
+            <a:r>
+              <a:rPr lang="en-US" sz="1100" dirty="0">
+                <a:solidFill>
+                  <a:schemeClr val="bg1"/>
+                </a:solidFill>
+              </a:rPr>
+              <a:t>HSL	335, 90%, 41%</a:t>
+            </a:r>
+          </a:p>
+        </p:txBody>
+      </p:sp>
     </p:spTree>
     <p:extLst>
       <p:ext uri="{BB962C8B-B14F-4D97-AF65-F5344CB8AC3E}">

--- a/styleguide/Jibres-brand-styleguide.pptx
+++ b/styleguide/Jibres-brand-styleguide.pptx
@@ -6,7 +6,7 @@
     <p:sldMasterId id="2147483664" r:id="rId2"/>
   </p:sldMasterIdLst>
   <p:notesMasterIdLst>
-    <p:notesMasterId r:id="rId17"/>
+    <p:notesMasterId r:id="rId18"/>
   </p:notesMasterIdLst>
   <p:sldIdLst>
     <p:sldId id="256" r:id="rId3"/>
@@ -20,9 +20,10 @@
     <p:sldId id="264" r:id="rId11"/>
     <p:sldId id="265" r:id="rId12"/>
     <p:sldId id="266" r:id="rId13"/>
-    <p:sldId id="267" r:id="rId14"/>
-    <p:sldId id="268" r:id="rId15"/>
-    <p:sldId id="269" r:id="rId16"/>
+    <p:sldId id="270" r:id="rId14"/>
+    <p:sldId id="267" r:id="rId15"/>
+    <p:sldId id="268" r:id="rId16"/>
+    <p:sldId id="269" r:id="rId17"/>
   </p:sldIdLst>
   <p:sldSz cx="12192000" cy="6858000"/>
   <p:notesSz cx="6858000" cy="9144000"/>
@@ -137,6 +138,7 @@
             <p14:sldId id="264"/>
             <p14:sldId id="265"/>
             <p14:sldId id="266"/>
+            <p14:sldId id="270"/>
             <p14:sldId id="267"/>
             <p14:sldId id="268"/>
             <p14:sldId id="269"/>
@@ -736,6 +738,9 @@
   <p:clrMapOvr>
     <a:masterClrMapping/>
   </p:clrMapOvr>
+  <p:transition spd="slow">
+    <p:push dir="u"/>
+  </p:transition>
   <p:extLst>
     <p:ext uri="{DCECCB84-F9BA-43D5-87BE-67443E8EF086}">
       <p15:sldGuideLst xmlns:p15="http://schemas.microsoft.com/office/powerpoint/2012/main">
@@ -751,6 +756,162 @@
 </file>
 
 <file path=ppt/slideLayouts/slideLayout10.xml><?xml version="1.0" encoding="utf-8"?>
+<p:sldLayout xmlns:a="http://schemas.openxmlformats.org/drawingml/2006/main" xmlns:r="http://schemas.openxmlformats.org/officeDocument/2006/relationships" xmlns:p="http://schemas.openxmlformats.org/presentationml/2006/main" type="obj" preserve="1">
+  <p:cSld name="Title and Content">
+    <p:spTree>
+      <p:nvGrpSpPr>
+        <p:cNvPr id="1" name=""/>
+        <p:cNvGrpSpPr/>
+        <p:nvPr/>
+      </p:nvGrpSpPr>
+      <p:grpSpPr>
+        <a:xfrm>
+          <a:off x="0" y="0"/>
+          <a:ext cx="0" cy="0"/>
+          <a:chOff x="0" y="0"/>
+          <a:chExt cx="0" cy="0"/>
+        </a:xfrm>
+      </p:grpSpPr>
+      <p:sp>
+        <p:nvSpPr>
+          <p:cNvPr id="2" name="Title 1"/>
+          <p:cNvSpPr>
+            <a:spLocks noGrp="1"/>
+          </p:cNvSpPr>
+          <p:nvPr>
+            <p:ph type="title"/>
+          </p:nvPr>
+        </p:nvSpPr>
+        <p:spPr/>
+        <p:txBody>
+          <a:bodyPr/>
+          <a:lstStyle/>
+          <a:p>
+            <a:r>
+              <a:rPr lang="en-US"/>
+              <a:t>Click to edit Master title style</a:t>
+            </a:r>
+          </a:p>
+        </p:txBody>
+      </p:sp>
+      <p:sp>
+        <p:nvSpPr>
+          <p:cNvPr id="3" name="Content Placeholder 2"/>
+          <p:cNvSpPr>
+            <a:spLocks noGrp="1"/>
+          </p:cNvSpPr>
+          <p:nvPr>
+            <p:ph idx="1"/>
+          </p:nvPr>
+        </p:nvSpPr>
+        <p:spPr/>
+        <p:txBody>
+          <a:bodyPr/>
+          <a:lstStyle/>
+          <a:p>
+            <a:pPr lvl="0"/>
+            <a:r>
+              <a:rPr lang="en-US"/>
+              <a:t>Edit Master text styles</a:t>
+            </a:r>
+          </a:p>
+          <a:p>
+            <a:pPr lvl="1"/>
+            <a:r>
+              <a:rPr lang="en-US"/>
+              <a:t>Second level</a:t>
+            </a:r>
+          </a:p>
+          <a:p>
+            <a:pPr lvl="2"/>
+            <a:r>
+              <a:rPr lang="en-US"/>
+              <a:t>Third level</a:t>
+            </a:r>
+          </a:p>
+          <a:p>
+            <a:pPr lvl="3"/>
+            <a:r>
+              <a:rPr lang="en-US"/>
+              <a:t>Fourth level</a:t>
+            </a:r>
+          </a:p>
+          <a:p>
+            <a:pPr lvl="4"/>
+            <a:r>
+              <a:rPr lang="en-US"/>
+              <a:t>Fifth level</a:t>
+            </a:r>
+          </a:p>
+        </p:txBody>
+      </p:sp>
+      <p:sp>
+        <p:nvSpPr>
+          <p:cNvPr id="5" name="Footer Placeholder 4"/>
+          <p:cNvSpPr>
+            <a:spLocks noGrp="1"/>
+          </p:cNvSpPr>
+          <p:nvPr>
+            <p:ph type="ftr" sz="quarter" idx="11"/>
+          </p:nvPr>
+        </p:nvSpPr>
+        <p:spPr>
+          <a:xfrm>
+            <a:off x="1055687" y="5943599"/>
+            <a:ext cx="3033045" cy="365125"/>
+          </a:xfrm>
+          <a:prstGeom prst="rect">
+            <a:avLst/>
+          </a:prstGeom>
+        </p:spPr>
+        <p:txBody>
+          <a:bodyPr/>
+          <a:lstStyle/>
+          <a:p>
+            <a:endParaRPr lang="en-US"/>
+          </a:p>
+        </p:txBody>
+      </p:sp>
+      <p:sp>
+        <p:nvSpPr>
+          <p:cNvPr id="6" name="Slide Number Placeholder 5"/>
+          <p:cNvSpPr>
+            <a:spLocks noGrp="1"/>
+          </p:cNvSpPr>
+          <p:nvPr>
+            <p:ph type="sldNum" sz="quarter" idx="12"/>
+          </p:nvPr>
+        </p:nvSpPr>
+        <p:spPr/>
+        <p:txBody>
+          <a:bodyPr/>
+          <a:lstStyle/>
+          <a:p>
+            <a:fld id="{6B8230D4-A52F-48C3-88BB-7CF0A26BA1C5}" type="slidenum">
+              <a:rPr lang="en-US" smtClean="0"/>
+              <a:t>‹#›</a:t>
+            </a:fld>
+            <a:endParaRPr lang="en-US"/>
+          </a:p>
+        </p:txBody>
+      </p:sp>
+    </p:spTree>
+    <p:extLst>
+      <p:ext uri="{BB962C8B-B14F-4D97-AF65-F5344CB8AC3E}">
+        <p14:creationId xmlns:p14="http://schemas.microsoft.com/office/powerpoint/2010/main" val="751939655"/>
+      </p:ext>
+    </p:extLst>
+  </p:cSld>
+  <p:clrMapOvr>
+    <a:masterClrMapping/>
+  </p:clrMapOvr>
+  <p:transition spd="slow">
+    <p:push dir="u"/>
+  </p:transition>
+</p:sldLayout>
+</file>
+
+<file path=ppt/slideLayouts/slideLayout11.xml><?xml version="1.0" encoding="utf-8"?>
 <p:sldLayout xmlns:a="http://schemas.openxmlformats.org/drawingml/2006/main" xmlns:r="http://schemas.openxmlformats.org/officeDocument/2006/relationships" xmlns:p="http://schemas.openxmlformats.org/presentationml/2006/main" type="twoObj" preserve="1">
   <p:cSld name="Two Content">
     <p:spTree>
@@ -961,10 +1122,13 @@
   <p:clrMapOvr>
     <a:masterClrMapping/>
   </p:clrMapOvr>
+  <p:transition spd="slow">
+    <p:push dir="u"/>
+  </p:transition>
 </p:sldLayout>
 </file>
 
-<file path=ppt/slideLayouts/slideLayout11.xml><?xml version="1.0" encoding="utf-8"?>
+<file path=ppt/slideLayouts/slideLayout12.xml><?xml version="1.0" encoding="utf-8"?>
 <p:sldLayout xmlns:a="http://schemas.openxmlformats.org/drawingml/2006/main" xmlns:r="http://schemas.openxmlformats.org/officeDocument/2006/relationships" xmlns:p="http://schemas.openxmlformats.org/presentationml/2006/main" type="titleOnly" preserve="1">
   <p:cSld name="Title Only">
     <p:spTree>
@@ -1063,10 +1227,13 @@
   <p:clrMapOvr>
     <a:masterClrMapping/>
   </p:clrMapOvr>
+  <p:transition spd="slow">
+    <p:push dir="u"/>
+  </p:transition>
 </p:sldLayout>
 </file>
 
-<file path=ppt/slideLayouts/slideLayout12.xml><?xml version="1.0" encoding="utf-8"?>
+<file path=ppt/slideLayouts/slideLayout13.xml><?xml version="1.0" encoding="utf-8"?>
 <p:sldLayout xmlns:a="http://schemas.openxmlformats.org/drawingml/2006/main" xmlns:r="http://schemas.openxmlformats.org/officeDocument/2006/relationships" xmlns:p="http://schemas.openxmlformats.org/presentationml/2006/main" type="blank" preserve="1">
   <p:cSld name="1_Blank">
     <p:spTree>
@@ -1143,10 +1310,13 @@
   <p:clrMapOvr>
     <a:masterClrMapping/>
   </p:clrMapOvr>
+  <p:transition spd="slow">
+    <p:push dir="u"/>
+  </p:transition>
 </p:sldLayout>
 </file>
 
-<file path=ppt/slideLayouts/slideLayout13.xml><?xml version="1.0" encoding="utf-8"?>
+<file path=ppt/slideLayouts/slideLayout14.xml><?xml version="1.0" encoding="utf-8"?>
 <p:sldLayout xmlns:a="http://schemas.openxmlformats.org/drawingml/2006/main" xmlns:r="http://schemas.openxmlformats.org/officeDocument/2006/relationships" xmlns:p="http://schemas.openxmlformats.org/presentationml/2006/main" type="blank" preserve="1">
   <p:cSld name="Cover">
     <p:bg>
@@ -1219,7 +1389,7 @@
 </p:sldLayout>
 </file>
 
-<file path=ppt/slideLayouts/slideLayout14.xml><?xml version="1.0" encoding="utf-8"?>
+<file path=ppt/slideLayouts/slideLayout15.xml><?xml version="1.0" encoding="utf-8"?>
 <p:sldLayout xmlns:a="http://schemas.openxmlformats.org/drawingml/2006/main" xmlns:r="http://schemas.openxmlformats.org/officeDocument/2006/relationships" xmlns:p="http://schemas.openxmlformats.org/presentationml/2006/main" preserve="1" userDrawn="1">
   <p:cSld name="Intro">
     <p:spTree>
@@ -1345,7 +1515,7 @@
             <a:spLocks noGrp="1"/>
           </p:cNvSpPr>
           <p:nvPr>
-            <p:ph type="title"/>
+            <p:ph type="title" hasCustomPrompt="1"/>
           </p:nvPr>
         </p:nvSpPr>
         <p:spPr>
@@ -1366,7 +1536,7 @@
           <a:p>
             <a:r>
               <a:rPr lang="en-US" dirty="0"/>
-              <a:t>Click to edit Master title style</a:t>
+              <a:t>CLICK TO EDIT MASTER TITLE STYLE</a:t>
             </a:r>
           </a:p>
         </p:txBody>
@@ -1546,6 +1716,9 @@
   <p:clrMapOvr>
     <a:masterClrMapping/>
   </p:clrMapOvr>
+  <p:transition spd="slow">
+    <p:push dir="u"/>
+  </p:transition>
   <p:extLst>
     <p:ext uri="{DCECCB84-F9BA-43D5-87BE-67443E8EF086}">
       <p15:sldGuideLst xmlns:p15="http://schemas.microsoft.com/office/powerpoint/2012/main">
@@ -1584,7 +1757,7 @@
             <a:spLocks noGrp="1"/>
           </p:cNvSpPr>
           <p:nvPr>
-            <p:ph type="title"/>
+            <p:ph type="title" hasCustomPrompt="1"/>
           </p:nvPr>
         </p:nvSpPr>
         <p:spPr>
@@ -1605,7 +1778,7 @@
           <a:p>
             <a:r>
               <a:rPr lang="en-US" dirty="0"/>
-              <a:t>Click to edit Master title style</a:t>
+              <a:t>CLICK TO EDIT MASTER TITLE STYLE</a:t>
             </a:r>
           </a:p>
         </p:txBody>
@@ -1762,6 +1935,9 @@
   <p:clrMapOvr>
     <a:masterClrMapping/>
   </p:clrMapOvr>
+  <p:transition spd="slow">
+    <p:push dir="u"/>
+  </p:transition>
   <p:extLst>
     <p:ext uri="{DCECCB84-F9BA-43D5-87BE-67443E8EF086}">
       <p15:sldGuideLst xmlns:p15="http://schemas.microsoft.com/office/powerpoint/2012/main">
@@ -1800,7 +1976,7 @@
             <a:spLocks noGrp="1"/>
           </p:cNvSpPr>
           <p:nvPr>
-            <p:ph type="title"/>
+            <p:ph type="title" hasCustomPrompt="1"/>
           </p:nvPr>
         </p:nvSpPr>
         <p:spPr>
@@ -1821,7 +1997,7 @@
           <a:p>
             <a:r>
               <a:rPr lang="en-US" dirty="0"/>
-              <a:t>Click to edit Master title style</a:t>
+              <a:t>CLICK TO EDIT MASTER TITLE STYLE</a:t>
             </a:r>
           </a:p>
         </p:txBody>
@@ -1978,6 +2154,9 @@
   <p:clrMapOvr>
     <a:masterClrMapping/>
   </p:clrMapOvr>
+  <p:transition spd="slow">
+    <p:push dir="u"/>
+  </p:transition>
   <p:extLst>
     <p:ext uri="{DCECCB84-F9BA-43D5-87BE-67443E8EF086}">
       <p15:sldGuideLst xmlns:p15="http://schemas.microsoft.com/office/powerpoint/2012/main">
@@ -2016,7 +2195,7 @@
             <a:spLocks noGrp="1"/>
           </p:cNvSpPr>
           <p:nvPr>
-            <p:ph type="title"/>
+            <p:ph type="title" hasCustomPrompt="1"/>
           </p:nvPr>
         </p:nvSpPr>
         <p:spPr>
@@ -2037,7 +2216,7 @@
           <a:p>
             <a:r>
               <a:rPr lang="en-US" dirty="0"/>
-              <a:t>Click to edit Master title style</a:t>
+              <a:t>CLICK TO EDIT MASTER TITLE STYLE</a:t>
             </a:r>
           </a:p>
         </p:txBody>
@@ -2194,6 +2373,9 @@
   <p:clrMapOvr>
     <a:masterClrMapping/>
   </p:clrMapOvr>
+  <p:transition spd="slow">
+    <p:push dir="u"/>
+  </p:transition>
   <p:extLst>
     <p:ext uri="{DCECCB84-F9BA-43D5-87BE-67443E8EF086}">
       <p15:sldGuideLst xmlns:p15="http://schemas.microsoft.com/office/powerpoint/2012/main">
@@ -2210,6 +2392,225 @@
 
 <file path=ppt/slideLayouts/slideLayout6.xml><?xml version="1.0" encoding="utf-8"?>
 <p:sldLayout xmlns:a="http://schemas.openxmlformats.org/drawingml/2006/main" xmlns:r="http://schemas.openxmlformats.org/officeDocument/2006/relationships" xmlns:p="http://schemas.openxmlformats.org/presentationml/2006/main" preserve="1" userDrawn="1">
+  <p:cSld name="3_JibresLogo with Caption">
+    <p:spTree>
+      <p:nvGrpSpPr>
+        <p:cNvPr id="1" name=""/>
+        <p:cNvGrpSpPr/>
+        <p:nvPr/>
+      </p:nvGrpSpPr>
+      <p:grpSpPr>
+        <a:xfrm>
+          <a:off x="0" y="0"/>
+          <a:ext cx="0" cy="0"/>
+          <a:chOff x="0" y="0"/>
+          <a:chExt cx="0" cy="0"/>
+        </a:xfrm>
+      </p:grpSpPr>
+      <p:sp>
+        <p:nvSpPr>
+          <p:cNvPr id="2" name="Title 1"/>
+          <p:cNvSpPr>
+            <a:spLocks noGrp="1"/>
+          </p:cNvSpPr>
+          <p:nvPr>
+            <p:ph type="title" hasCustomPrompt="1"/>
+          </p:nvPr>
+        </p:nvSpPr>
+        <p:spPr>
+          <a:xfrm>
+            <a:off x="1080000" y="1296000"/>
+            <a:ext cx="2880000" cy="720000"/>
+          </a:xfrm>
+        </p:spPr>
+        <p:txBody>
+          <a:bodyPr anchor="b">
+            <a:noAutofit/>
+          </a:bodyPr>
+          <a:lstStyle>
+            <a:lvl1pPr>
+              <a:defRPr sz="2000" b="0"/>
+            </a:lvl1pPr>
+          </a:lstStyle>
+          <a:p>
+            <a:r>
+              <a:rPr lang="en-US" dirty="0"/>
+              <a:t>CLICK TO EDIT MASTER TITLE STYLE</a:t>
+            </a:r>
+          </a:p>
+        </p:txBody>
+      </p:sp>
+      <p:sp>
+        <p:nvSpPr>
+          <p:cNvPr id="4" name="Text Placeholder 3"/>
+          <p:cNvSpPr>
+            <a:spLocks noGrp="1"/>
+          </p:cNvSpPr>
+          <p:nvPr>
+            <p:ph type="body" sz="half" idx="2"/>
+          </p:nvPr>
+        </p:nvSpPr>
+        <p:spPr>
+          <a:xfrm>
+            <a:off x="1080000" y="2232000"/>
+            <a:ext cx="2880000" cy="2520000"/>
+          </a:xfrm>
+        </p:spPr>
+        <p:txBody>
+          <a:bodyPr>
+            <a:normAutofit/>
+          </a:bodyPr>
+          <a:lstStyle>
+            <a:lvl1pPr marL="0" indent="0">
+              <a:lnSpc>
+                <a:spcPct val="150000"/>
+              </a:lnSpc>
+              <a:spcAft>
+                <a:spcPts val="1000"/>
+              </a:spcAft>
+              <a:buNone/>
+              <a:defRPr sz="1200">
+                <a:latin typeface="IRANSans Light" panose="020B0506030804020204" pitchFamily="34" charset="-78"/>
+                <a:cs typeface="IRANSans Light" panose="020B0506030804020204" pitchFamily="34" charset="-78"/>
+              </a:defRPr>
+            </a:lvl1pPr>
+            <a:lvl2pPr marL="457200" indent="0">
+              <a:buNone/>
+              <a:defRPr sz="1400"/>
+            </a:lvl2pPr>
+            <a:lvl3pPr marL="914400" indent="0">
+              <a:buNone/>
+              <a:defRPr sz="1200"/>
+            </a:lvl3pPr>
+            <a:lvl4pPr marL="1371600" indent="0">
+              <a:buNone/>
+              <a:defRPr sz="1000"/>
+            </a:lvl4pPr>
+            <a:lvl5pPr marL="1828800" indent="0">
+              <a:buNone/>
+              <a:defRPr sz="1000"/>
+            </a:lvl5pPr>
+            <a:lvl6pPr marL="2286000" indent="0">
+              <a:buNone/>
+              <a:defRPr sz="1000"/>
+            </a:lvl6pPr>
+            <a:lvl7pPr marL="2743200" indent="0">
+              <a:buNone/>
+              <a:defRPr sz="1000"/>
+            </a:lvl7pPr>
+            <a:lvl8pPr marL="3200400" indent="0">
+              <a:buNone/>
+              <a:defRPr sz="1000"/>
+            </a:lvl8pPr>
+            <a:lvl9pPr marL="3657600" indent="0">
+              <a:buNone/>
+              <a:defRPr sz="1000"/>
+            </a:lvl9pPr>
+          </a:lstStyle>
+          <a:p>
+            <a:pPr lvl="0"/>
+            <a:r>
+              <a:rPr lang="en-US" dirty="0"/>
+              <a:t>Edit Master text styles</a:t>
+            </a:r>
+          </a:p>
+        </p:txBody>
+      </p:sp>
+      <p:sp>
+        <p:nvSpPr>
+          <p:cNvPr id="7" name="Slide Number Placeholder 6"/>
+          <p:cNvSpPr>
+            <a:spLocks noGrp="1"/>
+          </p:cNvSpPr>
+          <p:nvPr>
+            <p:ph type="sldNum" sz="quarter" idx="12"/>
+          </p:nvPr>
+        </p:nvSpPr>
+        <p:spPr>
+          <a:xfrm>
+            <a:off x="8868064" y="5937599"/>
+            <a:ext cx="2268249" cy="365125"/>
+          </a:xfrm>
+        </p:spPr>
+        <p:txBody>
+          <a:bodyPr/>
+          <a:lstStyle/>
+          <a:p>
+            <a:fld id="{6B8230D4-A52F-48C3-88BB-7CF0A26BA1C5}" type="slidenum">
+              <a:rPr lang="en-US" smtClean="0"/>
+              <a:t>‹#›</a:t>
+            </a:fld>
+            <a:endParaRPr lang="en-US"/>
+          </a:p>
+        </p:txBody>
+      </p:sp>
+      <p:pic>
+        <p:nvPicPr>
+          <p:cNvPr id="6" name="Graphic 5">
+            <a:extLst>
+              <a:ext uri="{FF2B5EF4-FFF2-40B4-BE49-F238E27FC236}">
+                <a16:creationId xmlns:a16="http://schemas.microsoft.com/office/drawing/2014/main" id="{DC583769-5A49-4908-AABC-4063C901E85A}"/>
+              </a:ext>
+            </a:extLst>
+          </p:cNvPr>
+          <p:cNvPicPr>
+            <a:picLocks noChangeAspect="1"/>
+          </p:cNvPicPr>
+          <p:nvPr userDrawn="1"/>
+        </p:nvPicPr>
+        <p:blipFill>
+          <a:blip r:embed="rId2" cstate="print">
+            <a:extLst>
+              <a:ext uri="{28A0092B-C50C-407E-A947-70E740481C1C}">
+                <a14:useLocalDpi xmlns:a14="http://schemas.microsoft.com/office/drawing/2010/main" val="0"/>
+              </a:ext>
+              <a:ext uri="{96DAC541-7B7A-43D3-8B79-37D633B846F1}">
+                <asvg:svgBlip xmlns:asvg="http://schemas.microsoft.com/office/drawing/2016/SVG/main" r:embed="rId3"/>
+              </a:ext>
+            </a:extLst>
+          </a:blip>
+          <a:srcRect/>
+          <a:stretch/>
+        </p:blipFill>
+        <p:spPr>
+          <a:xfrm>
+            <a:off x="5521865" y="252417"/>
+            <a:ext cx="5400000" cy="5400000"/>
+          </a:xfrm>
+          <a:prstGeom prst="rect">
+            <a:avLst/>
+          </a:prstGeom>
+        </p:spPr>
+      </p:pic>
+    </p:spTree>
+    <p:extLst>
+      <p:ext uri="{BB962C8B-B14F-4D97-AF65-F5344CB8AC3E}">
+        <p14:creationId xmlns:p14="http://schemas.microsoft.com/office/powerpoint/2010/main" val="2271934034"/>
+      </p:ext>
+    </p:extLst>
+  </p:cSld>
+  <p:clrMapOvr>
+    <a:masterClrMapping/>
+  </p:clrMapOvr>
+  <p:transition spd="slow">
+    <p:push/>
+  </p:transition>
+  <p:extLst>
+    <p:ext uri="{DCECCB84-F9BA-43D5-87BE-67443E8EF086}">
+      <p15:sldGuideLst xmlns:p15="http://schemas.microsoft.com/office/powerpoint/2012/main">
+        <p15:guide id="1" pos="3840">
+          <p15:clr>
+            <a:srgbClr val="FBAE40"/>
+          </p15:clr>
+        </p15:guide>
+      </p15:sldGuideLst>
+    </p:ext>
+  </p:extLst>
+</p:sldLayout>
+</file>
+
+<file path=ppt/slideLayouts/slideLayout7.xml><?xml version="1.0" encoding="utf-8"?>
+<p:sldLayout xmlns:a="http://schemas.openxmlformats.org/drawingml/2006/main" xmlns:r="http://schemas.openxmlformats.org/officeDocument/2006/relationships" xmlns:p="http://schemas.openxmlformats.org/presentationml/2006/main" preserve="1" userDrawn="1">
   <p:cSld name="1_Picture with Caption">
     <p:spTree>
       <p:nvGrpSpPr>
@@ -2425,6 +2826,9 @@
   <p:clrMapOvr>
     <a:masterClrMapping/>
   </p:clrMapOvr>
+  <p:transition spd="slow">
+    <p:push dir="u"/>
+  </p:transition>
   <p:extLst>
     <p:ext uri="{DCECCB84-F9BA-43D5-87BE-67443E8EF086}">
       <p15:sldGuideLst xmlns:p15="http://schemas.microsoft.com/office/powerpoint/2012/main">
@@ -2439,7 +2843,7 @@
 </p:sldLayout>
 </file>
 
-<file path=ppt/slideLayouts/slideLayout7.xml><?xml version="1.0" encoding="utf-8"?>
+<file path=ppt/slideLayouts/slideLayout8.xml><?xml version="1.0" encoding="utf-8"?>
 <p:sldLayout xmlns:a="http://schemas.openxmlformats.org/drawingml/2006/main" xmlns:r="http://schemas.openxmlformats.org/officeDocument/2006/relationships" xmlns:p="http://schemas.openxmlformats.org/presentationml/2006/main" type="secHead" preserve="1">
   <p:cSld name="Section Header">
     <p:spTree>
@@ -2666,10 +3070,13 @@
   <p:clrMapOvr>
     <a:masterClrMapping/>
   </p:clrMapOvr>
+  <p:transition spd="slow">
+    <p:push dir="u"/>
+  </p:transition>
 </p:sldLayout>
 </file>
 
-<file path=ppt/slideLayouts/slideLayout8.xml><?xml version="1.0" encoding="utf-8"?>
+<file path=ppt/slideLayouts/slideLayout9.xml><?xml version="1.0" encoding="utf-8"?>
 <p:sldLayout xmlns:a="http://schemas.openxmlformats.org/drawingml/2006/main" xmlns:r="http://schemas.openxmlformats.org/officeDocument/2006/relationships" xmlns:p="http://schemas.openxmlformats.org/presentationml/2006/main" type="title" preserve="1">
   <p:cSld name="Title Slide">
     <p:spTree>
@@ -2841,159 +3248,9 @@
   <p:clrMapOvr>
     <a:masterClrMapping/>
   </p:clrMapOvr>
-</p:sldLayout>
-</file>
-
-<file path=ppt/slideLayouts/slideLayout9.xml><?xml version="1.0" encoding="utf-8"?>
-<p:sldLayout xmlns:a="http://schemas.openxmlformats.org/drawingml/2006/main" xmlns:r="http://schemas.openxmlformats.org/officeDocument/2006/relationships" xmlns:p="http://schemas.openxmlformats.org/presentationml/2006/main" type="obj" preserve="1">
-  <p:cSld name="Title and Content">
-    <p:spTree>
-      <p:nvGrpSpPr>
-        <p:cNvPr id="1" name=""/>
-        <p:cNvGrpSpPr/>
-        <p:nvPr/>
-      </p:nvGrpSpPr>
-      <p:grpSpPr>
-        <a:xfrm>
-          <a:off x="0" y="0"/>
-          <a:ext cx="0" cy="0"/>
-          <a:chOff x="0" y="0"/>
-          <a:chExt cx="0" cy="0"/>
-        </a:xfrm>
-      </p:grpSpPr>
-      <p:sp>
-        <p:nvSpPr>
-          <p:cNvPr id="2" name="Title 1"/>
-          <p:cNvSpPr>
-            <a:spLocks noGrp="1"/>
-          </p:cNvSpPr>
-          <p:nvPr>
-            <p:ph type="title"/>
-          </p:nvPr>
-        </p:nvSpPr>
-        <p:spPr/>
-        <p:txBody>
-          <a:bodyPr/>
-          <a:lstStyle/>
-          <a:p>
-            <a:r>
-              <a:rPr lang="en-US"/>
-              <a:t>Click to edit Master title style</a:t>
-            </a:r>
-          </a:p>
-        </p:txBody>
-      </p:sp>
-      <p:sp>
-        <p:nvSpPr>
-          <p:cNvPr id="3" name="Content Placeholder 2"/>
-          <p:cNvSpPr>
-            <a:spLocks noGrp="1"/>
-          </p:cNvSpPr>
-          <p:nvPr>
-            <p:ph idx="1"/>
-          </p:nvPr>
-        </p:nvSpPr>
-        <p:spPr/>
-        <p:txBody>
-          <a:bodyPr/>
-          <a:lstStyle/>
-          <a:p>
-            <a:pPr lvl="0"/>
-            <a:r>
-              <a:rPr lang="en-US"/>
-              <a:t>Edit Master text styles</a:t>
-            </a:r>
-          </a:p>
-          <a:p>
-            <a:pPr lvl="1"/>
-            <a:r>
-              <a:rPr lang="en-US"/>
-              <a:t>Second level</a:t>
-            </a:r>
-          </a:p>
-          <a:p>
-            <a:pPr lvl="2"/>
-            <a:r>
-              <a:rPr lang="en-US"/>
-              <a:t>Third level</a:t>
-            </a:r>
-          </a:p>
-          <a:p>
-            <a:pPr lvl="3"/>
-            <a:r>
-              <a:rPr lang="en-US"/>
-              <a:t>Fourth level</a:t>
-            </a:r>
-          </a:p>
-          <a:p>
-            <a:pPr lvl="4"/>
-            <a:r>
-              <a:rPr lang="en-US"/>
-              <a:t>Fifth level</a:t>
-            </a:r>
-          </a:p>
-        </p:txBody>
-      </p:sp>
-      <p:sp>
-        <p:nvSpPr>
-          <p:cNvPr id="5" name="Footer Placeholder 4"/>
-          <p:cNvSpPr>
-            <a:spLocks noGrp="1"/>
-          </p:cNvSpPr>
-          <p:nvPr>
-            <p:ph type="ftr" sz="quarter" idx="11"/>
-          </p:nvPr>
-        </p:nvSpPr>
-        <p:spPr>
-          <a:xfrm>
-            <a:off x="1055687" y="5943599"/>
-            <a:ext cx="3033045" cy="365125"/>
-          </a:xfrm>
-          <a:prstGeom prst="rect">
-            <a:avLst/>
-          </a:prstGeom>
-        </p:spPr>
-        <p:txBody>
-          <a:bodyPr/>
-          <a:lstStyle/>
-          <a:p>
-            <a:endParaRPr lang="en-US"/>
-          </a:p>
-        </p:txBody>
-      </p:sp>
-      <p:sp>
-        <p:nvSpPr>
-          <p:cNvPr id="6" name="Slide Number Placeholder 5"/>
-          <p:cNvSpPr>
-            <a:spLocks noGrp="1"/>
-          </p:cNvSpPr>
-          <p:nvPr>
-            <p:ph type="sldNum" sz="quarter" idx="12"/>
-          </p:nvPr>
-        </p:nvSpPr>
-        <p:spPr/>
-        <p:txBody>
-          <a:bodyPr/>
-          <a:lstStyle/>
-          <a:p>
-            <a:fld id="{6B8230D4-A52F-48C3-88BB-7CF0A26BA1C5}" type="slidenum">
-              <a:rPr lang="en-US" smtClean="0"/>
-              <a:t>‹#›</a:t>
-            </a:fld>
-            <a:endParaRPr lang="en-US"/>
-          </a:p>
-        </p:txBody>
-      </p:sp>
-    </p:spTree>
-    <p:extLst>
-      <p:ext uri="{BB962C8B-B14F-4D97-AF65-F5344CB8AC3E}">
-        <p14:creationId xmlns:p14="http://schemas.microsoft.com/office/powerpoint/2010/main" val="751939655"/>
-      </p:ext>
-    </p:extLst>
-  </p:cSld>
-  <p:clrMapOvr>
-    <a:masterClrMapping/>
-  </p:clrMapOvr>
+  <p:transition spd="slow">
+    <p:push dir="u"/>
+  </p:transition>
 </p:sldLayout>
 </file>
 
@@ -3045,9 +3302,10 @@
           <a:lstStyle/>
           <a:p>
             <a:r>
-              <a:rPr lang="en-US" dirty="0"/>
+              <a:rPr lang="en-US"/>
               <a:t>Click to edit Master title style</a:t>
             </a:r>
+            <a:endParaRPr lang="en-US" dirty="0"/>
           </a:p>
         </p:txBody>
       </p:sp>
@@ -3218,13 +3476,13 @@
           <p:nvPr userDrawn="1"/>
         </p:nvPicPr>
         <p:blipFill>
-          <a:blip r:embed="rId14" cstate="print">
+          <a:blip r:embed="rId15" cstate="print">
             <a:extLst>
               <a:ext uri="{28A0092B-C50C-407E-A947-70E740481C1C}">
                 <a14:useLocalDpi xmlns:a14="http://schemas.microsoft.com/office/drawing/2010/main" val="0"/>
               </a:ext>
               <a:ext uri="{96DAC541-7B7A-43D3-8B79-37D633B846F1}">
-                <asvg:svgBlip xmlns:asvg="http://schemas.microsoft.com/office/drawing/2016/SVG/main" r:embed="rId15"/>
+                <asvg:svgBlip xmlns:asvg="http://schemas.microsoft.com/office/drawing/2016/SVG/main" r:embed="rId16"/>
               </a:ext>
             </a:extLst>
           </a:blip>
@@ -3256,14 +3514,18 @@
     <p:sldLayoutId id="2147483666" r:id="rId3"/>
     <p:sldLayoutId id="2147483668" r:id="rId4"/>
     <p:sldLayoutId id="2147483669" r:id="rId5"/>
-    <p:sldLayoutId id="2147483665" r:id="rId6"/>
-    <p:sldLayoutId id="2147483651" r:id="rId7"/>
-    <p:sldLayoutId id="2147483649" r:id="rId8"/>
-    <p:sldLayoutId id="2147483650" r:id="rId9"/>
-    <p:sldLayoutId id="2147483652" r:id="rId10"/>
-    <p:sldLayoutId id="2147483654" r:id="rId11"/>
-    <p:sldLayoutId id="2147483660" r:id="rId12"/>
+    <p:sldLayoutId id="2147483670" r:id="rId6"/>
+    <p:sldLayoutId id="2147483665" r:id="rId7"/>
+    <p:sldLayoutId id="2147483651" r:id="rId8"/>
+    <p:sldLayoutId id="2147483649" r:id="rId9"/>
+    <p:sldLayoutId id="2147483650" r:id="rId10"/>
+    <p:sldLayoutId id="2147483652" r:id="rId11"/>
+    <p:sldLayoutId id="2147483654" r:id="rId12"/>
+    <p:sldLayoutId id="2147483660" r:id="rId13"/>
   </p:sldLayoutIdLst>
+  <p:transition spd="slow">
+    <p:push dir="u"/>
+  </p:transition>
   <p:hf hdr="0" ftr="0" dt="0"/>
   <p:txStyles>
     <p:titleStyle>
@@ -4049,9 +4311,18 @@
   <p:clrMapOvr>
     <a:masterClrMapping/>
   </p:clrMapOvr>
-  <p:transition spd="slow">
-    <p:cover dir="d"/>
-  </p:transition>
+  <mc:AlternateContent xmlns:mc="http://schemas.openxmlformats.org/markup-compatibility/2006">
+    <mc:Choice xmlns:p14="http://schemas.microsoft.com/office/powerpoint/2010/main" Requires="p14">
+      <p:transition spd="slow" p14:dur="1600">
+        <p:blinds dir="vert"/>
+      </p:transition>
+    </mc:Choice>
+    <mc:Fallback>
+      <p:transition spd="slow">
+        <p:blinds dir="vert"/>
+      </p:transition>
+    </mc:Fallback>
+  </mc:AlternateContent>
 </p:sld>
 </file>
 
@@ -4203,6 +4474,9 @@
   <p:clrMapOvr>
     <a:masterClrMapping/>
   </p:clrMapOvr>
+  <p:transition spd="slow">
+    <p:push dir="u"/>
+  </p:transition>
 </p:sld>
 </file>
 
@@ -4362,6 +4636,9 @@
   <p:clrMapOvr>
     <a:masterClrMapping/>
   </p:clrMapOvr>
+  <p:transition spd="slow">
+    <p:push dir="u"/>
+  </p:transition>
 </p:sld>
 </file>
 
@@ -4384,6 +4661,122 @@
       </p:grpSpPr>
       <p:sp>
         <p:nvSpPr>
+          <p:cNvPr id="2" name="Title 1">
+            <a:extLst>
+              <a:ext uri="{FF2B5EF4-FFF2-40B4-BE49-F238E27FC236}">
+                <a16:creationId xmlns:a16="http://schemas.microsoft.com/office/drawing/2014/main" id="{552A41D2-B180-436D-BB7B-7969DA62054B}"/>
+              </a:ext>
+            </a:extLst>
+          </p:cNvPr>
+          <p:cNvSpPr>
+            <a:spLocks noGrp="1"/>
+          </p:cNvSpPr>
+          <p:nvPr>
+            <p:ph type="title"/>
+          </p:nvPr>
+        </p:nvSpPr>
+        <p:spPr/>
+        <p:txBody>
+          <a:bodyPr/>
+          <a:lstStyle/>
+          <a:p>
+            <a:r>
+              <a:rPr lang="en-US" dirty="0"/>
+              <a:t>ICON DRAW RULES</a:t>
+            </a:r>
+          </a:p>
+        </p:txBody>
+      </p:sp>
+      <p:sp>
+        <p:nvSpPr>
+          <p:cNvPr id="11" name="Text Placeholder 10">
+            <a:extLst>
+              <a:ext uri="{FF2B5EF4-FFF2-40B4-BE49-F238E27FC236}">
+                <a16:creationId xmlns:a16="http://schemas.microsoft.com/office/drawing/2014/main" id="{ADE4E85D-DB5D-4B3E-8BC3-62487EDE031E}"/>
+              </a:ext>
+            </a:extLst>
+          </p:cNvPr>
+          <p:cNvSpPr>
+            <a:spLocks noGrp="1"/>
+          </p:cNvSpPr>
+          <p:nvPr>
+            <p:ph type="body" sz="half" idx="2"/>
+          </p:nvPr>
+        </p:nvSpPr>
+        <p:spPr/>
+        <p:txBody>
+          <a:bodyPr/>
+          <a:lstStyle/>
+          <a:p>
+            <a:endParaRPr lang="en-US"/>
+          </a:p>
+        </p:txBody>
+      </p:sp>
+      <p:sp>
+        <p:nvSpPr>
+          <p:cNvPr id="4" name="Slide Number Placeholder 3">
+            <a:extLst>
+              <a:ext uri="{FF2B5EF4-FFF2-40B4-BE49-F238E27FC236}">
+                <a16:creationId xmlns:a16="http://schemas.microsoft.com/office/drawing/2014/main" id="{C8D36FD0-7C5C-48B8-9481-43EC7E9C9197}"/>
+              </a:ext>
+            </a:extLst>
+          </p:cNvPr>
+          <p:cNvSpPr>
+            <a:spLocks noGrp="1"/>
+          </p:cNvSpPr>
+          <p:nvPr>
+            <p:ph type="sldNum" sz="quarter" idx="12"/>
+          </p:nvPr>
+        </p:nvSpPr>
+        <p:spPr/>
+        <p:txBody>
+          <a:bodyPr/>
+          <a:lstStyle/>
+          <a:p>
+            <a:fld id="{6B8230D4-A52F-48C3-88BB-7CF0A26BA1C5}" type="slidenum">
+              <a:rPr lang="en-US" smtClean="0"/>
+              <a:pPr/>
+              <a:t>12</a:t>
+            </a:fld>
+            <a:endParaRPr lang="en-US"/>
+          </a:p>
+        </p:txBody>
+      </p:sp>
+    </p:spTree>
+    <p:extLst>
+      <p:ext uri="{BB962C8B-B14F-4D97-AF65-F5344CB8AC3E}">
+        <p14:creationId xmlns:p14="http://schemas.microsoft.com/office/powerpoint/2010/main" val="902224127"/>
+      </p:ext>
+    </p:extLst>
+  </p:cSld>
+  <p:clrMapOvr>
+    <a:masterClrMapping/>
+  </p:clrMapOvr>
+  <p:transition spd="slow">
+    <p:push/>
+  </p:transition>
+</p:sld>
+</file>
+
+<file path=ppt/slides/slide13.xml><?xml version="1.0" encoding="utf-8"?>
+<p:sld xmlns:a="http://schemas.openxmlformats.org/drawingml/2006/main" xmlns:r="http://schemas.openxmlformats.org/officeDocument/2006/relationships" xmlns:p="http://schemas.openxmlformats.org/presentationml/2006/main">
+  <p:cSld>
+    <p:spTree>
+      <p:nvGrpSpPr>
+        <p:cNvPr id="1" name=""/>
+        <p:cNvGrpSpPr/>
+        <p:nvPr/>
+      </p:nvGrpSpPr>
+      <p:grpSpPr>
+        <a:xfrm>
+          <a:off x="0" y="0"/>
+          <a:ext cx="0" cy="0"/>
+          <a:chOff x="0" y="0"/>
+          <a:chExt cx="0" cy="0"/>
+        </a:xfrm>
+      </p:grpSpPr>
+      <p:sp>
+        <p:nvSpPr>
           <p:cNvPr id="2" name="Title 1"/>
           <p:cNvSpPr>
             <a:spLocks noGrp="1"/>
@@ -4473,7 +4866,7 @@
           <a:p>
             <a:fld id="{6B8230D4-A52F-48C3-88BB-7CF0A26BA1C5}" type="slidenum">
               <a:rPr lang="en-US" smtClean="0"/>
-              <a:t>12</a:t>
+              <a:t>13</a:t>
             </a:fld>
             <a:endParaRPr lang="en-US"/>
           </a:p>
@@ -4589,10 +4982,13 @@
   <p:clrMapOvr>
     <a:masterClrMapping/>
   </p:clrMapOvr>
+  <p:transition spd="slow">
+    <p:push dir="u"/>
+  </p:transition>
 </p:sld>
 </file>
 
-<file path=ppt/slides/slide13.xml><?xml version="1.0" encoding="utf-8"?>
+<file path=ppt/slides/slide14.xml><?xml version="1.0" encoding="utf-8"?>
 <p:sld xmlns:a="http://schemas.openxmlformats.org/drawingml/2006/main" xmlns:r="http://schemas.openxmlformats.org/officeDocument/2006/relationships" xmlns:p="http://schemas.openxmlformats.org/presentationml/2006/main">
   <p:cSld>
     <p:spTree>
@@ -4696,7 +5092,7 @@
           <a:p>
             <a:fld id="{6B8230D4-A52F-48C3-88BB-7CF0A26BA1C5}" type="slidenum">
               <a:rPr lang="en-US" smtClean="0"/>
-              <a:t>13</a:t>
+              <a:t>14</a:t>
             </a:fld>
             <a:endParaRPr lang="en-US"/>
           </a:p>
@@ -4742,10 +5138,13 @@
   <p:clrMapOvr>
     <a:masterClrMapping/>
   </p:clrMapOvr>
+  <p:transition spd="slow">
+    <p:push/>
+  </p:transition>
 </p:sld>
 </file>
 
-<file path=ppt/slides/slide14.xml><?xml version="1.0" encoding="utf-8"?>
+<file path=ppt/slides/slide15.xml><?xml version="1.0" encoding="utf-8"?>
 <p:sld xmlns:a="http://schemas.openxmlformats.org/drawingml/2006/main" xmlns:r="http://schemas.openxmlformats.org/officeDocument/2006/relationships" xmlns:p="http://schemas.openxmlformats.org/presentationml/2006/main">
   <p:cSld>
     <p:spTree>
@@ -4806,7 +5205,7 @@
     <a:masterClrMapping/>
   </p:clrMapOvr>
   <p:transition spd="slow">
-    <p:push dir="u"/>
+    <p:push/>
   </p:transition>
 </p:sld>
 </file>
@@ -4912,6 +5311,9 @@
   <p:clrMapOvr>
     <a:masterClrMapping/>
   </p:clrMapOvr>
+  <p:transition spd="slow">
+    <p:push dir="u"/>
+  </p:transition>
 </p:sld>
 </file>
 
@@ -5379,6 +5781,9 @@
   <p:clrMapOvr>
     <a:masterClrMapping/>
   </p:clrMapOvr>
+  <p:transition spd="slow">
+    <p:push dir="u"/>
+  </p:transition>
 </p:sld>
 </file>
 
@@ -5477,6 +5882,9 @@
   <p:clrMapOvr>
     <a:masterClrMapping/>
   </p:clrMapOvr>
+  <p:transition spd="slow">
+    <p:push dir="u"/>
+  </p:transition>
 </p:sld>
 </file>
 
@@ -5575,6 +5983,9 @@
   <p:clrMapOvr>
     <a:masterClrMapping/>
   </p:clrMapOvr>
+  <p:transition spd="slow">
+    <p:push dir="u"/>
+  </p:transition>
 </p:sld>
 </file>
 
@@ -5619,24 +6030,6 @@
       </p:sp>
       <p:sp>
         <p:nvSpPr>
-          <p:cNvPr id="6" name="Picture Placeholder 5">
-            <a:extLst>
-              <a:ext uri="{FF2B5EF4-FFF2-40B4-BE49-F238E27FC236}">
-                <a16:creationId xmlns:a16="http://schemas.microsoft.com/office/drawing/2014/main" id="{64D11ABA-AB72-4DC3-A3A4-40FA1F6562F3}"/>
-              </a:ext>
-            </a:extLst>
-          </p:cNvPr>
-          <p:cNvSpPr>
-            <a:spLocks noGrp="1"/>
-          </p:cNvSpPr>
-          <p:nvPr>
-            <p:ph type="pic" idx="1"/>
-          </p:nvPr>
-        </p:nvSpPr>
-        <p:spPr/>
-      </p:sp>
-      <p:sp>
-        <p:nvSpPr>
           <p:cNvPr id="3" name="Content Placeholder 2"/>
           <p:cNvSpPr>
             <a:spLocks noGrp="1"/>
@@ -5658,7 +6051,7 @@
           <a:p>
             <a:r>
               <a:rPr lang="en-US" dirty="0"/>
-              <a:t>This space is the minimum distance needed and is equal to half the height of the icon.</a:t>
+              <a:t>This space is the minimum distance needed and is equal to third the height of the icon.</a:t>
             </a:r>
           </a:p>
         </p:txBody>
@@ -5680,6 +6073,7 @@
           <a:p>
             <a:fld id="{6B8230D4-A52F-48C3-88BB-7CF0A26BA1C5}" type="slidenum">
               <a:rPr lang="en-US" smtClean="0"/>
+              <a:pPr/>
               <a:t>7</a:t>
             </a:fld>
             <a:endParaRPr lang="en-US"/>
@@ -5726,6 +6120,9 @@
   <p:clrMapOvr>
     <a:masterClrMapping/>
   </p:clrMapOvr>
+  <p:transition spd="slow">
+    <p:push/>
+  </p:transition>
 </p:sld>
 </file>
 
@@ -6420,6 +6817,9 @@
   <p:clrMapOvr>
     <a:masterClrMapping/>
   </p:clrMapOvr>
+  <p:transition spd="slow">
+    <p:push dir="u"/>
+  </p:transition>
 </p:sld>
 </file>
 
@@ -6600,6 +7000,9 @@
   <p:clrMapOvr>
     <a:masterClrMapping/>
   </p:clrMapOvr>
+  <p:transition spd="slow">
+    <p:push dir="r"/>
+  </p:transition>
 </p:sld>
 </file>
 

--- a/styleguide/Jibres-brand-styleguide.pptx
+++ b/styleguide/Jibres-brand-styleguide.pptx
@@ -20,8 +20,8 @@
     <p:sldId id="264" r:id="rId11"/>
     <p:sldId id="265" r:id="rId12"/>
     <p:sldId id="266" r:id="rId13"/>
-    <p:sldId id="270" r:id="rId14"/>
-    <p:sldId id="267" r:id="rId15"/>
+    <p:sldId id="267" r:id="rId14"/>
+    <p:sldId id="271" r:id="rId15"/>
     <p:sldId id="268" r:id="rId16"/>
     <p:sldId id="269" r:id="rId17"/>
   </p:sldIdLst>
@@ -138,8 +138,8 @@
             <p14:sldId id="264"/>
             <p14:sldId id="265"/>
             <p14:sldId id="266"/>
-            <p14:sldId id="270"/>
             <p14:sldId id="267"/>
+            <p14:sldId id="271"/>
             <p14:sldId id="268"/>
             <p14:sldId id="269"/>
           </p14:sldIdLst>
@@ -148,7 +148,7 @@
     </p:ext>
     <p:ext uri="{EFAFB233-063F-42B5-8137-9DF3F51BA10A}">
       <p15:sldGuideLst xmlns:p15="http://schemas.microsoft.com/office/powerpoint/2012/main">
-        <p15:guide id="1" orient="horz" pos="2160" userDrawn="1">
+        <p15:guide id="1" orient="horz" pos="2840" userDrawn="1">
           <p15:clr>
             <a:srgbClr val="A4A3A4"/>
           </p15:clr>
@@ -1390,6 +1390,91 @@
 </file>
 
 <file path=ppt/slideLayouts/slideLayout15.xml><?xml version="1.0" encoding="utf-8"?>
+<p:sldLayout xmlns:a="http://schemas.openxmlformats.org/drawingml/2006/main" xmlns:r="http://schemas.openxmlformats.org/officeDocument/2006/relationships" xmlns:p="http://schemas.openxmlformats.org/presentationml/2006/main" type="blank" preserve="1">
+  <p:cSld name="draw-rules">
+    <p:bg>
+      <p:bgPr>
+        <a:solidFill>
+          <a:schemeClr val="accent3">
+            <a:lumMod val="20000"/>
+            <a:lumOff val="80000"/>
+          </a:schemeClr>
+        </a:solidFill>
+        <a:effectLst/>
+      </p:bgPr>
+    </p:bg>
+    <p:spTree>
+      <p:nvGrpSpPr>
+        <p:cNvPr id="1" name=""/>
+        <p:cNvGrpSpPr/>
+        <p:nvPr/>
+      </p:nvGrpSpPr>
+      <p:grpSpPr>
+        <a:xfrm>
+          <a:off x="0" y="0"/>
+          <a:ext cx="0" cy="0"/>
+          <a:chOff x="0" y="0"/>
+          <a:chExt cx="0" cy="0"/>
+        </a:xfrm>
+      </p:grpSpPr>
+      <p:pic>
+        <p:nvPicPr>
+          <p:cNvPr id="6" name="Picture 5"/>
+          <p:cNvPicPr>
+            <a:picLocks noChangeAspect="1"/>
+          </p:cNvPicPr>
+          <p:nvPr userDrawn="1"/>
+        </p:nvPicPr>
+        <p:blipFill>
+          <a:blip r:embed="rId2" cstate="print">
+            <a:extLst>
+              <a:ext uri="{28A0092B-C50C-407E-A947-70E740481C1C}">
+                <a14:useLocalDpi xmlns:a14="http://schemas.microsoft.com/office/drawing/2010/main" val="0"/>
+              </a:ext>
+              <a:ext uri="{96DAC541-7B7A-43D3-8B79-37D633B846F1}">
+                <asvg:svgBlip xmlns:asvg="http://schemas.microsoft.com/office/drawing/2016/SVG/main" r:embed="rId3"/>
+              </a:ext>
+            </a:extLst>
+          </a:blip>
+          <a:srcRect/>
+          <a:stretch/>
+        </p:blipFill>
+        <p:spPr>
+          <a:xfrm>
+            <a:off x="3396000" y="729000"/>
+            <a:ext cx="5400000" cy="5400000"/>
+          </a:xfrm>
+          <a:prstGeom prst="rect">
+            <a:avLst/>
+          </a:prstGeom>
+        </p:spPr>
+      </p:pic>
+    </p:spTree>
+    <p:extLst>
+      <p:ext uri="{BB962C8B-B14F-4D97-AF65-F5344CB8AC3E}">
+        <p14:creationId xmlns:p14="http://schemas.microsoft.com/office/powerpoint/2010/main" val="2652634018"/>
+      </p:ext>
+    </p:extLst>
+  </p:cSld>
+  <p:clrMapOvr>
+    <a:masterClrMapping/>
+  </p:clrMapOvr>
+  <mc:AlternateContent xmlns:mc="http://schemas.openxmlformats.org/markup-compatibility/2006">
+    <mc:Choice xmlns:p14="http://schemas.microsoft.com/office/powerpoint/2010/main" Requires="p14">
+      <p:transition spd="slow" p14:dur="1600">
+        <p:blinds dir="vert"/>
+      </p:transition>
+    </mc:Choice>
+    <mc:Fallback>
+      <p:transition spd="slow">
+        <p:blinds dir="vert"/>
+      </p:transition>
+    </mc:Fallback>
+  </mc:AlternateContent>
+</p:sldLayout>
+</file>
+
+<file path=ppt/slideLayouts/slideLayout16.xml><?xml version="1.0" encoding="utf-8"?>
 <p:sldLayout xmlns:a="http://schemas.openxmlformats.org/drawingml/2006/main" xmlns:r="http://schemas.openxmlformats.org/officeDocument/2006/relationships" xmlns:p="http://schemas.openxmlformats.org/presentationml/2006/main" preserve="1" userDrawn="1">
   <p:cSld name="Intro">
     <p:spTree>
@@ -3998,7 +4083,8 @@
   <p:clrMap bg1="lt1" tx1="dk1" bg2="lt2" tx2="dk2" accent1="accent1" accent2="accent2" accent3="accent3" accent4="accent4" accent5="accent5" accent6="accent6" hlink="hlink" folHlink="folHlink"/>
   <p:sldLayoutIdLst>
     <p:sldLayoutId id="2147483655" r:id="rId1"/>
-    <p:sldLayoutId id="2147483661" r:id="rId2"/>
+    <p:sldLayoutId id="2147483672" r:id="rId2"/>
+    <p:sldLayoutId id="2147483661" r:id="rId3"/>
   </p:sldLayoutIdLst>
   <p:hf hdr="0" ftr="0" dt="0"/>
   <p:txStyles>
@@ -4367,24 +4453,6 @@
       </p:sp>
       <p:sp>
         <p:nvSpPr>
-          <p:cNvPr id="6" name="Picture Placeholder 5">
-            <a:extLst>
-              <a:ext uri="{FF2B5EF4-FFF2-40B4-BE49-F238E27FC236}">
-                <a16:creationId xmlns:a16="http://schemas.microsoft.com/office/drawing/2014/main" id="{7133E2A7-9877-4A52-ACFC-DBCA0D39FCD9}"/>
-              </a:ext>
-            </a:extLst>
-          </p:cNvPr>
-          <p:cNvSpPr>
-            <a:spLocks noGrp="1"/>
-          </p:cNvSpPr>
-          <p:nvPr>
-            <p:ph type="pic" idx="1"/>
-          </p:nvPr>
-        </p:nvSpPr>
-        <p:spPr/>
-      </p:sp>
-      <p:sp>
-        <p:nvSpPr>
           <p:cNvPr id="3" name="Content Placeholder 2"/>
           <p:cNvSpPr>
             <a:spLocks noGrp="1"/>
@@ -4400,7 +4468,7 @@
           <a:p>
             <a:r>
               <a:rPr lang="en-US" dirty="0"/>
-              <a:t>If the color logotype isn’t an option for technical reasons, use the white or black versions instead. </a:t>
+              <a:t>If the color logotype isn’t an option for technical reasons, use the black or white versions instead. </a:t>
             </a:r>
           </a:p>
           <a:p>
@@ -4448,22 +4516,175 @@
           </p:cNvPicPr>
           <p:nvPr/>
         </p:nvPicPr>
+        <p:blipFill rotWithShape="1">
+          <a:blip r:embed="rId2"/>
+          <a:srcRect l="11628" t="70804" r="7642" b="16227"/>
+          <a:stretch/>
+        </p:blipFill>
+        <p:spPr>
+          <a:xfrm>
+            <a:off x="6763107" y="4083454"/>
+            <a:ext cx="3260785" cy="491706"/>
+          </a:xfrm>
+          <a:prstGeom prst="rect">
+            <a:avLst/>
+          </a:prstGeom>
+        </p:spPr>
+      </p:pic>
+      <p:pic>
+        <p:nvPicPr>
+          <p:cNvPr id="8" name="Graphic 7">
+            <a:extLst>
+              <a:ext uri="{FF2B5EF4-FFF2-40B4-BE49-F238E27FC236}">
+                <a16:creationId xmlns:a16="http://schemas.microsoft.com/office/drawing/2014/main" id="{82B26C14-2A30-4984-8312-48A019BA929F}"/>
+              </a:ext>
+            </a:extLst>
+          </p:cNvPr>
+          <p:cNvPicPr>
+            <a:picLocks noChangeAspect="1"/>
+          </p:cNvPicPr>
+          <p:nvPr/>
+        </p:nvPicPr>
         <p:blipFill>
-          <a:blip r:embed="rId2"/>
+          <a:blip r:embed="rId3" cstate="print">
+            <a:extLst>
+              <a:ext uri="{28A0092B-C50C-407E-A947-70E740481C1C}">
+                <a14:useLocalDpi xmlns:a14="http://schemas.microsoft.com/office/drawing/2010/main" val="0"/>
+              </a:ext>
+              <a:ext uri="{96DAC541-7B7A-43D3-8B79-37D633B846F1}">
+                <asvg:svgBlip xmlns:asvg="http://schemas.microsoft.com/office/drawing/2016/SVG/main" r:embed="rId4"/>
+              </a:ext>
+            </a:extLst>
+          </a:blip>
           <a:stretch>
             <a:fillRect/>
           </a:stretch>
         </p:blipFill>
         <p:spPr>
           <a:xfrm>
-            <a:off x="5879338" y="2051349"/>
-            <a:ext cx="4039164" cy="3791479"/>
+            <a:off x="6822625" y="1378400"/>
+            <a:ext cx="2880000" cy="1241379"/>
           </a:xfrm>
           <a:prstGeom prst="rect">
             <a:avLst/>
           </a:prstGeom>
         </p:spPr>
       </p:pic>
+      <p:grpSp>
+        <p:nvGrpSpPr>
+          <p:cNvPr id="13" name="Group 12">
+            <a:extLst>
+              <a:ext uri="{FF2B5EF4-FFF2-40B4-BE49-F238E27FC236}">
+                <a16:creationId xmlns:a16="http://schemas.microsoft.com/office/drawing/2014/main" id="{0B08CE5C-D21D-407B-B577-C8D2F03DC847}"/>
+              </a:ext>
+            </a:extLst>
+          </p:cNvPr>
+          <p:cNvGrpSpPr/>
+          <p:nvPr/>
+        </p:nvGrpSpPr>
+        <p:grpSpPr>
+          <a:xfrm>
+            <a:off x="6822625" y="2808253"/>
+            <a:ext cx="2880000" cy="1242000"/>
+            <a:chOff x="8868173" y="3429000"/>
+            <a:chExt cx="2880000" cy="1242000"/>
+          </a:xfrm>
+        </p:grpSpPr>
+        <p:sp>
+          <p:nvSpPr>
+            <p:cNvPr id="9" name="Rectangle 8">
+              <a:extLst>
+                <a:ext uri="{FF2B5EF4-FFF2-40B4-BE49-F238E27FC236}">
+                  <a16:creationId xmlns:a16="http://schemas.microsoft.com/office/drawing/2014/main" id="{51F55B08-5F26-4D5B-A848-D9E7EDC1D9B8}"/>
+                </a:ext>
+              </a:extLst>
+            </p:cNvPr>
+            <p:cNvSpPr/>
+            <p:nvPr/>
+          </p:nvSpPr>
+          <p:spPr>
+            <a:xfrm>
+              <a:off x="8868173" y="3429000"/>
+              <a:ext cx="2880000" cy="1242000"/>
+            </a:xfrm>
+            <a:prstGeom prst="rect">
+              <a:avLst/>
+            </a:prstGeom>
+            <a:solidFill>
+              <a:schemeClr val="tx1">
+                <a:lumMod val="50000"/>
+                <a:lumOff val="50000"/>
+              </a:schemeClr>
+            </a:solidFill>
+            <a:ln>
+              <a:noFill/>
+            </a:ln>
+          </p:spPr>
+          <p:style>
+            <a:lnRef idx="2">
+              <a:schemeClr val="accent3">
+                <a:shade val="50000"/>
+              </a:schemeClr>
+            </a:lnRef>
+            <a:fillRef idx="1">
+              <a:schemeClr val="accent3"/>
+            </a:fillRef>
+            <a:effectRef idx="0">
+              <a:schemeClr val="accent3"/>
+            </a:effectRef>
+            <a:fontRef idx="minor">
+              <a:schemeClr val="lt1"/>
+            </a:fontRef>
+          </p:style>
+          <p:txBody>
+            <a:bodyPr rtlCol="0" anchor="ctr"/>
+            <a:lstStyle/>
+            <a:p>
+              <a:pPr algn="ctr"/>
+              <a:endParaRPr lang="en-US"/>
+            </a:p>
+          </p:txBody>
+        </p:sp>
+        <p:pic>
+          <p:nvPicPr>
+            <p:cNvPr id="11" name="Graphic 10">
+              <a:extLst>
+                <a:ext uri="{FF2B5EF4-FFF2-40B4-BE49-F238E27FC236}">
+                  <a16:creationId xmlns:a16="http://schemas.microsoft.com/office/drawing/2014/main" id="{7B61BBD6-9FB3-4197-8112-6834CE69CAD3}"/>
+                </a:ext>
+              </a:extLst>
+            </p:cNvPr>
+            <p:cNvPicPr>
+              <a:picLocks noChangeAspect="1"/>
+            </p:cNvPicPr>
+            <p:nvPr/>
+          </p:nvPicPr>
+          <p:blipFill>
+            <a:blip r:embed="rId5" cstate="print">
+              <a:extLst>
+                <a:ext uri="{28A0092B-C50C-407E-A947-70E740481C1C}">
+                  <a14:useLocalDpi xmlns:a14="http://schemas.microsoft.com/office/drawing/2010/main" val="0"/>
+                </a:ext>
+                <a:ext uri="{96DAC541-7B7A-43D3-8B79-37D633B846F1}">
+                  <asvg:svgBlip xmlns:asvg="http://schemas.microsoft.com/office/drawing/2016/SVG/main" r:embed="rId6"/>
+                </a:ext>
+              </a:extLst>
+            </a:blip>
+            <a:stretch>
+              <a:fillRect/>
+            </a:stretch>
+          </p:blipFill>
+          <p:spPr>
+            <a:xfrm>
+              <a:off x="8868173" y="3429000"/>
+              <a:ext cx="2880000" cy="1241379"/>
+            </a:xfrm>
+            <a:prstGeom prst="rect">
+              <a:avLst/>
+            </a:prstGeom>
+          </p:spPr>
+        </p:pic>
+      </p:grpSp>
     </p:spTree>
     <p:extLst>
       <p:ext uri="{BB962C8B-B14F-4D97-AF65-F5344CB8AC3E}">
@@ -4521,24 +4742,6 @@
       </p:sp>
       <p:sp>
         <p:nvSpPr>
-          <p:cNvPr id="6" name="Picture Placeholder 5">
-            <a:extLst>
-              <a:ext uri="{FF2B5EF4-FFF2-40B4-BE49-F238E27FC236}">
-                <a16:creationId xmlns:a16="http://schemas.microsoft.com/office/drawing/2014/main" id="{CF2EC9F8-49F2-4B1B-B285-80ECC15825FA}"/>
-              </a:ext>
-            </a:extLst>
-          </p:cNvPr>
-          <p:cNvSpPr>
-            <a:spLocks noGrp="1"/>
-          </p:cNvSpPr>
-          <p:nvPr>
-            <p:ph type="pic" idx="1"/>
-          </p:nvPr>
-        </p:nvSpPr>
-        <p:spPr/>
-      </p:sp>
-      <p:sp>
-        <p:nvSpPr>
           <p:cNvPr id="3" name="Content Placeholder 2"/>
           <p:cNvSpPr>
             <a:spLocks noGrp="1"/>
@@ -4550,7 +4753,7 @@
         <p:spPr/>
         <p:txBody>
           <a:bodyPr>
-            <a:normAutofit lnSpcReduction="10000"/>
+            <a:normAutofit fontScale="85000" lnSpcReduction="10000"/>
           </a:bodyPr>
           <a:lstStyle/>
           <a:p>
@@ -4596,36 +4799,234 @@
           </a:p>
         </p:txBody>
       </p:sp>
-      <p:pic>
-        <p:nvPicPr>
-          <p:cNvPr id="4" name="Picture 3">
+      <p:grpSp>
+        <p:nvGrpSpPr>
+          <p:cNvPr id="14" name="Group 13">
             <a:extLst>
               <a:ext uri="{FF2B5EF4-FFF2-40B4-BE49-F238E27FC236}">
-                <a16:creationId xmlns:a16="http://schemas.microsoft.com/office/drawing/2014/main" id="{EDDB0C94-AB7B-4C69-8601-D41B7F16F5F2}"/>
+                <a16:creationId xmlns:a16="http://schemas.microsoft.com/office/drawing/2014/main" id="{E469D40C-9483-4125-A68E-3A8B6669AF94}"/>
               </a:ext>
             </a:extLst>
           </p:cNvPr>
-          <p:cNvPicPr>
-            <a:picLocks noChangeAspect="1"/>
-          </p:cNvPicPr>
+          <p:cNvGrpSpPr/>
           <p:nvPr/>
-        </p:nvPicPr>
-        <p:blipFill>
-          <a:blip r:embed="rId2"/>
-          <a:stretch>
-            <a:fillRect/>
-          </a:stretch>
-        </p:blipFill>
-        <p:spPr>
+        </p:nvGrpSpPr>
+        <p:grpSpPr>
           <a:xfrm>
-            <a:off x="6386652" y="1973672"/>
-            <a:ext cx="3734321" cy="3734321"/>
+            <a:off x="6812727" y="3279301"/>
+            <a:ext cx="2880000" cy="1242000"/>
+            <a:chOff x="6812727" y="3408697"/>
+            <a:chExt cx="2880000" cy="1242000"/>
           </a:xfrm>
-          <a:prstGeom prst="rect">
-            <a:avLst/>
-          </a:prstGeom>
-        </p:spPr>
-      </p:pic>
+        </p:grpSpPr>
+        <p:sp>
+          <p:nvSpPr>
+            <p:cNvPr id="9" name="Rectangle 8">
+              <a:extLst>
+                <a:ext uri="{FF2B5EF4-FFF2-40B4-BE49-F238E27FC236}">
+                  <a16:creationId xmlns:a16="http://schemas.microsoft.com/office/drawing/2014/main" id="{22126F6A-FCA9-4119-BD24-901DB6466B9C}"/>
+                </a:ext>
+              </a:extLst>
+            </p:cNvPr>
+            <p:cNvSpPr/>
+            <p:nvPr/>
+          </p:nvSpPr>
+          <p:spPr>
+            <a:xfrm>
+              <a:off x="6812727" y="3408697"/>
+              <a:ext cx="2880000" cy="1242000"/>
+            </a:xfrm>
+            <a:prstGeom prst="rect">
+              <a:avLst/>
+            </a:prstGeom>
+            <a:solidFill>
+              <a:schemeClr val="accent4">
+                <a:lumMod val="75000"/>
+              </a:schemeClr>
+            </a:solidFill>
+            <a:ln>
+              <a:noFill/>
+            </a:ln>
+          </p:spPr>
+          <p:style>
+            <a:lnRef idx="2">
+              <a:schemeClr val="accent3">
+                <a:shade val="50000"/>
+              </a:schemeClr>
+            </a:lnRef>
+            <a:fillRef idx="1">
+              <a:schemeClr val="accent3"/>
+            </a:fillRef>
+            <a:effectRef idx="0">
+              <a:schemeClr val="accent3"/>
+            </a:effectRef>
+            <a:fontRef idx="minor">
+              <a:schemeClr val="lt1"/>
+            </a:fontRef>
+          </p:style>
+          <p:txBody>
+            <a:bodyPr rtlCol="0" anchor="ctr"/>
+            <a:lstStyle/>
+            <a:p>
+              <a:pPr algn="ctr"/>
+              <a:endParaRPr lang="en-US"/>
+            </a:p>
+          </p:txBody>
+        </p:sp>
+        <p:pic>
+          <p:nvPicPr>
+            <p:cNvPr id="10" name="Graphic 9">
+              <a:extLst>
+                <a:ext uri="{FF2B5EF4-FFF2-40B4-BE49-F238E27FC236}">
+                  <a16:creationId xmlns:a16="http://schemas.microsoft.com/office/drawing/2014/main" id="{E3D07488-4BFA-402C-A0DB-3DFA545A3B90}"/>
+                </a:ext>
+              </a:extLst>
+            </p:cNvPr>
+            <p:cNvPicPr>
+              <a:picLocks noChangeAspect="1"/>
+            </p:cNvPicPr>
+            <p:nvPr/>
+          </p:nvPicPr>
+          <p:blipFill>
+            <a:blip r:embed="rId2" cstate="print">
+              <a:extLst>
+                <a:ext uri="{28A0092B-C50C-407E-A947-70E740481C1C}">
+                  <a14:useLocalDpi xmlns:a14="http://schemas.microsoft.com/office/drawing/2010/main" val="0"/>
+                </a:ext>
+                <a:ext uri="{96DAC541-7B7A-43D3-8B79-37D633B846F1}">
+                  <asvg:svgBlip xmlns:asvg="http://schemas.microsoft.com/office/drawing/2016/SVG/main" r:embed="rId3"/>
+                </a:ext>
+              </a:extLst>
+            </a:blip>
+            <a:stretch>
+              <a:fillRect/>
+            </a:stretch>
+          </p:blipFill>
+          <p:spPr>
+            <a:xfrm>
+              <a:off x="6812727" y="3408697"/>
+              <a:ext cx="2880000" cy="1241379"/>
+            </a:xfrm>
+            <a:prstGeom prst="rect">
+              <a:avLst/>
+            </a:prstGeom>
+          </p:spPr>
+        </p:pic>
+      </p:grpSp>
+      <p:grpSp>
+        <p:nvGrpSpPr>
+          <p:cNvPr id="15" name="Group 14">
+            <a:extLst>
+              <a:ext uri="{FF2B5EF4-FFF2-40B4-BE49-F238E27FC236}">
+                <a16:creationId xmlns:a16="http://schemas.microsoft.com/office/drawing/2014/main" id="{9206A932-3989-415B-9B42-DE5AA51210B3}"/>
+              </a:ext>
+            </a:extLst>
+          </p:cNvPr>
+          <p:cNvGrpSpPr/>
+          <p:nvPr/>
+        </p:nvGrpSpPr>
+        <p:grpSpPr>
+          <a:xfrm>
+            <a:off x="6812727" y="1844276"/>
+            <a:ext cx="2880000" cy="1242000"/>
+            <a:chOff x="6812727" y="1973672"/>
+            <a:chExt cx="2880000" cy="1242000"/>
+          </a:xfrm>
+        </p:grpSpPr>
+        <p:sp>
+          <p:nvSpPr>
+            <p:cNvPr id="12" name="Rectangle 11">
+              <a:extLst>
+                <a:ext uri="{FF2B5EF4-FFF2-40B4-BE49-F238E27FC236}">
+                  <a16:creationId xmlns:a16="http://schemas.microsoft.com/office/drawing/2014/main" id="{BE48D969-BA1C-4222-82FA-A0FC3886A246}"/>
+                </a:ext>
+              </a:extLst>
+            </p:cNvPr>
+            <p:cNvSpPr/>
+            <p:nvPr/>
+          </p:nvSpPr>
+          <p:spPr>
+            <a:xfrm>
+              <a:off x="6812727" y="1973672"/>
+              <a:ext cx="2880000" cy="1242000"/>
+            </a:xfrm>
+            <a:prstGeom prst="rect">
+              <a:avLst/>
+            </a:prstGeom>
+            <a:solidFill>
+              <a:schemeClr val="accent1">
+                <a:lumMod val="20000"/>
+                <a:lumOff val="80000"/>
+              </a:schemeClr>
+            </a:solidFill>
+            <a:ln>
+              <a:noFill/>
+            </a:ln>
+          </p:spPr>
+          <p:style>
+            <a:lnRef idx="2">
+              <a:schemeClr val="accent3">
+                <a:shade val="50000"/>
+              </a:schemeClr>
+            </a:lnRef>
+            <a:fillRef idx="1">
+              <a:schemeClr val="accent3"/>
+            </a:fillRef>
+            <a:effectRef idx="0">
+              <a:schemeClr val="accent3"/>
+            </a:effectRef>
+            <a:fontRef idx="minor">
+              <a:schemeClr val="lt1"/>
+            </a:fontRef>
+          </p:style>
+          <p:txBody>
+            <a:bodyPr rtlCol="0" anchor="ctr"/>
+            <a:lstStyle/>
+            <a:p>
+              <a:pPr algn="ctr"/>
+              <a:endParaRPr lang="en-US"/>
+            </a:p>
+          </p:txBody>
+        </p:sp>
+        <p:pic>
+          <p:nvPicPr>
+            <p:cNvPr id="13" name="Graphic 12">
+              <a:extLst>
+                <a:ext uri="{FF2B5EF4-FFF2-40B4-BE49-F238E27FC236}">
+                  <a16:creationId xmlns:a16="http://schemas.microsoft.com/office/drawing/2014/main" id="{286B6282-E557-41B5-89F0-C4BC3A20D184}"/>
+                </a:ext>
+              </a:extLst>
+            </p:cNvPr>
+            <p:cNvPicPr>
+              <a:picLocks noChangeAspect="1"/>
+            </p:cNvPicPr>
+            <p:nvPr/>
+          </p:nvPicPr>
+          <p:blipFill>
+            <a:blip r:embed="rId4" cstate="print">
+              <a:extLst>
+                <a:ext uri="{28A0092B-C50C-407E-A947-70E740481C1C}">
+                  <a14:useLocalDpi xmlns:a14="http://schemas.microsoft.com/office/drawing/2010/main" val="0"/>
+                </a:ext>
+                <a:ext uri="{96DAC541-7B7A-43D3-8B79-37D633B846F1}">
+                  <asvg:svgBlip xmlns:asvg="http://schemas.microsoft.com/office/drawing/2016/SVG/main" r:embed="rId5"/>
+                </a:ext>
+              </a:extLst>
+            </a:blip>
+            <a:srcRect/>
+            <a:stretch/>
+          </p:blipFill>
+          <p:spPr>
+            <a:xfrm>
+              <a:off x="6812727" y="1973672"/>
+              <a:ext cx="2879999" cy="1241379"/>
+            </a:xfrm>
+            <a:prstGeom prst="rect">
+              <a:avLst/>
+            </a:prstGeom>
+          </p:spPr>
+        </p:pic>
+      </p:grpSp>
     </p:spTree>
     <p:extLst>
       <p:ext uri="{BB962C8B-B14F-4D97-AF65-F5344CB8AC3E}">
@@ -4661,122 +5062,6 @@
       </p:grpSpPr>
       <p:sp>
         <p:nvSpPr>
-          <p:cNvPr id="2" name="Title 1">
-            <a:extLst>
-              <a:ext uri="{FF2B5EF4-FFF2-40B4-BE49-F238E27FC236}">
-                <a16:creationId xmlns:a16="http://schemas.microsoft.com/office/drawing/2014/main" id="{552A41D2-B180-436D-BB7B-7969DA62054B}"/>
-              </a:ext>
-            </a:extLst>
-          </p:cNvPr>
-          <p:cNvSpPr>
-            <a:spLocks noGrp="1"/>
-          </p:cNvSpPr>
-          <p:nvPr>
-            <p:ph type="title"/>
-          </p:nvPr>
-        </p:nvSpPr>
-        <p:spPr/>
-        <p:txBody>
-          <a:bodyPr/>
-          <a:lstStyle/>
-          <a:p>
-            <a:r>
-              <a:rPr lang="en-US" dirty="0"/>
-              <a:t>ICON DRAW RULES</a:t>
-            </a:r>
-          </a:p>
-        </p:txBody>
-      </p:sp>
-      <p:sp>
-        <p:nvSpPr>
-          <p:cNvPr id="11" name="Text Placeholder 10">
-            <a:extLst>
-              <a:ext uri="{FF2B5EF4-FFF2-40B4-BE49-F238E27FC236}">
-                <a16:creationId xmlns:a16="http://schemas.microsoft.com/office/drawing/2014/main" id="{ADE4E85D-DB5D-4B3E-8BC3-62487EDE031E}"/>
-              </a:ext>
-            </a:extLst>
-          </p:cNvPr>
-          <p:cNvSpPr>
-            <a:spLocks noGrp="1"/>
-          </p:cNvSpPr>
-          <p:nvPr>
-            <p:ph type="body" sz="half" idx="2"/>
-          </p:nvPr>
-        </p:nvSpPr>
-        <p:spPr/>
-        <p:txBody>
-          <a:bodyPr/>
-          <a:lstStyle/>
-          <a:p>
-            <a:endParaRPr lang="en-US"/>
-          </a:p>
-        </p:txBody>
-      </p:sp>
-      <p:sp>
-        <p:nvSpPr>
-          <p:cNvPr id="4" name="Slide Number Placeholder 3">
-            <a:extLst>
-              <a:ext uri="{FF2B5EF4-FFF2-40B4-BE49-F238E27FC236}">
-                <a16:creationId xmlns:a16="http://schemas.microsoft.com/office/drawing/2014/main" id="{C8D36FD0-7C5C-48B8-9481-43EC7E9C9197}"/>
-              </a:ext>
-            </a:extLst>
-          </p:cNvPr>
-          <p:cNvSpPr>
-            <a:spLocks noGrp="1"/>
-          </p:cNvSpPr>
-          <p:nvPr>
-            <p:ph type="sldNum" sz="quarter" idx="12"/>
-          </p:nvPr>
-        </p:nvSpPr>
-        <p:spPr/>
-        <p:txBody>
-          <a:bodyPr/>
-          <a:lstStyle/>
-          <a:p>
-            <a:fld id="{6B8230D4-A52F-48C3-88BB-7CF0A26BA1C5}" type="slidenum">
-              <a:rPr lang="en-US" smtClean="0"/>
-              <a:pPr/>
-              <a:t>12</a:t>
-            </a:fld>
-            <a:endParaRPr lang="en-US"/>
-          </a:p>
-        </p:txBody>
-      </p:sp>
-    </p:spTree>
-    <p:extLst>
-      <p:ext uri="{BB962C8B-B14F-4D97-AF65-F5344CB8AC3E}">
-        <p14:creationId xmlns:p14="http://schemas.microsoft.com/office/powerpoint/2010/main" val="902224127"/>
-      </p:ext>
-    </p:extLst>
-  </p:cSld>
-  <p:clrMapOvr>
-    <a:masterClrMapping/>
-  </p:clrMapOvr>
-  <p:transition spd="slow">
-    <p:push/>
-  </p:transition>
-</p:sld>
-</file>
-
-<file path=ppt/slides/slide13.xml><?xml version="1.0" encoding="utf-8"?>
-<p:sld xmlns:a="http://schemas.openxmlformats.org/drawingml/2006/main" xmlns:r="http://schemas.openxmlformats.org/officeDocument/2006/relationships" xmlns:p="http://schemas.openxmlformats.org/presentationml/2006/main">
-  <p:cSld>
-    <p:spTree>
-      <p:nvGrpSpPr>
-        <p:cNvPr id="1" name=""/>
-        <p:cNvGrpSpPr/>
-        <p:nvPr/>
-      </p:nvGrpSpPr>
-      <p:grpSpPr>
-        <a:xfrm>
-          <a:off x="0" y="0"/>
-          <a:ext cx="0" cy="0"/>
-          <a:chOff x="0" y="0"/>
-          <a:chExt cx="0" cy="0"/>
-        </a:xfrm>
-      </p:grpSpPr>
-      <p:sp>
-        <p:nvSpPr>
           <p:cNvPr id="2" name="Title 1"/>
           <p:cNvSpPr>
             <a:spLocks noGrp="1"/>
@@ -4866,7 +5151,7 @@
           <a:p>
             <a:fld id="{6B8230D4-A52F-48C3-88BB-7CF0A26BA1C5}" type="slidenum">
               <a:rPr lang="en-US" smtClean="0"/>
-              <a:t>13</a:t>
+              <a:t>12</a:t>
             </a:fld>
             <a:endParaRPr lang="en-US"/>
           </a:p>
@@ -4935,7 +5220,7 @@
               <a:buNone/>
             </a:pPr>
             <a:r>
-              <a:rPr lang="en-US" dirty="0" err="1"/>
+              <a:rPr lang="en-US" dirty="0"/>
               <a:t>abcdefghijklmnopqrstuvwxyz</a:t>
             </a:r>
             <a:endParaRPr lang="fa-IR" dirty="0"/>
@@ -4985,6 +5270,48 @@
   <p:transition spd="slow">
     <p:push dir="u"/>
   </p:transition>
+</p:sld>
+</file>
+
+<file path=ppt/slides/slide13.xml><?xml version="1.0" encoding="utf-8"?>
+<p:sld xmlns:a="http://schemas.openxmlformats.org/drawingml/2006/main" xmlns:r="http://schemas.openxmlformats.org/officeDocument/2006/relationships" xmlns:p="http://schemas.openxmlformats.org/presentationml/2006/main">
+  <p:cSld>
+    <p:spTree>
+      <p:nvGrpSpPr>
+        <p:cNvPr id="1" name=""/>
+        <p:cNvGrpSpPr/>
+        <p:nvPr/>
+      </p:nvGrpSpPr>
+      <p:grpSpPr>
+        <a:xfrm>
+          <a:off x="0" y="0"/>
+          <a:ext cx="0" cy="0"/>
+          <a:chOff x="0" y="0"/>
+          <a:chExt cx="0" cy="0"/>
+        </a:xfrm>
+      </p:grpSpPr>
+    </p:spTree>
+    <p:extLst>
+      <p:ext uri="{BB962C8B-B14F-4D97-AF65-F5344CB8AC3E}">
+        <p14:creationId xmlns:p14="http://schemas.microsoft.com/office/powerpoint/2010/main" val="1132238988"/>
+      </p:ext>
+    </p:extLst>
+  </p:cSld>
+  <p:clrMapOvr>
+    <a:masterClrMapping/>
+  </p:clrMapOvr>
+  <mc:AlternateContent xmlns:mc="http://schemas.openxmlformats.org/markup-compatibility/2006">
+    <mc:Choice xmlns:p14="http://schemas.microsoft.com/office/powerpoint/2010/main" Requires="p14">
+      <p:transition spd="slow" p14:dur="1600">
+        <p:blinds dir="vert"/>
+      </p:transition>
+    </mc:Choice>
+    <mc:Fallback>
+      <p:transition spd="slow">
+        <p:blinds dir="vert"/>
+      </p:transition>
+    </mc:Fallback>
+  </mc:AlternateContent>
 </p:sld>
 </file>
 
@@ -6080,36 +6407,1317 @@
           </a:p>
         </p:txBody>
       </p:sp>
-      <p:pic>
-        <p:nvPicPr>
-          <p:cNvPr id="4" name="Picture 3">
+      <p:grpSp>
+        <p:nvGrpSpPr>
+          <p:cNvPr id="19" name="Group 18">
             <a:extLst>
               <a:ext uri="{FF2B5EF4-FFF2-40B4-BE49-F238E27FC236}">
-                <a16:creationId xmlns:a16="http://schemas.microsoft.com/office/drawing/2014/main" id="{DC75354A-4C93-41D5-B2AF-E0D8497AE188}"/>
+                <a16:creationId xmlns:a16="http://schemas.microsoft.com/office/drawing/2014/main" id="{1A9585FA-DEF3-40DB-91E8-4315562D3E03}"/>
               </a:ext>
             </a:extLst>
           </p:cNvPr>
-          <p:cNvPicPr>
-            <a:picLocks noChangeAspect="1"/>
-          </p:cNvPicPr>
+          <p:cNvGrpSpPr/>
           <p:nvPr/>
-        </p:nvPicPr>
-        <p:blipFill>
-          <a:blip r:embed="rId2"/>
-          <a:stretch>
-            <a:fillRect/>
-          </a:stretch>
-        </p:blipFill>
-        <p:spPr>
+        </p:nvGrpSpPr>
+        <p:grpSpPr>
           <a:xfrm>
-            <a:off x="5778085" y="1206687"/>
-            <a:ext cx="5087060" cy="4582164"/>
+            <a:off x="6137276" y="3277962"/>
+            <a:ext cx="1192338" cy="720000"/>
+            <a:chOff x="7914499" y="1512000"/>
+            <a:chExt cx="1192338" cy="720000"/>
           </a:xfrm>
-          <a:prstGeom prst="rect">
-            <a:avLst/>
-          </a:prstGeom>
-        </p:spPr>
-      </p:pic>
+        </p:grpSpPr>
+        <p:pic>
+          <p:nvPicPr>
+            <p:cNvPr id="11" name="Graphic 10">
+              <a:extLst>
+                <a:ext uri="{FF2B5EF4-FFF2-40B4-BE49-F238E27FC236}">
+                  <a16:creationId xmlns:a16="http://schemas.microsoft.com/office/drawing/2014/main" id="{034B8A1F-1C29-4ED9-A9FA-72BE10294CE8}"/>
+                </a:ext>
+              </a:extLst>
+            </p:cNvPr>
+            <p:cNvPicPr>
+              <a:picLocks noChangeAspect="1"/>
+            </p:cNvPicPr>
+            <p:nvPr/>
+          </p:nvPicPr>
+          <p:blipFill>
+            <a:blip r:embed="rId2" cstate="print">
+              <a:extLst>
+                <a:ext uri="{28A0092B-C50C-407E-A947-70E740481C1C}">
+                  <a14:useLocalDpi xmlns:a14="http://schemas.microsoft.com/office/drawing/2010/main" val="0"/>
+                </a:ext>
+                <a:ext uri="{96DAC541-7B7A-43D3-8B79-37D633B846F1}">
+                  <asvg:svgBlip xmlns:asvg="http://schemas.microsoft.com/office/drawing/2016/SVG/main" r:embed="rId3"/>
+                </a:ext>
+              </a:extLst>
+            </a:blip>
+            <a:srcRect/>
+            <a:stretch/>
+          </p:blipFill>
+          <p:spPr>
+            <a:xfrm>
+              <a:off x="8148064" y="1512000"/>
+              <a:ext cx="720000" cy="720000"/>
+            </a:xfrm>
+            <a:prstGeom prst="rect">
+              <a:avLst/>
+            </a:prstGeom>
+          </p:spPr>
+        </p:pic>
+        <p:cxnSp>
+          <p:nvCxnSpPr>
+            <p:cNvPr id="12" name="Straight Arrow Connector 11">
+              <a:extLst>
+                <a:ext uri="{FF2B5EF4-FFF2-40B4-BE49-F238E27FC236}">
+                  <a16:creationId xmlns:a16="http://schemas.microsoft.com/office/drawing/2014/main" id="{FBE1C4DA-69FC-4372-8A67-D38072BBCF2E}"/>
+                </a:ext>
+              </a:extLst>
+            </p:cNvPr>
+            <p:cNvCxnSpPr>
+              <a:cxnSpLocks/>
+            </p:cNvCxnSpPr>
+            <p:nvPr/>
+          </p:nvCxnSpPr>
+          <p:spPr>
+            <a:xfrm>
+              <a:off x="7914499" y="1512000"/>
+              <a:ext cx="1192338" cy="0"/>
+            </a:xfrm>
+            <a:prstGeom prst="straightConnector1">
+              <a:avLst/>
+            </a:prstGeom>
+            <a:ln cap="rnd">
+              <a:solidFill>
+                <a:schemeClr val="accent1">
+                  <a:lumMod val="60000"/>
+                  <a:lumOff val="40000"/>
+                </a:schemeClr>
+              </a:solidFill>
+              <a:round/>
+              <a:headEnd type="none" w="sm" len="sm"/>
+              <a:tailEnd type="none" w="sm" len="sm"/>
+            </a:ln>
+          </p:spPr>
+          <p:style>
+            <a:lnRef idx="1">
+              <a:schemeClr val="accent1"/>
+            </a:lnRef>
+            <a:fillRef idx="0">
+              <a:schemeClr val="accent1"/>
+            </a:fillRef>
+            <a:effectRef idx="0">
+              <a:schemeClr val="accent1"/>
+            </a:effectRef>
+            <a:fontRef idx="minor">
+              <a:schemeClr val="tx1"/>
+            </a:fontRef>
+          </p:style>
+        </p:cxnSp>
+        <p:cxnSp>
+          <p:nvCxnSpPr>
+            <p:cNvPr id="14" name="Straight Arrow Connector 13">
+              <a:extLst>
+                <a:ext uri="{FF2B5EF4-FFF2-40B4-BE49-F238E27FC236}">
+                  <a16:creationId xmlns:a16="http://schemas.microsoft.com/office/drawing/2014/main" id="{E4E1A884-946D-47A4-979D-4D36B0DDB989}"/>
+                </a:ext>
+              </a:extLst>
+            </p:cNvPr>
+            <p:cNvCxnSpPr>
+              <a:cxnSpLocks/>
+            </p:cNvCxnSpPr>
+            <p:nvPr/>
+          </p:nvCxnSpPr>
+          <p:spPr>
+            <a:xfrm>
+              <a:off x="7914499" y="2232000"/>
+              <a:ext cx="1192338" cy="0"/>
+            </a:xfrm>
+            <a:prstGeom prst="straightConnector1">
+              <a:avLst/>
+            </a:prstGeom>
+            <a:ln cap="rnd">
+              <a:solidFill>
+                <a:schemeClr val="accent1">
+                  <a:lumMod val="60000"/>
+                  <a:lumOff val="40000"/>
+                </a:schemeClr>
+              </a:solidFill>
+              <a:round/>
+              <a:headEnd type="none" w="sm" len="sm"/>
+              <a:tailEnd type="none" w="sm" len="sm"/>
+            </a:ln>
+          </p:spPr>
+          <p:style>
+            <a:lnRef idx="1">
+              <a:schemeClr val="accent1"/>
+            </a:lnRef>
+            <a:fillRef idx="0">
+              <a:schemeClr val="accent1"/>
+            </a:fillRef>
+            <a:effectRef idx="0">
+              <a:schemeClr val="accent1"/>
+            </a:effectRef>
+            <a:fontRef idx="minor">
+              <a:schemeClr val="tx1"/>
+            </a:fontRef>
+          </p:style>
+        </p:cxnSp>
+        <p:cxnSp>
+          <p:nvCxnSpPr>
+            <p:cNvPr id="15" name="Straight Arrow Connector 14">
+              <a:extLst>
+                <a:ext uri="{FF2B5EF4-FFF2-40B4-BE49-F238E27FC236}">
+                  <a16:creationId xmlns:a16="http://schemas.microsoft.com/office/drawing/2014/main" id="{18A5F135-F947-4AAE-8B58-9E3F69B8E47D}"/>
+                </a:ext>
+              </a:extLst>
+            </p:cNvPr>
+            <p:cNvCxnSpPr>
+              <a:cxnSpLocks/>
+            </p:cNvCxnSpPr>
+            <p:nvPr/>
+          </p:nvCxnSpPr>
+          <p:spPr>
+            <a:xfrm>
+              <a:off x="7914499" y="1992000"/>
+              <a:ext cx="1192338" cy="0"/>
+            </a:xfrm>
+            <a:prstGeom prst="straightConnector1">
+              <a:avLst/>
+            </a:prstGeom>
+            <a:ln cap="rnd">
+              <a:solidFill>
+                <a:schemeClr val="accent1">
+                  <a:lumMod val="60000"/>
+                  <a:lumOff val="40000"/>
+                </a:schemeClr>
+              </a:solidFill>
+              <a:round/>
+              <a:headEnd type="none" w="sm" len="sm"/>
+              <a:tailEnd type="none" w="sm" len="sm"/>
+            </a:ln>
+          </p:spPr>
+          <p:style>
+            <a:lnRef idx="1">
+              <a:schemeClr val="accent1"/>
+            </a:lnRef>
+            <a:fillRef idx="0">
+              <a:schemeClr val="accent1"/>
+            </a:fillRef>
+            <a:effectRef idx="0">
+              <a:schemeClr val="accent1"/>
+            </a:effectRef>
+            <a:fontRef idx="minor">
+              <a:schemeClr val="tx1"/>
+            </a:fontRef>
+          </p:style>
+        </p:cxnSp>
+        <p:cxnSp>
+          <p:nvCxnSpPr>
+            <p:cNvPr id="16" name="Straight Arrow Connector 15">
+              <a:extLst>
+                <a:ext uri="{FF2B5EF4-FFF2-40B4-BE49-F238E27FC236}">
+                  <a16:creationId xmlns:a16="http://schemas.microsoft.com/office/drawing/2014/main" id="{4F9CD472-7590-41F4-B8C0-741873A2988A}"/>
+                </a:ext>
+              </a:extLst>
+            </p:cNvPr>
+            <p:cNvCxnSpPr>
+              <a:cxnSpLocks/>
+            </p:cNvCxnSpPr>
+            <p:nvPr/>
+          </p:nvCxnSpPr>
+          <p:spPr>
+            <a:xfrm>
+              <a:off x="7914499" y="1752000"/>
+              <a:ext cx="1192338" cy="0"/>
+            </a:xfrm>
+            <a:prstGeom prst="straightConnector1">
+              <a:avLst/>
+            </a:prstGeom>
+            <a:ln cap="rnd">
+              <a:solidFill>
+                <a:schemeClr val="accent1">
+                  <a:lumMod val="60000"/>
+                  <a:lumOff val="40000"/>
+                </a:schemeClr>
+              </a:solidFill>
+              <a:round/>
+              <a:headEnd type="none" w="sm" len="sm"/>
+              <a:tailEnd type="none" w="sm" len="sm"/>
+            </a:ln>
+          </p:spPr>
+          <p:style>
+            <a:lnRef idx="1">
+              <a:schemeClr val="accent1"/>
+            </a:lnRef>
+            <a:fillRef idx="0">
+              <a:schemeClr val="accent1"/>
+            </a:fillRef>
+            <a:effectRef idx="0">
+              <a:schemeClr val="accent1"/>
+            </a:effectRef>
+            <a:fontRef idx="minor">
+              <a:schemeClr val="tx1"/>
+            </a:fontRef>
+          </p:style>
+        </p:cxnSp>
+        <p:sp>
+          <p:nvSpPr>
+            <p:cNvPr id="17" name="Rectangle 16">
+              <a:extLst>
+                <a:ext uri="{FF2B5EF4-FFF2-40B4-BE49-F238E27FC236}">
+                  <a16:creationId xmlns:a16="http://schemas.microsoft.com/office/drawing/2014/main" id="{E9E58B7A-43AC-4F80-9645-5D67DA08312E}"/>
+                </a:ext>
+              </a:extLst>
+            </p:cNvPr>
+            <p:cNvSpPr/>
+            <p:nvPr/>
+          </p:nvSpPr>
+          <p:spPr>
+            <a:xfrm>
+              <a:off x="7914499" y="1512000"/>
+              <a:ext cx="1192338" cy="239994"/>
+            </a:xfrm>
+            <a:prstGeom prst="rect">
+              <a:avLst/>
+            </a:prstGeom>
+            <a:solidFill>
+              <a:schemeClr val="accent1">
+                <a:lumMod val="20000"/>
+                <a:lumOff val="80000"/>
+                <a:alpha val="60000"/>
+              </a:schemeClr>
+            </a:solidFill>
+            <a:ln>
+              <a:noFill/>
+            </a:ln>
+          </p:spPr>
+          <p:style>
+            <a:lnRef idx="2">
+              <a:schemeClr val="accent1">
+                <a:shade val="50000"/>
+              </a:schemeClr>
+            </a:lnRef>
+            <a:fillRef idx="1">
+              <a:schemeClr val="accent1"/>
+            </a:fillRef>
+            <a:effectRef idx="0">
+              <a:schemeClr val="accent1"/>
+            </a:effectRef>
+            <a:fontRef idx="minor">
+              <a:schemeClr val="lt1"/>
+            </a:fontRef>
+          </p:style>
+          <p:txBody>
+            <a:bodyPr rtlCol="0" anchor="ctr"/>
+            <a:lstStyle/>
+            <a:p>
+              <a:r>
+                <a:rPr lang="en-US" sz="1100" dirty="0">
+                  <a:solidFill>
+                    <a:schemeClr val="accent5"/>
+                  </a:solidFill>
+                </a:rPr>
+                <a:t>x</a:t>
+              </a:r>
+            </a:p>
+          </p:txBody>
+        </p:sp>
+      </p:grpSp>
+      <p:grpSp>
+        <p:nvGrpSpPr>
+          <p:cNvPr id="30" name="Group 29">
+            <a:extLst>
+              <a:ext uri="{FF2B5EF4-FFF2-40B4-BE49-F238E27FC236}">
+                <a16:creationId xmlns:a16="http://schemas.microsoft.com/office/drawing/2014/main" id="{8BB23AB5-FBA1-4B40-8602-3DE2F09D7C72}"/>
+              </a:ext>
+            </a:extLst>
+          </p:cNvPr>
+          <p:cNvGrpSpPr/>
+          <p:nvPr/>
+        </p:nvGrpSpPr>
+        <p:grpSpPr>
+          <a:xfrm>
+            <a:off x="6137276" y="1697786"/>
+            <a:ext cx="1224000" cy="1224000"/>
+            <a:chOff x="7569995" y="2081902"/>
+            <a:chExt cx="1224000" cy="1224000"/>
+          </a:xfrm>
+        </p:grpSpPr>
+        <p:pic>
+          <p:nvPicPr>
+            <p:cNvPr id="21" name="Graphic 20">
+              <a:extLst>
+                <a:ext uri="{FF2B5EF4-FFF2-40B4-BE49-F238E27FC236}">
+                  <a16:creationId xmlns:a16="http://schemas.microsoft.com/office/drawing/2014/main" id="{E9A84D8E-6166-4DEE-8C73-BC7260F9C12E}"/>
+                </a:ext>
+              </a:extLst>
+            </p:cNvPr>
+            <p:cNvPicPr>
+              <a:picLocks noChangeAspect="1"/>
+            </p:cNvPicPr>
+            <p:nvPr/>
+          </p:nvPicPr>
+          <p:blipFill>
+            <a:blip r:embed="rId2" cstate="print">
+              <a:extLst>
+                <a:ext uri="{28A0092B-C50C-407E-A947-70E740481C1C}">
+                  <a14:useLocalDpi xmlns:a14="http://schemas.microsoft.com/office/drawing/2010/main" val="0"/>
+                </a:ext>
+                <a:ext uri="{96DAC541-7B7A-43D3-8B79-37D633B846F1}">
+                  <asvg:svgBlip xmlns:asvg="http://schemas.microsoft.com/office/drawing/2016/SVG/main" r:embed="rId3"/>
+                </a:ext>
+              </a:extLst>
+            </a:blip>
+            <a:srcRect/>
+            <a:stretch/>
+          </p:blipFill>
+          <p:spPr>
+            <a:xfrm>
+              <a:off x="7822515" y="2332361"/>
+              <a:ext cx="720000" cy="720000"/>
+            </a:xfrm>
+            <a:prstGeom prst="rect">
+              <a:avLst/>
+            </a:prstGeom>
+          </p:spPr>
+        </p:pic>
+        <p:cxnSp>
+          <p:nvCxnSpPr>
+            <p:cNvPr id="22" name="Straight Arrow Connector 21">
+              <a:extLst>
+                <a:ext uri="{FF2B5EF4-FFF2-40B4-BE49-F238E27FC236}">
+                  <a16:creationId xmlns:a16="http://schemas.microsoft.com/office/drawing/2014/main" id="{B3771ACA-F452-4538-8D34-FE7A9FBDA26A}"/>
+                </a:ext>
+              </a:extLst>
+            </p:cNvPr>
+            <p:cNvCxnSpPr>
+              <a:cxnSpLocks/>
+            </p:cNvCxnSpPr>
+            <p:nvPr/>
+          </p:nvCxnSpPr>
+          <p:spPr>
+            <a:xfrm>
+              <a:off x="7584187" y="2318072"/>
+              <a:ext cx="1192338" cy="0"/>
+            </a:xfrm>
+            <a:prstGeom prst="straightConnector1">
+              <a:avLst/>
+            </a:prstGeom>
+            <a:ln cap="rnd">
+              <a:solidFill>
+                <a:schemeClr val="accent1">
+                  <a:lumMod val="60000"/>
+                  <a:lumOff val="40000"/>
+                </a:schemeClr>
+              </a:solidFill>
+              <a:round/>
+              <a:headEnd type="none" w="sm" len="sm"/>
+              <a:tailEnd type="none" w="sm" len="sm"/>
+            </a:ln>
+          </p:spPr>
+          <p:style>
+            <a:lnRef idx="1">
+              <a:schemeClr val="accent1"/>
+            </a:lnRef>
+            <a:fillRef idx="0">
+              <a:schemeClr val="accent1"/>
+            </a:fillRef>
+            <a:effectRef idx="0">
+              <a:schemeClr val="accent1"/>
+            </a:effectRef>
+            <a:fontRef idx="minor">
+              <a:schemeClr val="tx1"/>
+            </a:fontRef>
+          </p:style>
+        </p:cxnSp>
+        <p:cxnSp>
+          <p:nvCxnSpPr>
+            <p:cNvPr id="23" name="Straight Arrow Connector 22">
+              <a:extLst>
+                <a:ext uri="{FF2B5EF4-FFF2-40B4-BE49-F238E27FC236}">
+                  <a16:creationId xmlns:a16="http://schemas.microsoft.com/office/drawing/2014/main" id="{49BFC356-B04D-4582-BEF2-D7CB4DDB61FD}"/>
+                </a:ext>
+              </a:extLst>
+            </p:cNvPr>
+            <p:cNvCxnSpPr>
+              <a:cxnSpLocks/>
+            </p:cNvCxnSpPr>
+            <p:nvPr/>
+          </p:nvCxnSpPr>
+          <p:spPr>
+            <a:xfrm>
+              <a:off x="7584187" y="3038072"/>
+              <a:ext cx="1192338" cy="0"/>
+            </a:xfrm>
+            <a:prstGeom prst="straightConnector1">
+              <a:avLst/>
+            </a:prstGeom>
+            <a:ln cap="rnd">
+              <a:solidFill>
+                <a:schemeClr val="accent1">
+                  <a:lumMod val="60000"/>
+                  <a:lumOff val="40000"/>
+                </a:schemeClr>
+              </a:solidFill>
+              <a:round/>
+              <a:headEnd type="none" w="sm" len="sm"/>
+              <a:tailEnd type="none" w="sm" len="sm"/>
+            </a:ln>
+          </p:spPr>
+          <p:style>
+            <a:lnRef idx="1">
+              <a:schemeClr val="accent1"/>
+            </a:lnRef>
+            <a:fillRef idx="0">
+              <a:schemeClr val="accent1"/>
+            </a:fillRef>
+            <a:effectRef idx="0">
+              <a:schemeClr val="accent1"/>
+            </a:effectRef>
+            <a:fontRef idx="minor">
+              <a:schemeClr val="tx1"/>
+            </a:fontRef>
+          </p:style>
+        </p:cxnSp>
+        <p:sp>
+          <p:nvSpPr>
+            <p:cNvPr id="26" name="Rectangle 25">
+              <a:extLst>
+                <a:ext uri="{FF2B5EF4-FFF2-40B4-BE49-F238E27FC236}">
+                  <a16:creationId xmlns:a16="http://schemas.microsoft.com/office/drawing/2014/main" id="{6D78268C-5026-4B78-888F-04E655DCFED9}"/>
+                </a:ext>
+              </a:extLst>
+            </p:cNvPr>
+            <p:cNvSpPr/>
+            <p:nvPr/>
+          </p:nvSpPr>
+          <p:spPr>
+            <a:xfrm>
+              <a:off x="7569995" y="2081902"/>
+              <a:ext cx="1224000" cy="239994"/>
+            </a:xfrm>
+            <a:prstGeom prst="rect">
+              <a:avLst/>
+            </a:prstGeom>
+            <a:solidFill>
+              <a:schemeClr val="accent1">
+                <a:lumMod val="20000"/>
+                <a:lumOff val="80000"/>
+                <a:alpha val="60000"/>
+              </a:schemeClr>
+            </a:solidFill>
+            <a:ln>
+              <a:noFill/>
+            </a:ln>
+          </p:spPr>
+          <p:style>
+            <a:lnRef idx="2">
+              <a:schemeClr val="accent1">
+                <a:shade val="50000"/>
+              </a:schemeClr>
+            </a:lnRef>
+            <a:fillRef idx="1">
+              <a:schemeClr val="accent1"/>
+            </a:fillRef>
+            <a:effectRef idx="0">
+              <a:schemeClr val="accent1"/>
+            </a:effectRef>
+            <a:fontRef idx="minor">
+              <a:schemeClr val="lt1"/>
+            </a:fontRef>
+          </p:style>
+          <p:txBody>
+            <a:bodyPr rtlCol="0" anchor="ctr"/>
+            <a:lstStyle/>
+            <a:p>
+              <a:r>
+                <a:rPr lang="en-US" sz="1100" dirty="0">
+                  <a:solidFill>
+                    <a:schemeClr val="accent5"/>
+                  </a:solidFill>
+                </a:rPr>
+                <a:t>x</a:t>
+              </a:r>
+            </a:p>
+          </p:txBody>
+        </p:sp>
+        <p:sp>
+          <p:nvSpPr>
+            <p:cNvPr id="27" name="Rectangle 26">
+              <a:extLst>
+                <a:ext uri="{FF2B5EF4-FFF2-40B4-BE49-F238E27FC236}">
+                  <a16:creationId xmlns:a16="http://schemas.microsoft.com/office/drawing/2014/main" id="{F8F65D2E-0BE5-4A9C-A655-A6CB73F5B887}"/>
+                </a:ext>
+              </a:extLst>
+            </p:cNvPr>
+            <p:cNvSpPr/>
+            <p:nvPr/>
+          </p:nvSpPr>
+          <p:spPr>
+            <a:xfrm>
+              <a:off x="7569995" y="3065908"/>
+              <a:ext cx="1224000" cy="239994"/>
+            </a:xfrm>
+            <a:prstGeom prst="rect">
+              <a:avLst/>
+            </a:prstGeom>
+            <a:solidFill>
+              <a:schemeClr val="accent1">
+                <a:lumMod val="20000"/>
+                <a:lumOff val="80000"/>
+                <a:alpha val="60000"/>
+              </a:schemeClr>
+            </a:solidFill>
+            <a:ln>
+              <a:noFill/>
+            </a:ln>
+          </p:spPr>
+          <p:style>
+            <a:lnRef idx="2">
+              <a:schemeClr val="accent1">
+                <a:shade val="50000"/>
+              </a:schemeClr>
+            </a:lnRef>
+            <a:fillRef idx="1">
+              <a:schemeClr val="accent1"/>
+            </a:fillRef>
+            <a:effectRef idx="0">
+              <a:schemeClr val="accent1"/>
+            </a:effectRef>
+            <a:fontRef idx="minor">
+              <a:schemeClr val="lt1"/>
+            </a:fontRef>
+          </p:style>
+          <p:txBody>
+            <a:bodyPr rtlCol="0" anchor="ctr"/>
+            <a:lstStyle/>
+            <a:p>
+              <a:endParaRPr lang="en-US" sz="1100" dirty="0">
+                <a:solidFill>
+                  <a:schemeClr val="accent5"/>
+                </a:solidFill>
+              </a:endParaRPr>
+            </a:p>
+          </p:txBody>
+        </p:sp>
+        <p:sp>
+          <p:nvSpPr>
+            <p:cNvPr id="28" name="Rectangle 27">
+              <a:extLst>
+                <a:ext uri="{FF2B5EF4-FFF2-40B4-BE49-F238E27FC236}">
+                  <a16:creationId xmlns:a16="http://schemas.microsoft.com/office/drawing/2014/main" id="{C5BA278A-46B8-4466-8524-51C1B58C9153}"/>
+                </a:ext>
+              </a:extLst>
+            </p:cNvPr>
+            <p:cNvSpPr/>
+            <p:nvPr/>
+          </p:nvSpPr>
+          <p:spPr>
+            <a:xfrm rot="5400000">
+              <a:off x="8061998" y="2573905"/>
+              <a:ext cx="1224000" cy="239994"/>
+            </a:xfrm>
+            <a:prstGeom prst="rect">
+              <a:avLst/>
+            </a:prstGeom>
+            <a:solidFill>
+              <a:schemeClr val="accent1">
+                <a:lumMod val="20000"/>
+                <a:lumOff val="80000"/>
+                <a:alpha val="60000"/>
+              </a:schemeClr>
+            </a:solidFill>
+            <a:ln>
+              <a:noFill/>
+            </a:ln>
+          </p:spPr>
+          <p:style>
+            <a:lnRef idx="2">
+              <a:schemeClr val="accent1">
+                <a:shade val="50000"/>
+              </a:schemeClr>
+            </a:lnRef>
+            <a:fillRef idx="1">
+              <a:schemeClr val="accent1"/>
+            </a:fillRef>
+            <a:effectRef idx="0">
+              <a:schemeClr val="accent1"/>
+            </a:effectRef>
+            <a:fontRef idx="minor">
+              <a:schemeClr val="lt1"/>
+            </a:fontRef>
+          </p:style>
+          <p:txBody>
+            <a:bodyPr rtlCol="0" anchor="ctr"/>
+            <a:lstStyle/>
+            <a:p>
+              <a:endParaRPr lang="en-US" sz="1100" dirty="0">
+                <a:solidFill>
+                  <a:schemeClr val="accent5"/>
+                </a:solidFill>
+              </a:endParaRPr>
+            </a:p>
+          </p:txBody>
+        </p:sp>
+        <p:sp>
+          <p:nvSpPr>
+            <p:cNvPr id="29" name="Rectangle 28">
+              <a:extLst>
+                <a:ext uri="{FF2B5EF4-FFF2-40B4-BE49-F238E27FC236}">
+                  <a16:creationId xmlns:a16="http://schemas.microsoft.com/office/drawing/2014/main" id="{8EAC9AA3-7643-4490-A55D-A96D45B930AE}"/>
+                </a:ext>
+              </a:extLst>
+            </p:cNvPr>
+            <p:cNvSpPr/>
+            <p:nvPr/>
+          </p:nvSpPr>
+          <p:spPr>
+            <a:xfrm rot="5400000">
+              <a:off x="7077992" y="2573905"/>
+              <a:ext cx="1224000" cy="239994"/>
+            </a:xfrm>
+            <a:prstGeom prst="rect">
+              <a:avLst/>
+            </a:prstGeom>
+            <a:solidFill>
+              <a:schemeClr val="accent1">
+                <a:lumMod val="20000"/>
+                <a:lumOff val="80000"/>
+                <a:alpha val="60000"/>
+              </a:schemeClr>
+            </a:solidFill>
+            <a:ln>
+              <a:noFill/>
+            </a:ln>
+          </p:spPr>
+          <p:style>
+            <a:lnRef idx="2">
+              <a:schemeClr val="accent1">
+                <a:shade val="50000"/>
+              </a:schemeClr>
+            </a:lnRef>
+            <a:fillRef idx="1">
+              <a:schemeClr val="accent1"/>
+            </a:fillRef>
+            <a:effectRef idx="0">
+              <a:schemeClr val="accent1"/>
+            </a:effectRef>
+            <a:fontRef idx="minor">
+              <a:schemeClr val="lt1"/>
+            </a:fontRef>
+          </p:style>
+          <p:txBody>
+            <a:bodyPr rtlCol="0" anchor="ctr"/>
+            <a:lstStyle/>
+            <a:p>
+              <a:endParaRPr lang="en-US" sz="1100" dirty="0">
+                <a:solidFill>
+                  <a:schemeClr val="accent5"/>
+                </a:solidFill>
+              </a:endParaRPr>
+            </a:p>
+          </p:txBody>
+        </p:sp>
+      </p:grpSp>
+      <p:grpSp>
+        <p:nvGrpSpPr>
+          <p:cNvPr id="40" name="Group 39">
+            <a:extLst>
+              <a:ext uri="{FF2B5EF4-FFF2-40B4-BE49-F238E27FC236}">
+                <a16:creationId xmlns:a16="http://schemas.microsoft.com/office/drawing/2014/main" id="{28B5E9C6-E5C0-44A6-AE70-F506760FE9B4}"/>
+              </a:ext>
+            </a:extLst>
+          </p:cNvPr>
+          <p:cNvGrpSpPr/>
+          <p:nvPr/>
+        </p:nvGrpSpPr>
+        <p:grpSpPr>
+          <a:xfrm>
+            <a:off x="7726422" y="3276170"/>
+            <a:ext cx="1816940" cy="1728000"/>
+            <a:chOff x="8710866" y="2048564"/>
+            <a:chExt cx="1816940" cy="1728000"/>
+          </a:xfrm>
+        </p:grpSpPr>
+        <p:pic>
+          <p:nvPicPr>
+            <p:cNvPr id="34" name="Graphic 33">
+              <a:extLst>
+                <a:ext uri="{FF2B5EF4-FFF2-40B4-BE49-F238E27FC236}">
+                  <a16:creationId xmlns:a16="http://schemas.microsoft.com/office/drawing/2014/main" id="{6CE9C37B-1B09-41F3-AFDF-379FC32D225C}"/>
+                </a:ext>
+              </a:extLst>
+            </p:cNvPr>
+            <p:cNvPicPr>
+              <a:picLocks noChangeAspect="1"/>
+            </p:cNvPicPr>
+            <p:nvPr/>
+          </p:nvPicPr>
+          <p:blipFill>
+            <a:blip r:embed="rId4" cstate="print">
+              <a:extLst>
+                <a:ext uri="{28A0092B-C50C-407E-A947-70E740481C1C}">
+                  <a14:useLocalDpi xmlns:a14="http://schemas.microsoft.com/office/drawing/2010/main" val="0"/>
+                </a:ext>
+                <a:ext uri="{96DAC541-7B7A-43D3-8B79-37D633B846F1}">
+                  <asvg:svgBlip xmlns:asvg="http://schemas.microsoft.com/office/drawing/2016/SVG/main" r:embed="rId5"/>
+                </a:ext>
+              </a:extLst>
+            </a:blip>
+            <a:stretch>
+              <a:fillRect/>
+            </a:stretch>
+          </p:blipFill>
+          <p:spPr>
+            <a:xfrm>
+              <a:off x="8959503" y="2296729"/>
+              <a:ext cx="1318154" cy="1224000"/>
+            </a:xfrm>
+            <a:prstGeom prst="rect">
+              <a:avLst/>
+            </a:prstGeom>
+          </p:spPr>
+        </p:pic>
+        <p:sp>
+          <p:nvSpPr>
+            <p:cNvPr id="36" name="Rectangle 35">
+              <a:extLst>
+                <a:ext uri="{FF2B5EF4-FFF2-40B4-BE49-F238E27FC236}">
+                  <a16:creationId xmlns:a16="http://schemas.microsoft.com/office/drawing/2014/main" id="{5B65F7BA-3BA8-4C3C-83FC-0476DD04C6DE}"/>
+                </a:ext>
+              </a:extLst>
+            </p:cNvPr>
+            <p:cNvSpPr/>
+            <p:nvPr/>
+          </p:nvSpPr>
+          <p:spPr>
+            <a:xfrm>
+              <a:off x="8710867" y="2048564"/>
+              <a:ext cx="1816939" cy="239994"/>
+            </a:xfrm>
+            <a:prstGeom prst="rect">
+              <a:avLst/>
+            </a:prstGeom>
+            <a:solidFill>
+              <a:schemeClr val="accent1">
+                <a:lumMod val="20000"/>
+                <a:lumOff val="80000"/>
+                <a:alpha val="60000"/>
+              </a:schemeClr>
+            </a:solidFill>
+            <a:ln>
+              <a:noFill/>
+            </a:ln>
+          </p:spPr>
+          <p:style>
+            <a:lnRef idx="2">
+              <a:schemeClr val="accent1">
+                <a:shade val="50000"/>
+              </a:schemeClr>
+            </a:lnRef>
+            <a:fillRef idx="1">
+              <a:schemeClr val="accent1"/>
+            </a:fillRef>
+            <a:effectRef idx="0">
+              <a:schemeClr val="accent1"/>
+            </a:effectRef>
+            <a:fontRef idx="minor">
+              <a:schemeClr val="lt1"/>
+            </a:fontRef>
+          </p:style>
+          <p:txBody>
+            <a:bodyPr rtlCol="0" anchor="ctr"/>
+            <a:lstStyle/>
+            <a:p>
+              <a:r>
+                <a:rPr lang="en-US" sz="1100" dirty="0">
+                  <a:solidFill>
+                    <a:schemeClr val="accent5"/>
+                  </a:solidFill>
+                </a:rPr>
+                <a:t>x</a:t>
+              </a:r>
+            </a:p>
+          </p:txBody>
+        </p:sp>
+        <p:sp>
+          <p:nvSpPr>
+            <p:cNvPr id="37" name="Rectangle 36">
+              <a:extLst>
+                <a:ext uri="{FF2B5EF4-FFF2-40B4-BE49-F238E27FC236}">
+                  <a16:creationId xmlns:a16="http://schemas.microsoft.com/office/drawing/2014/main" id="{953A822D-0D24-438C-912B-0F07BE875015}"/>
+                </a:ext>
+              </a:extLst>
+            </p:cNvPr>
+            <p:cNvSpPr/>
+            <p:nvPr/>
+          </p:nvSpPr>
+          <p:spPr>
+            <a:xfrm>
+              <a:off x="8710867" y="3536570"/>
+              <a:ext cx="1816939" cy="239994"/>
+            </a:xfrm>
+            <a:prstGeom prst="rect">
+              <a:avLst/>
+            </a:prstGeom>
+            <a:solidFill>
+              <a:schemeClr val="accent1">
+                <a:lumMod val="20000"/>
+                <a:lumOff val="80000"/>
+                <a:alpha val="60000"/>
+              </a:schemeClr>
+            </a:solidFill>
+            <a:ln>
+              <a:noFill/>
+            </a:ln>
+          </p:spPr>
+          <p:style>
+            <a:lnRef idx="2">
+              <a:schemeClr val="accent1">
+                <a:shade val="50000"/>
+              </a:schemeClr>
+            </a:lnRef>
+            <a:fillRef idx="1">
+              <a:schemeClr val="accent1"/>
+            </a:fillRef>
+            <a:effectRef idx="0">
+              <a:schemeClr val="accent1"/>
+            </a:effectRef>
+            <a:fontRef idx="minor">
+              <a:schemeClr val="lt1"/>
+            </a:fontRef>
+          </p:style>
+          <p:txBody>
+            <a:bodyPr rtlCol="0" anchor="ctr"/>
+            <a:lstStyle/>
+            <a:p>
+              <a:endParaRPr lang="en-US" sz="1100" dirty="0">
+                <a:solidFill>
+                  <a:schemeClr val="accent5"/>
+                </a:solidFill>
+              </a:endParaRPr>
+            </a:p>
+          </p:txBody>
+        </p:sp>
+        <p:sp>
+          <p:nvSpPr>
+            <p:cNvPr id="38" name="Rectangle 37">
+              <a:extLst>
+                <a:ext uri="{FF2B5EF4-FFF2-40B4-BE49-F238E27FC236}">
+                  <a16:creationId xmlns:a16="http://schemas.microsoft.com/office/drawing/2014/main" id="{920F741D-9525-48B0-B204-BA704B7160C7}"/>
+                </a:ext>
+              </a:extLst>
+            </p:cNvPr>
+            <p:cNvSpPr/>
+            <p:nvPr/>
+          </p:nvSpPr>
+          <p:spPr>
+            <a:xfrm rot="5400000">
+              <a:off x="9543809" y="2792567"/>
+              <a:ext cx="1728000" cy="239994"/>
+            </a:xfrm>
+            <a:prstGeom prst="rect">
+              <a:avLst/>
+            </a:prstGeom>
+            <a:solidFill>
+              <a:schemeClr val="accent1">
+                <a:lumMod val="20000"/>
+                <a:lumOff val="80000"/>
+                <a:alpha val="60000"/>
+              </a:schemeClr>
+            </a:solidFill>
+            <a:ln>
+              <a:noFill/>
+            </a:ln>
+          </p:spPr>
+          <p:style>
+            <a:lnRef idx="2">
+              <a:schemeClr val="accent1">
+                <a:shade val="50000"/>
+              </a:schemeClr>
+            </a:lnRef>
+            <a:fillRef idx="1">
+              <a:schemeClr val="accent1"/>
+            </a:fillRef>
+            <a:effectRef idx="0">
+              <a:schemeClr val="accent1"/>
+            </a:effectRef>
+            <a:fontRef idx="minor">
+              <a:schemeClr val="lt1"/>
+            </a:fontRef>
+          </p:style>
+          <p:txBody>
+            <a:bodyPr rtlCol="0" anchor="ctr"/>
+            <a:lstStyle/>
+            <a:p>
+              <a:endParaRPr lang="en-US" sz="1100" dirty="0">
+                <a:solidFill>
+                  <a:schemeClr val="accent5"/>
+                </a:solidFill>
+              </a:endParaRPr>
+            </a:p>
+          </p:txBody>
+        </p:sp>
+        <p:sp>
+          <p:nvSpPr>
+            <p:cNvPr id="39" name="Rectangle 38">
+              <a:extLst>
+                <a:ext uri="{FF2B5EF4-FFF2-40B4-BE49-F238E27FC236}">
+                  <a16:creationId xmlns:a16="http://schemas.microsoft.com/office/drawing/2014/main" id="{7C242970-5D9F-4D4D-B354-6837CA5841AC}"/>
+                </a:ext>
+              </a:extLst>
+            </p:cNvPr>
+            <p:cNvSpPr/>
+            <p:nvPr/>
+          </p:nvSpPr>
+          <p:spPr>
+            <a:xfrm rot="5400000">
+              <a:off x="7966863" y="2792567"/>
+              <a:ext cx="1728000" cy="239994"/>
+            </a:xfrm>
+            <a:prstGeom prst="rect">
+              <a:avLst/>
+            </a:prstGeom>
+            <a:solidFill>
+              <a:schemeClr val="accent1">
+                <a:lumMod val="20000"/>
+                <a:lumOff val="80000"/>
+                <a:alpha val="60000"/>
+              </a:schemeClr>
+            </a:solidFill>
+            <a:ln>
+              <a:noFill/>
+            </a:ln>
+          </p:spPr>
+          <p:style>
+            <a:lnRef idx="2">
+              <a:schemeClr val="accent1">
+                <a:shade val="50000"/>
+              </a:schemeClr>
+            </a:lnRef>
+            <a:fillRef idx="1">
+              <a:schemeClr val="accent1"/>
+            </a:fillRef>
+            <a:effectRef idx="0">
+              <a:schemeClr val="accent1"/>
+            </a:effectRef>
+            <a:fontRef idx="minor">
+              <a:schemeClr val="lt1"/>
+            </a:fontRef>
+          </p:style>
+          <p:txBody>
+            <a:bodyPr rtlCol="0" anchor="ctr"/>
+            <a:lstStyle/>
+            <a:p>
+              <a:endParaRPr lang="en-US" sz="1100" dirty="0">
+                <a:solidFill>
+                  <a:schemeClr val="accent5"/>
+                </a:solidFill>
+              </a:endParaRPr>
+            </a:p>
+          </p:txBody>
+        </p:sp>
+      </p:grpSp>
+      <p:grpSp>
+        <p:nvGrpSpPr>
+          <p:cNvPr id="48" name="Group 47">
+            <a:extLst>
+              <a:ext uri="{FF2B5EF4-FFF2-40B4-BE49-F238E27FC236}">
+                <a16:creationId xmlns:a16="http://schemas.microsoft.com/office/drawing/2014/main" id="{5C1898F4-6F67-4ADF-B0F0-7C58323FA4BB}"/>
+              </a:ext>
+            </a:extLst>
+          </p:cNvPr>
+          <p:cNvGrpSpPr/>
+          <p:nvPr/>
+        </p:nvGrpSpPr>
+        <p:grpSpPr>
+          <a:xfrm>
+            <a:off x="7726422" y="1682023"/>
+            <a:ext cx="2767076" cy="1224000"/>
+            <a:chOff x="7192214" y="4590000"/>
+            <a:chExt cx="2767076" cy="1224000"/>
+          </a:xfrm>
+        </p:grpSpPr>
+        <p:pic>
+          <p:nvPicPr>
+            <p:cNvPr id="42" name="Graphic 41">
+              <a:extLst>
+                <a:ext uri="{FF2B5EF4-FFF2-40B4-BE49-F238E27FC236}">
+                  <a16:creationId xmlns:a16="http://schemas.microsoft.com/office/drawing/2014/main" id="{60504FBA-2F9E-45F0-B6AA-D82CE98EE3F6}"/>
+                </a:ext>
+              </a:extLst>
+            </p:cNvPr>
+            <p:cNvPicPr>
+              <a:picLocks noChangeAspect="1"/>
+            </p:cNvPicPr>
+            <p:nvPr/>
+          </p:nvPicPr>
+          <p:blipFill>
+            <a:blip r:embed="rId6" cstate="print">
+              <a:extLst>
+                <a:ext uri="{28A0092B-C50C-407E-A947-70E740481C1C}">
+                  <a14:useLocalDpi xmlns:a14="http://schemas.microsoft.com/office/drawing/2010/main" val="0"/>
+                </a:ext>
+                <a:ext uri="{96DAC541-7B7A-43D3-8B79-37D633B846F1}">
+                  <asvg:svgBlip xmlns:asvg="http://schemas.microsoft.com/office/drawing/2016/SVG/main" r:embed="rId7"/>
+                </a:ext>
+              </a:extLst>
+            </a:blip>
+            <a:stretch>
+              <a:fillRect/>
+            </a:stretch>
+          </p:blipFill>
+          <p:spPr>
+            <a:xfrm>
+              <a:off x="7439093" y="4836270"/>
+              <a:ext cx="2268000" cy="708750"/>
+            </a:xfrm>
+            <a:prstGeom prst="rect">
+              <a:avLst/>
+            </a:prstGeom>
+          </p:spPr>
+        </p:pic>
+        <p:sp>
+          <p:nvSpPr>
+            <p:cNvPr id="44" name="Rectangle 43">
+              <a:extLst>
+                <a:ext uri="{FF2B5EF4-FFF2-40B4-BE49-F238E27FC236}">
+                  <a16:creationId xmlns:a16="http://schemas.microsoft.com/office/drawing/2014/main" id="{06BDFC06-7419-448B-8985-79529E7AD0E2}"/>
+                </a:ext>
+              </a:extLst>
+            </p:cNvPr>
+            <p:cNvSpPr/>
+            <p:nvPr/>
+          </p:nvSpPr>
+          <p:spPr>
+            <a:xfrm>
+              <a:off x="7192214" y="4590000"/>
+              <a:ext cx="2767076" cy="239994"/>
+            </a:xfrm>
+            <a:prstGeom prst="rect">
+              <a:avLst/>
+            </a:prstGeom>
+            <a:solidFill>
+              <a:schemeClr val="accent1">
+                <a:lumMod val="20000"/>
+                <a:lumOff val="80000"/>
+                <a:alpha val="60000"/>
+              </a:schemeClr>
+            </a:solidFill>
+            <a:ln>
+              <a:noFill/>
+            </a:ln>
+          </p:spPr>
+          <p:style>
+            <a:lnRef idx="2">
+              <a:schemeClr val="accent1">
+                <a:shade val="50000"/>
+              </a:schemeClr>
+            </a:lnRef>
+            <a:fillRef idx="1">
+              <a:schemeClr val="accent1"/>
+            </a:fillRef>
+            <a:effectRef idx="0">
+              <a:schemeClr val="accent1"/>
+            </a:effectRef>
+            <a:fontRef idx="minor">
+              <a:schemeClr val="lt1"/>
+            </a:fontRef>
+          </p:style>
+          <p:txBody>
+            <a:bodyPr rtlCol="0" anchor="ctr"/>
+            <a:lstStyle/>
+            <a:p>
+              <a:r>
+                <a:rPr lang="en-US" sz="1100" dirty="0">
+                  <a:solidFill>
+                    <a:schemeClr val="accent5"/>
+                  </a:solidFill>
+                </a:rPr>
+                <a:t>x</a:t>
+              </a:r>
+            </a:p>
+          </p:txBody>
+        </p:sp>
+        <p:sp>
+          <p:nvSpPr>
+            <p:cNvPr id="45" name="Rectangle 44">
+              <a:extLst>
+                <a:ext uri="{FF2B5EF4-FFF2-40B4-BE49-F238E27FC236}">
+                  <a16:creationId xmlns:a16="http://schemas.microsoft.com/office/drawing/2014/main" id="{6A50424D-8069-4784-86D2-D989AB41639D}"/>
+                </a:ext>
+              </a:extLst>
+            </p:cNvPr>
+            <p:cNvSpPr/>
+            <p:nvPr/>
+          </p:nvSpPr>
+          <p:spPr>
+            <a:xfrm>
+              <a:off x="7192214" y="5574006"/>
+              <a:ext cx="2767076" cy="239994"/>
+            </a:xfrm>
+            <a:prstGeom prst="rect">
+              <a:avLst/>
+            </a:prstGeom>
+            <a:solidFill>
+              <a:schemeClr val="accent1">
+                <a:lumMod val="20000"/>
+                <a:lumOff val="80000"/>
+                <a:alpha val="60000"/>
+              </a:schemeClr>
+            </a:solidFill>
+            <a:ln>
+              <a:noFill/>
+            </a:ln>
+          </p:spPr>
+          <p:style>
+            <a:lnRef idx="2">
+              <a:schemeClr val="accent1">
+                <a:shade val="50000"/>
+              </a:schemeClr>
+            </a:lnRef>
+            <a:fillRef idx="1">
+              <a:schemeClr val="accent1"/>
+            </a:fillRef>
+            <a:effectRef idx="0">
+              <a:schemeClr val="accent1"/>
+            </a:effectRef>
+            <a:fontRef idx="minor">
+              <a:schemeClr val="lt1"/>
+            </a:fontRef>
+          </p:style>
+          <p:txBody>
+            <a:bodyPr rtlCol="0" anchor="ctr"/>
+            <a:lstStyle/>
+            <a:p>
+              <a:endParaRPr lang="en-US" sz="1100" dirty="0">
+                <a:solidFill>
+                  <a:schemeClr val="accent5"/>
+                </a:solidFill>
+              </a:endParaRPr>
+            </a:p>
+          </p:txBody>
+        </p:sp>
+        <p:sp>
+          <p:nvSpPr>
+            <p:cNvPr id="46" name="Rectangle 45">
+              <a:extLst>
+                <a:ext uri="{FF2B5EF4-FFF2-40B4-BE49-F238E27FC236}">
+                  <a16:creationId xmlns:a16="http://schemas.microsoft.com/office/drawing/2014/main" id="{A5B83162-871B-4EBB-92AF-963844721421}"/>
+                </a:ext>
+              </a:extLst>
+            </p:cNvPr>
+            <p:cNvSpPr/>
+            <p:nvPr/>
+          </p:nvSpPr>
+          <p:spPr>
+            <a:xfrm rot="5400000">
+              <a:off x="9227293" y="5082003"/>
+              <a:ext cx="1224000" cy="239994"/>
+            </a:xfrm>
+            <a:prstGeom prst="rect">
+              <a:avLst/>
+            </a:prstGeom>
+            <a:solidFill>
+              <a:schemeClr val="accent1">
+                <a:lumMod val="20000"/>
+                <a:lumOff val="80000"/>
+                <a:alpha val="60000"/>
+              </a:schemeClr>
+            </a:solidFill>
+            <a:ln>
+              <a:noFill/>
+            </a:ln>
+          </p:spPr>
+          <p:style>
+            <a:lnRef idx="2">
+              <a:schemeClr val="accent1">
+                <a:shade val="50000"/>
+              </a:schemeClr>
+            </a:lnRef>
+            <a:fillRef idx="1">
+              <a:schemeClr val="accent1"/>
+            </a:fillRef>
+            <a:effectRef idx="0">
+              <a:schemeClr val="accent1"/>
+            </a:effectRef>
+            <a:fontRef idx="minor">
+              <a:schemeClr val="lt1"/>
+            </a:fontRef>
+          </p:style>
+          <p:txBody>
+            <a:bodyPr rtlCol="0" anchor="ctr"/>
+            <a:lstStyle/>
+            <a:p>
+              <a:endParaRPr lang="en-US" sz="1100" dirty="0">
+                <a:solidFill>
+                  <a:schemeClr val="accent5"/>
+                </a:solidFill>
+              </a:endParaRPr>
+            </a:p>
+          </p:txBody>
+        </p:sp>
+        <p:sp>
+          <p:nvSpPr>
+            <p:cNvPr id="47" name="Rectangle 46">
+              <a:extLst>
+                <a:ext uri="{FF2B5EF4-FFF2-40B4-BE49-F238E27FC236}">
+                  <a16:creationId xmlns:a16="http://schemas.microsoft.com/office/drawing/2014/main" id="{D2B43D2E-0F44-4AB5-AC70-DEB7E776F1C6}"/>
+                </a:ext>
+              </a:extLst>
+            </p:cNvPr>
+            <p:cNvSpPr/>
+            <p:nvPr/>
+          </p:nvSpPr>
+          <p:spPr>
+            <a:xfrm rot="5400000">
+              <a:off x="6700211" y="5082003"/>
+              <a:ext cx="1224000" cy="239994"/>
+            </a:xfrm>
+            <a:prstGeom prst="rect">
+              <a:avLst/>
+            </a:prstGeom>
+            <a:solidFill>
+              <a:schemeClr val="accent1">
+                <a:lumMod val="20000"/>
+                <a:lumOff val="80000"/>
+                <a:alpha val="60000"/>
+              </a:schemeClr>
+            </a:solidFill>
+            <a:ln>
+              <a:noFill/>
+            </a:ln>
+          </p:spPr>
+          <p:style>
+            <a:lnRef idx="2">
+              <a:schemeClr val="accent1">
+                <a:shade val="50000"/>
+              </a:schemeClr>
+            </a:lnRef>
+            <a:fillRef idx="1">
+              <a:schemeClr val="accent1"/>
+            </a:fillRef>
+            <a:effectRef idx="0">
+              <a:schemeClr val="accent1"/>
+            </a:effectRef>
+            <a:fontRef idx="minor">
+              <a:schemeClr val="lt1"/>
+            </a:fontRef>
+          </p:style>
+          <p:txBody>
+            <a:bodyPr rtlCol="0" anchor="ctr"/>
+            <a:lstStyle/>
+            <a:p>
+              <a:endParaRPr lang="en-US" sz="1100" dirty="0">
+                <a:solidFill>
+                  <a:schemeClr val="accent5"/>
+                </a:solidFill>
+              </a:endParaRPr>
+            </a:p>
+          </p:txBody>
+        </p:sp>
+      </p:grpSp>
     </p:spTree>
     <p:extLst>
       <p:ext uri="{BB962C8B-B14F-4D97-AF65-F5344CB8AC3E}">

--- a/styleguide/Jibres-brand-styleguide.pptx
+++ b/styleguide/Jibres-brand-styleguide.pptx
@@ -5092,9 +5092,16 @@
             <p:ph type="body" sz="half" idx="2"/>
           </p:nvPr>
         </p:nvSpPr>
-        <p:spPr/>
+        <p:spPr>
+          <a:xfrm>
+            <a:off x="1080000" y="2232000"/>
+            <a:ext cx="3578264" cy="2520000"/>
+          </a:xfrm>
+        </p:spPr>
         <p:txBody>
-          <a:bodyPr/>
+          <a:bodyPr>
+            <a:normAutofit fontScale="92500"/>
+          </a:bodyPr>
           <a:lstStyle/>
           <a:p>
             <a:r>
@@ -5170,10 +5177,15 @@
             <a:spLocks noGrp="1"/>
           </p:cNvSpPr>
           <p:nvPr>
-            <p:ph sz="quarter" idx="13"/>
+            <p:ph sz="quarter" idx="4294967295"/>
           </p:nvPr>
         </p:nvSpPr>
-        <p:spPr/>
+        <p:spPr>
+          <a:xfrm>
+            <a:off x="6825850" y="1993106"/>
+            <a:ext cx="2881312" cy="2871787"/>
+          </a:xfrm>
+        </p:spPr>
         <p:txBody>
           <a:bodyPr>
             <a:normAutofit/>
@@ -5183,20 +5195,32 @@
             <a:pPr marL="0" indent="0">
               <a:buNone/>
             </a:pPr>
-            <a:endParaRPr lang="en-US" sz="1400" dirty="0"/>
+            <a:endParaRPr lang="en-US" sz="1400" dirty="0">
+              <a:solidFill>
+                <a:srgbClr val="C80A5A"/>
+              </a:solidFill>
+            </a:endParaRPr>
           </a:p>
           <a:p>
             <a:pPr marL="0" indent="0">
               <a:buNone/>
             </a:pPr>
-            <a:endParaRPr lang="en-US" sz="1400" dirty="0"/>
+            <a:endParaRPr lang="en-US" sz="1400" dirty="0">
+              <a:solidFill>
+                <a:srgbClr val="C80A5A"/>
+              </a:solidFill>
+            </a:endParaRPr>
           </a:p>
           <a:p>
             <a:pPr marL="0" indent="0">
               <a:buNone/>
             </a:pPr>
             <a:r>
-              <a:rPr lang="en-US" sz="1400" dirty="0"/>
+              <a:rPr lang="en-US" sz="1400" dirty="0">
+                <a:solidFill>
+                  <a:srgbClr val="C80A5A"/>
+                </a:solidFill>
+              </a:rPr>
               <a:t>Acre Medium</a:t>
             </a:r>
           </a:p>
@@ -5204,14 +5228,22 @@
             <a:pPr marL="0" indent="0">
               <a:buNone/>
             </a:pPr>
-            <a:endParaRPr lang="en-US" sz="1400" dirty="0"/>
+            <a:endParaRPr lang="en-US" sz="1400" dirty="0">
+              <a:solidFill>
+                <a:srgbClr val="C80A5A"/>
+              </a:solidFill>
+            </a:endParaRPr>
           </a:p>
           <a:p>
             <a:pPr marL="0" indent="0">
               <a:buNone/>
             </a:pPr>
             <a:r>
-              <a:rPr lang="en-US" dirty="0"/>
+              <a:rPr lang="en-US" sz="1800" dirty="0">
+                <a:solidFill>
+                  <a:srgbClr val="C80A5A"/>
+                </a:solidFill>
+              </a:rPr>
               <a:t>ABCDEFGHIJKLMNOPQR STUVWXYZ</a:t>
             </a:r>
           </a:p>
@@ -5220,43 +5252,21 @@
               <a:buNone/>
             </a:pPr>
             <a:r>
-              <a:rPr lang="en-US" dirty="0"/>
+              <a:rPr lang="en-US" sz="1500" dirty="0">
+                <a:solidFill>
+                  <a:srgbClr val="C80A5A"/>
+                </a:solidFill>
+              </a:rPr>
               <a:t>abcdefghijklmnopqrstuvwxyz</a:t>
             </a:r>
-            <a:endParaRPr lang="fa-IR" dirty="0"/>
+            <a:endParaRPr lang="fa-IR" sz="1500" dirty="0">
+              <a:solidFill>
+                <a:srgbClr val="C80A5A"/>
+              </a:solidFill>
+            </a:endParaRPr>
           </a:p>
         </p:txBody>
       </p:sp>
-      <p:pic>
-        <p:nvPicPr>
-          <p:cNvPr id="4" name="Picture 3">
-            <a:extLst>
-              <a:ext uri="{FF2B5EF4-FFF2-40B4-BE49-F238E27FC236}">
-                <a16:creationId xmlns:a16="http://schemas.microsoft.com/office/drawing/2014/main" id="{4F64D2C3-3BE8-4B68-A19E-E0A04807D160}"/>
-              </a:ext>
-            </a:extLst>
-          </p:cNvPr>
-          <p:cNvPicPr>
-            <a:picLocks noChangeAspect="1"/>
-          </p:cNvPicPr>
-          <p:nvPr/>
-        </p:nvPicPr>
-        <p:blipFill>
-          <a:blip r:embed="rId2"/>
-          <a:stretch>
-            <a:fillRect/>
-          </a:stretch>
-        </p:blipFill>
-        <p:spPr>
-          <a:xfrm>
-            <a:off x="3763437" y="4352316"/>
-            <a:ext cx="3772426" cy="2276793"/>
-          </a:xfrm>
-          <a:prstGeom prst="rect">
-            <a:avLst/>
-          </a:prstGeom>
-        </p:spPr>
-      </p:pic>
     </p:spTree>
     <p:extLst>
       <p:ext uri="{BB962C8B-B14F-4D97-AF65-F5344CB8AC3E}">
@@ -5364,24 +5374,6 @@
       </p:sp>
       <p:sp>
         <p:nvSpPr>
-          <p:cNvPr id="6" name="Picture Placeholder 5">
-            <a:extLst>
-              <a:ext uri="{FF2B5EF4-FFF2-40B4-BE49-F238E27FC236}">
-                <a16:creationId xmlns:a16="http://schemas.microsoft.com/office/drawing/2014/main" id="{895F2BB5-E133-4A3E-933A-28F1E0977493}"/>
-              </a:ext>
-            </a:extLst>
-          </p:cNvPr>
-          <p:cNvSpPr>
-            <a:spLocks noGrp="1"/>
-          </p:cNvSpPr>
-          <p:nvPr>
-            <p:ph type="pic" idx="1"/>
-          </p:nvPr>
-        </p:nvSpPr>
-        <p:spPr/>
-      </p:sp>
-      <p:sp>
-        <p:nvSpPr>
           <p:cNvPr id="3" name="Content Placeholder 2"/>
           <p:cNvSpPr>
             <a:spLocks noGrp="1"/>
@@ -5425,36 +5417,838 @@
           </a:p>
         </p:txBody>
       </p:sp>
-      <p:pic>
-        <p:nvPicPr>
-          <p:cNvPr id="4" name="Picture 3">
+      <p:grpSp>
+        <p:nvGrpSpPr>
+          <p:cNvPr id="38" name="Group 37">
             <a:extLst>
               <a:ext uri="{FF2B5EF4-FFF2-40B4-BE49-F238E27FC236}">
-                <a16:creationId xmlns:a16="http://schemas.microsoft.com/office/drawing/2014/main" id="{EFD15EDE-FA83-4B92-B1B4-8D1045DD21FC}"/>
+                <a16:creationId xmlns:a16="http://schemas.microsoft.com/office/drawing/2014/main" id="{4855D4F0-2355-4819-8AF7-88FB44E54562}"/>
               </a:ext>
             </a:extLst>
           </p:cNvPr>
-          <p:cNvPicPr>
-            <a:picLocks noChangeAspect="1"/>
-          </p:cNvPicPr>
+          <p:cNvGrpSpPr/>
           <p:nvPr/>
-        </p:nvPicPr>
-        <p:blipFill>
-          <a:blip r:embed="rId2"/>
-          <a:stretch>
-            <a:fillRect/>
-          </a:stretch>
-        </p:blipFill>
-        <p:spPr>
+        </p:nvGrpSpPr>
+        <p:grpSpPr>
           <a:xfrm>
-            <a:off x="4895499" y="1137891"/>
-            <a:ext cx="5048955" cy="4982270"/>
+            <a:off x="6231851" y="1054119"/>
+            <a:ext cx="3915630" cy="868892"/>
+            <a:chOff x="6249103" y="752197"/>
+            <a:chExt cx="3915630" cy="868892"/>
           </a:xfrm>
-          <a:prstGeom prst="rect">
-            <a:avLst/>
-          </a:prstGeom>
-        </p:spPr>
-      </p:pic>
+        </p:grpSpPr>
+        <p:grpSp>
+          <p:nvGrpSpPr>
+            <p:cNvPr id="13" name="Group 12">
+              <a:extLst>
+                <a:ext uri="{FF2B5EF4-FFF2-40B4-BE49-F238E27FC236}">
+                  <a16:creationId xmlns:a16="http://schemas.microsoft.com/office/drawing/2014/main" id="{77099C58-EDEE-4D74-8728-976B8CFE8FBA}"/>
+                </a:ext>
+              </a:extLst>
+            </p:cNvPr>
+            <p:cNvGrpSpPr/>
+            <p:nvPr/>
+          </p:nvGrpSpPr>
+          <p:grpSpPr>
+            <a:xfrm>
+              <a:off x="6249103" y="1296000"/>
+              <a:ext cx="3915630" cy="325089"/>
+              <a:chOff x="5551597" y="737839"/>
+              <a:chExt cx="3915630" cy="325089"/>
+            </a:xfrm>
+          </p:grpSpPr>
+          <p:sp>
+            <p:nvSpPr>
+              <p:cNvPr id="11" name="Multiplication Sign 10">
+                <a:extLst>
+                  <a:ext uri="{FF2B5EF4-FFF2-40B4-BE49-F238E27FC236}">
+                    <a16:creationId xmlns:a16="http://schemas.microsoft.com/office/drawing/2014/main" id="{28430823-F0EA-4D87-AB0B-ABF06AF291A7}"/>
+                  </a:ext>
+                </a:extLst>
+              </p:cNvPr>
+              <p:cNvSpPr/>
+              <p:nvPr/>
+            </p:nvSpPr>
+            <p:spPr>
+              <a:xfrm>
+                <a:off x="5551597" y="774383"/>
+                <a:ext cx="252000" cy="252000"/>
+              </a:xfrm>
+              <a:prstGeom prst="mathMultiply">
+                <a:avLst>
+                  <a:gd name="adj1" fmla="val 8783"/>
+                </a:avLst>
+              </a:prstGeom>
+              <a:solidFill>
+                <a:srgbClr val="FE0002"/>
+              </a:solidFill>
+              <a:ln>
+                <a:noFill/>
+              </a:ln>
+            </p:spPr>
+            <p:style>
+              <a:lnRef idx="2">
+                <a:schemeClr val="accent2">
+                  <a:shade val="50000"/>
+                </a:schemeClr>
+              </a:lnRef>
+              <a:fillRef idx="1">
+                <a:schemeClr val="accent2"/>
+              </a:fillRef>
+              <a:effectRef idx="0">
+                <a:schemeClr val="accent2"/>
+              </a:effectRef>
+              <a:fontRef idx="minor">
+                <a:schemeClr val="lt1"/>
+              </a:fontRef>
+            </p:style>
+            <p:txBody>
+              <a:bodyPr rtlCol="0" anchor="ctr"/>
+              <a:lstStyle/>
+              <a:p>
+                <a:pPr algn="ctr"/>
+                <a:endParaRPr lang="en-US"/>
+              </a:p>
+            </p:txBody>
+          </p:sp>
+          <p:sp>
+            <p:nvSpPr>
+              <p:cNvPr id="12" name="TextBox 11">
+                <a:extLst>
+                  <a:ext uri="{FF2B5EF4-FFF2-40B4-BE49-F238E27FC236}">
+                    <a16:creationId xmlns:a16="http://schemas.microsoft.com/office/drawing/2014/main" id="{8B3F1B98-6EE4-4134-BB7C-8535D84333EF}"/>
+                  </a:ext>
+                </a:extLst>
+              </p:cNvPr>
+              <p:cNvSpPr txBox="1"/>
+              <p:nvPr/>
+            </p:nvSpPr>
+            <p:spPr>
+              <a:xfrm>
+                <a:off x="5754881" y="737839"/>
+                <a:ext cx="3712346" cy="325089"/>
+              </a:xfrm>
+              <a:prstGeom prst="rect">
+                <a:avLst/>
+              </a:prstGeom>
+              <a:noFill/>
+              <a:ln>
+                <a:noFill/>
+              </a:ln>
+            </p:spPr>
+            <p:txBody>
+              <a:bodyPr wrap="square" rtlCol="0">
+                <a:spAutoFit/>
+              </a:bodyPr>
+              <a:lstStyle/>
+              <a:p>
+                <a:pPr>
+                  <a:lnSpc>
+                    <a:spcPct val="150000"/>
+                  </a:lnSpc>
+                </a:pPr>
+                <a:r>
+                  <a:rPr lang="en-US" sz="1100" dirty="0">
+                    <a:solidFill>
+                      <a:schemeClr val="tx1">
+                        <a:lumMod val="85000"/>
+                        <a:lumOff val="15000"/>
+                      </a:schemeClr>
+                    </a:solidFill>
+                    <a:latin typeface="IRANSans Light" panose="020B0506030804020204" pitchFamily="34" charset="-78"/>
+                    <a:cs typeface="IRANSans Light" panose="020B0506030804020204" pitchFamily="34" charset="-78"/>
+                  </a:rPr>
+                  <a:t>Do not change the typography.</a:t>
+                </a:r>
+              </a:p>
+            </p:txBody>
+          </p:sp>
+        </p:grpSp>
+        <p:grpSp>
+          <p:nvGrpSpPr>
+            <p:cNvPr id="16" name="Group 15">
+              <a:extLst>
+                <a:ext uri="{FF2B5EF4-FFF2-40B4-BE49-F238E27FC236}">
+                  <a16:creationId xmlns:a16="http://schemas.microsoft.com/office/drawing/2014/main" id="{A7BDE3F3-2E6A-4F1E-97C5-ECA50E5C8E16}"/>
+                </a:ext>
+              </a:extLst>
+            </p:cNvPr>
+            <p:cNvGrpSpPr/>
+            <p:nvPr/>
+          </p:nvGrpSpPr>
+          <p:grpSpPr>
+            <a:xfrm>
+              <a:off x="6249103" y="752197"/>
+              <a:ext cx="1914957" cy="540000"/>
+              <a:chOff x="8868064" y="1296000"/>
+              <a:chExt cx="1914957" cy="540000"/>
+            </a:xfrm>
+          </p:grpSpPr>
+          <p:pic>
+            <p:nvPicPr>
+              <p:cNvPr id="14" name="Graphic 13">
+                <a:extLst>
+                  <a:ext uri="{FF2B5EF4-FFF2-40B4-BE49-F238E27FC236}">
+                    <a16:creationId xmlns:a16="http://schemas.microsoft.com/office/drawing/2014/main" id="{F421EF8B-342B-48EF-8D98-1BDE36448099}"/>
+                  </a:ext>
+                </a:extLst>
+              </p:cNvPr>
+              <p:cNvPicPr>
+                <a:picLocks noChangeAspect="1"/>
+              </p:cNvPicPr>
+              <p:nvPr/>
+            </p:nvPicPr>
+            <p:blipFill>
+              <a:blip r:embed="rId2" cstate="print">
+                <a:extLst>
+                  <a:ext uri="{28A0092B-C50C-407E-A947-70E740481C1C}">
+                    <a14:useLocalDpi xmlns:a14="http://schemas.microsoft.com/office/drawing/2010/main" val="0"/>
+                  </a:ext>
+                  <a:ext uri="{96DAC541-7B7A-43D3-8B79-37D633B846F1}">
+                    <asvg:svgBlip xmlns:asvg="http://schemas.microsoft.com/office/drawing/2016/SVG/main" r:embed="rId3"/>
+                  </a:ext>
+                </a:extLst>
+              </a:blip>
+              <a:stretch>
+                <a:fillRect/>
+              </a:stretch>
+            </p:blipFill>
+            <p:spPr>
+              <a:xfrm>
+                <a:off x="8868064" y="1296000"/>
+                <a:ext cx="540000" cy="540000"/>
+              </a:xfrm>
+              <a:prstGeom prst="rect">
+                <a:avLst/>
+              </a:prstGeom>
+            </p:spPr>
+          </p:pic>
+          <p:sp>
+            <p:nvSpPr>
+              <p:cNvPr id="15" name="TextBox 14">
+                <a:extLst>
+                  <a:ext uri="{FF2B5EF4-FFF2-40B4-BE49-F238E27FC236}">
+                    <a16:creationId xmlns:a16="http://schemas.microsoft.com/office/drawing/2014/main" id="{17447808-2E7E-4C32-81D8-6184FB4AD034}"/>
+                  </a:ext>
+                </a:extLst>
+              </p:cNvPr>
+              <p:cNvSpPr txBox="1"/>
+              <p:nvPr/>
+            </p:nvSpPr>
+            <p:spPr>
+              <a:xfrm>
+                <a:off x="9351036" y="1381334"/>
+                <a:ext cx="1431985" cy="369332"/>
+              </a:xfrm>
+              <a:prstGeom prst="rect">
+                <a:avLst/>
+              </a:prstGeom>
+              <a:noFill/>
+            </p:spPr>
+            <p:txBody>
+              <a:bodyPr wrap="square" rtlCol="0">
+                <a:spAutoFit/>
+              </a:bodyPr>
+              <a:lstStyle/>
+              <a:p>
+                <a:r>
+                  <a:rPr lang="en-US" dirty="0">
+                    <a:latin typeface="Tahoma" panose="020B0604030504040204" pitchFamily="34" charset="0"/>
+                    <a:ea typeface="Tahoma" panose="020B0604030504040204" pitchFamily="34" charset="0"/>
+                    <a:cs typeface="Tahoma" panose="020B0604030504040204" pitchFamily="34" charset="0"/>
+                  </a:rPr>
+                  <a:t>Jibres</a:t>
+                </a:r>
+              </a:p>
+            </p:txBody>
+          </p:sp>
+        </p:grpSp>
+      </p:grpSp>
+      <p:grpSp>
+        <p:nvGrpSpPr>
+          <p:cNvPr id="37" name="Group 36">
+            <a:extLst>
+              <a:ext uri="{FF2B5EF4-FFF2-40B4-BE49-F238E27FC236}">
+                <a16:creationId xmlns:a16="http://schemas.microsoft.com/office/drawing/2014/main" id="{F0225AFC-26E1-4AB5-9784-3D2DFA826547}"/>
+              </a:ext>
+            </a:extLst>
+          </p:cNvPr>
+          <p:cNvGrpSpPr/>
+          <p:nvPr/>
+        </p:nvGrpSpPr>
+        <p:grpSpPr>
+          <a:xfrm>
+            <a:off x="6231851" y="2236383"/>
+            <a:ext cx="3915630" cy="886155"/>
+            <a:chOff x="6249103" y="1876486"/>
+            <a:chExt cx="3915630" cy="886155"/>
+          </a:xfrm>
+        </p:grpSpPr>
+        <p:pic>
+          <p:nvPicPr>
+            <p:cNvPr id="19" name="Picture 18">
+              <a:extLst>
+                <a:ext uri="{FF2B5EF4-FFF2-40B4-BE49-F238E27FC236}">
+                  <a16:creationId xmlns:a16="http://schemas.microsoft.com/office/drawing/2014/main" id="{44BD5A25-FC53-4968-9E7F-9387C15E9E5D}"/>
+                </a:ext>
+              </a:extLst>
+            </p:cNvPr>
+            <p:cNvPicPr>
+              <a:picLocks noChangeAspect="1"/>
+            </p:cNvPicPr>
+            <p:nvPr/>
+          </p:nvPicPr>
+          <p:blipFill>
+            <a:blip r:embed="rId4" cstate="print">
+              <a:duotone>
+                <a:schemeClr val="accent6">
+                  <a:shade val="45000"/>
+                  <a:satMod val="135000"/>
+                </a:schemeClr>
+                <a:prstClr val="white"/>
+              </a:duotone>
+              <a:extLst>
+                <a:ext uri="{28A0092B-C50C-407E-A947-70E740481C1C}">
+                  <a14:useLocalDpi xmlns:a14="http://schemas.microsoft.com/office/drawing/2010/main" val="0"/>
+                </a:ext>
+              </a:extLst>
+            </a:blip>
+            <a:srcRect/>
+            <a:stretch/>
+          </p:blipFill>
+          <p:spPr>
+            <a:xfrm>
+              <a:off x="6249103" y="1876486"/>
+              <a:ext cx="1720015" cy="584536"/>
+            </a:xfrm>
+            <a:prstGeom prst="rect">
+              <a:avLst/>
+            </a:prstGeom>
+          </p:spPr>
+        </p:pic>
+        <p:grpSp>
+          <p:nvGrpSpPr>
+            <p:cNvPr id="20" name="Group 19">
+              <a:extLst>
+                <a:ext uri="{FF2B5EF4-FFF2-40B4-BE49-F238E27FC236}">
+                  <a16:creationId xmlns:a16="http://schemas.microsoft.com/office/drawing/2014/main" id="{4D6F5B78-FCD4-4F66-A67B-0D693DDA6F86}"/>
+                </a:ext>
+              </a:extLst>
+            </p:cNvPr>
+            <p:cNvGrpSpPr/>
+            <p:nvPr/>
+          </p:nvGrpSpPr>
+          <p:grpSpPr>
+            <a:xfrm>
+              <a:off x="6249103" y="2437552"/>
+              <a:ext cx="3915630" cy="325089"/>
+              <a:chOff x="5551597" y="737839"/>
+              <a:chExt cx="3915630" cy="325089"/>
+            </a:xfrm>
+          </p:grpSpPr>
+          <p:sp>
+            <p:nvSpPr>
+              <p:cNvPr id="21" name="Multiplication Sign 20">
+                <a:extLst>
+                  <a:ext uri="{FF2B5EF4-FFF2-40B4-BE49-F238E27FC236}">
+                    <a16:creationId xmlns:a16="http://schemas.microsoft.com/office/drawing/2014/main" id="{390C8721-E2B7-46D2-BF6A-051C1CDB85C5}"/>
+                  </a:ext>
+                </a:extLst>
+              </p:cNvPr>
+              <p:cNvSpPr/>
+              <p:nvPr/>
+            </p:nvSpPr>
+            <p:spPr>
+              <a:xfrm>
+                <a:off x="5551597" y="774383"/>
+                <a:ext cx="252000" cy="252000"/>
+              </a:xfrm>
+              <a:prstGeom prst="mathMultiply">
+                <a:avLst>
+                  <a:gd name="adj1" fmla="val 8783"/>
+                </a:avLst>
+              </a:prstGeom>
+              <a:solidFill>
+                <a:srgbClr val="FE0002"/>
+              </a:solidFill>
+              <a:ln>
+                <a:noFill/>
+              </a:ln>
+            </p:spPr>
+            <p:style>
+              <a:lnRef idx="2">
+                <a:schemeClr val="accent2">
+                  <a:shade val="50000"/>
+                </a:schemeClr>
+              </a:lnRef>
+              <a:fillRef idx="1">
+                <a:schemeClr val="accent2"/>
+              </a:fillRef>
+              <a:effectRef idx="0">
+                <a:schemeClr val="accent2"/>
+              </a:effectRef>
+              <a:fontRef idx="minor">
+                <a:schemeClr val="lt1"/>
+              </a:fontRef>
+            </p:style>
+            <p:txBody>
+              <a:bodyPr rtlCol="0" anchor="ctr"/>
+              <a:lstStyle/>
+              <a:p>
+                <a:pPr algn="ctr"/>
+                <a:endParaRPr lang="en-US"/>
+              </a:p>
+            </p:txBody>
+          </p:sp>
+          <p:sp>
+            <p:nvSpPr>
+              <p:cNvPr id="22" name="TextBox 21">
+                <a:extLst>
+                  <a:ext uri="{FF2B5EF4-FFF2-40B4-BE49-F238E27FC236}">
+                    <a16:creationId xmlns:a16="http://schemas.microsoft.com/office/drawing/2014/main" id="{558E6F76-C78F-4A45-BA0D-E66D1C77EB43}"/>
+                  </a:ext>
+                </a:extLst>
+              </p:cNvPr>
+              <p:cNvSpPr txBox="1"/>
+              <p:nvPr/>
+            </p:nvSpPr>
+            <p:spPr>
+              <a:xfrm>
+                <a:off x="5754881" y="737839"/>
+                <a:ext cx="3712346" cy="325089"/>
+              </a:xfrm>
+              <a:prstGeom prst="rect">
+                <a:avLst/>
+              </a:prstGeom>
+              <a:noFill/>
+              <a:ln>
+                <a:noFill/>
+              </a:ln>
+            </p:spPr>
+            <p:txBody>
+              <a:bodyPr wrap="square" rtlCol="0">
+                <a:spAutoFit/>
+              </a:bodyPr>
+              <a:lstStyle/>
+              <a:p>
+                <a:pPr>
+                  <a:lnSpc>
+                    <a:spcPct val="150000"/>
+                  </a:lnSpc>
+                </a:pPr>
+                <a:r>
+                  <a:rPr lang="en-US" sz="1100" dirty="0">
+                    <a:solidFill>
+                      <a:schemeClr val="tx1">
+                        <a:lumMod val="85000"/>
+                        <a:lumOff val="15000"/>
+                      </a:schemeClr>
+                    </a:solidFill>
+                    <a:latin typeface="IRANSans Light" panose="020B0506030804020204" pitchFamily="34" charset="-78"/>
+                    <a:cs typeface="IRANSans Light" panose="020B0506030804020204" pitchFamily="34" charset="-78"/>
+                  </a:rPr>
+                  <a:t>Do not change the color.</a:t>
+                </a:r>
+              </a:p>
+            </p:txBody>
+          </p:sp>
+        </p:grpSp>
+      </p:grpSp>
+      <p:grpSp>
+        <p:nvGrpSpPr>
+          <p:cNvPr id="36" name="Group 35">
+            <a:extLst>
+              <a:ext uri="{FF2B5EF4-FFF2-40B4-BE49-F238E27FC236}">
+                <a16:creationId xmlns:a16="http://schemas.microsoft.com/office/drawing/2014/main" id="{3359BF8B-E66F-46C2-94BC-B745A3E24933}"/>
+              </a:ext>
+            </a:extLst>
+          </p:cNvPr>
+          <p:cNvGrpSpPr/>
+          <p:nvPr/>
+        </p:nvGrpSpPr>
+        <p:grpSpPr>
+          <a:xfrm>
+            <a:off x="6231851" y="3435910"/>
+            <a:ext cx="3915630" cy="886155"/>
+            <a:chOff x="6249103" y="3020887"/>
+            <a:chExt cx="3915630" cy="886155"/>
+          </a:xfrm>
+        </p:grpSpPr>
+        <p:pic>
+          <p:nvPicPr>
+            <p:cNvPr id="23" name="Picture 22">
+              <a:extLst>
+                <a:ext uri="{FF2B5EF4-FFF2-40B4-BE49-F238E27FC236}">
+                  <a16:creationId xmlns:a16="http://schemas.microsoft.com/office/drawing/2014/main" id="{A14C16C8-EB35-40C9-A9AC-82E5D4A49D67}"/>
+                </a:ext>
+              </a:extLst>
+            </p:cNvPr>
+            <p:cNvPicPr>
+              <a:picLocks noChangeAspect="1"/>
+            </p:cNvPicPr>
+            <p:nvPr/>
+          </p:nvPicPr>
+          <p:blipFill>
+            <a:blip r:embed="rId5" cstate="print">
+              <a:duotone>
+                <a:schemeClr val="accent5">
+                  <a:shade val="45000"/>
+                  <a:satMod val="135000"/>
+                </a:schemeClr>
+                <a:prstClr val="white"/>
+              </a:duotone>
+              <a:extLst>
+                <a:ext uri="{BEBA8EAE-BF5A-486C-A8C5-ECC9F3942E4B}">
+                  <a14:imgProps xmlns:a14="http://schemas.microsoft.com/office/drawing/2010/main">
+                    <a14:imgLayer r:embed="rId6">
+                      <a14:imgEffect>
+                        <a14:artisticGlowEdges/>
+                      </a14:imgEffect>
+                    </a14:imgLayer>
+                  </a14:imgProps>
+                </a:ext>
+                <a:ext uri="{28A0092B-C50C-407E-A947-70E740481C1C}">
+                  <a14:useLocalDpi xmlns:a14="http://schemas.microsoft.com/office/drawing/2010/main" val="0"/>
+                </a:ext>
+              </a:extLst>
+            </a:blip>
+            <a:srcRect/>
+            <a:stretch/>
+          </p:blipFill>
+          <p:spPr>
+            <a:xfrm>
+              <a:off x="6249103" y="3020887"/>
+              <a:ext cx="1720015" cy="584536"/>
+            </a:xfrm>
+            <a:prstGeom prst="rect">
+              <a:avLst/>
+            </a:prstGeom>
+            <a:effectLst>
+              <a:glow rad="63500">
+                <a:schemeClr val="accent4">
+                  <a:satMod val="175000"/>
+                  <a:alpha val="40000"/>
+                </a:schemeClr>
+              </a:glow>
+              <a:outerShdw blurRad="50800" dist="38100" dir="18900000" algn="bl" rotWithShape="0">
+                <a:prstClr val="black">
+                  <a:alpha val="40000"/>
+                </a:prstClr>
+              </a:outerShdw>
+            </a:effectLst>
+          </p:spPr>
+        </p:pic>
+        <p:grpSp>
+          <p:nvGrpSpPr>
+            <p:cNvPr id="24" name="Group 23">
+              <a:extLst>
+                <a:ext uri="{FF2B5EF4-FFF2-40B4-BE49-F238E27FC236}">
+                  <a16:creationId xmlns:a16="http://schemas.microsoft.com/office/drawing/2014/main" id="{B2FE3DA9-1706-4BCB-A038-494F1F179C1A}"/>
+                </a:ext>
+              </a:extLst>
+            </p:cNvPr>
+            <p:cNvGrpSpPr/>
+            <p:nvPr/>
+          </p:nvGrpSpPr>
+          <p:grpSpPr>
+            <a:xfrm>
+              <a:off x="6249103" y="3581953"/>
+              <a:ext cx="3915630" cy="325089"/>
+              <a:chOff x="5551597" y="737839"/>
+              <a:chExt cx="3915630" cy="325089"/>
+            </a:xfrm>
+          </p:grpSpPr>
+          <p:sp>
+            <p:nvSpPr>
+              <p:cNvPr id="25" name="Multiplication Sign 24">
+                <a:extLst>
+                  <a:ext uri="{FF2B5EF4-FFF2-40B4-BE49-F238E27FC236}">
+                    <a16:creationId xmlns:a16="http://schemas.microsoft.com/office/drawing/2014/main" id="{9F4593EB-5CF8-4B76-A3B7-8107F24F0038}"/>
+                  </a:ext>
+                </a:extLst>
+              </p:cNvPr>
+              <p:cNvSpPr/>
+              <p:nvPr/>
+            </p:nvSpPr>
+            <p:spPr>
+              <a:xfrm>
+                <a:off x="5551597" y="774383"/>
+                <a:ext cx="252000" cy="252000"/>
+              </a:xfrm>
+              <a:prstGeom prst="mathMultiply">
+                <a:avLst>
+                  <a:gd name="adj1" fmla="val 8783"/>
+                </a:avLst>
+              </a:prstGeom>
+              <a:solidFill>
+                <a:srgbClr val="FE0002"/>
+              </a:solidFill>
+              <a:ln>
+                <a:noFill/>
+              </a:ln>
+            </p:spPr>
+            <p:style>
+              <a:lnRef idx="2">
+                <a:schemeClr val="accent2">
+                  <a:shade val="50000"/>
+                </a:schemeClr>
+              </a:lnRef>
+              <a:fillRef idx="1">
+                <a:schemeClr val="accent2"/>
+              </a:fillRef>
+              <a:effectRef idx="0">
+                <a:schemeClr val="accent2"/>
+              </a:effectRef>
+              <a:fontRef idx="minor">
+                <a:schemeClr val="lt1"/>
+              </a:fontRef>
+            </p:style>
+            <p:txBody>
+              <a:bodyPr rtlCol="0" anchor="ctr"/>
+              <a:lstStyle/>
+              <a:p>
+                <a:pPr algn="ctr"/>
+                <a:endParaRPr lang="en-US"/>
+              </a:p>
+            </p:txBody>
+          </p:sp>
+          <p:sp>
+            <p:nvSpPr>
+              <p:cNvPr id="26" name="TextBox 25">
+                <a:extLst>
+                  <a:ext uri="{FF2B5EF4-FFF2-40B4-BE49-F238E27FC236}">
+                    <a16:creationId xmlns:a16="http://schemas.microsoft.com/office/drawing/2014/main" id="{0F97E2AF-48B2-48D1-A560-7364DEF231F1}"/>
+                  </a:ext>
+                </a:extLst>
+              </p:cNvPr>
+              <p:cNvSpPr txBox="1"/>
+              <p:nvPr/>
+            </p:nvSpPr>
+            <p:spPr>
+              <a:xfrm>
+                <a:off x="5754881" y="737839"/>
+                <a:ext cx="3712346" cy="325089"/>
+              </a:xfrm>
+              <a:prstGeom prst="rect">
+                <a:avLst/>
+              </a:prstGeom>
+              <a:noFill/>
+              <a:ln>
+                <a:noFill/>
+              </a:ln>
+            </p:spPr>
+            <p:txBody>
+              <a:bodyPr wrap="square" rtlCol="0">
+                <a:spAutoFit/>
+              </a:bodyPr>
+              <a:lstStyle/>
+              <a:p>
+                <a:pPr>
+                  <a:lnSpc>
+                    <a:spcPct val="150000"/>
+                  </a:lnSpc>
+                </a:pPr>
+                <a:r>
+                  <a:rPr lang="en-US" sz="1100" dirty="0">
+                    <a:solidFill>
+                      <a:schemeClr val="tx1">
+                        <a:lumMod val="85000"/>
+                        <a:lumOff val="15000"/>
+                      </a:schemeClr>
+                    </a:solidFill>
+                    <a:latin typeface="IRANSans Light" panose="020B0506030804020204" pitchFamily="34" charset="-78"/>
+                    <a:cs typeface="IRANSans Light" panose="020B0506030804020204" pitchFamily="34" charset="-78"/>
+                  </a:rPr>
+                  <a:t>Do not add gradients, strokes or any other effects.</a:t>
+                </a:r>
+              </a:p>
+            </p:txBody>
+          </p:sp>
+        </p:grpSp>
+      </p:grpSp>
+      <p:grpSp>
+        <p:nvGrpSpPr>
+          <p:cNvPr id="35" name="Group 34">
+            <a:extLst>
+              <a:ext uri="{FF2B5EF4-FFF2-40B4-BE49-F238E27FC236}">
+                <a16:creationId xmlns:a16="http://schemas.microsoft.com/office/drawing/2014/main" id="{44A43C2F-97DC-4CF6-8EC0-D77EA51F1680}"/>
+              </a:ext>
+            </a:extLst>
+          </p:cNvPr>
+          <p:cNvGrpSpPr/>
+          <p:nvPr/>
+        </p:nvGrpSpPr>
+        <p:grpSpPr>
+          <a:xfrm>
+            <a:off x="6231851" y="4635436"/>
+            <a:ext cx="3915630" cy="886155"/>
+            <a:chOff x="6249103" y="4333514"/>
+            <a:chExt cx="3915630" cy="886155"/>
+          </a:xfrm>
+        </p:grpSpPr>
+        <p:pic>
+          <p:nvPicPr>
+            <p:cNvPr id="31" name="Picture 30">
+              <a:extLst>
+                <a:ext uri="{FF2B5EF4-FFF2-40B4-BE49-F238E27FC236}">
+                  <a16:creationId xmlns:a16="http://schemas.microsoft.com/office/drawing/2014/main" id="{C0FDF4B1-2049-41AD-841C-271BD9DF7EA5}"/>
+                </a:ext>
+              </a:extLst>
+            </p:cNvPr>
+            <p:cNvPicPr>
+              <a:picLocks noChangeAspect="1"/>
+            </p:cNvPicPr>
+            <p:nvPr/>
+          </p:nvPicPr>
+          <p:blipFill>
+            <a:blip r:embed="rId4" cstate="print">
+              <a:extLst>
+                <a:ext uri="{28A0092B-C50C-407E-A947-70E740481C1C}">
+                  <a14:useLocalDpi xmlns:a14="http://schemas.microsoft.com/office/drawing/2010/main" val="0"/>
+                </a:ext>
+              </a:extLst>
+            </a:blip>
+            <a:srcRect/>
+            <a:stretch/>
+          </p:blipFill>
+          <p:spPr>
+            <a:xfrm>
+              <a:off x="6249103" y="4333514"/>
+              <a:ext cx="3170942" cy="584536"/>
+            </a:xfrm>
+            <a:prstGeom prst="rect">
+              <a:avLst/>
+            </a:prstGeom>
+          </p:spPr>
+        </p:pic>
+        <p:grpSp>
+          <p:nvGrpSpPr>
+            <p:cNvPr id="32" name="Group 31">
+              <a:extLst>
+                <a:ext uri="{FF2B5EF4-FFF2-40B4-BE49-F238E27FC236}">
+                  <a16:creationId xmlns:a16="http://schemas.microsoft.com/office/drawing/2014/main" id="{78E50F7C-0A8D-4344-8588-0AD199156845}"/>
+                </a:ext>
+              </a:extLst>
+            </p:cNvPr>
+            <p:cNvGrpSpPr/>
+            <p:nvPr/>
+          </p:nvGrpSpPr>
+          <p:grpSpPr>
+            <a:xfrm>
+              <a:off x="6249103" y="4894580"/>
+              <a:ext cx="3915630" cy="325089"/>
+              <a:chOff x="5551597" y="737839"/>
+              <a:chExt cx="3915630" cy="325089"/>
+            </a:xfrm>
+          </p:grpSpPr>
+          <p:sp>
+            <p:nvSpPr>
+              <p:cNvPr id="33" name="Multiplication Sign 32">
+                <a:extLst>
+                  <a:ext uri="{FF2B5EF4-FFF2-40B4-BE49-F238E27FC236}">
+                    <a16:creationId xmlns:a16="http://schemas.microsoft.com/office/drawing/2014/main" id="{2C08A9FE-6764-4D7C-A67D-B6F244968C98}"/>
+                  </a:ext>
+                </a:extLst>
+              </p:cNvPr>
+              <p:cNvSpPr/>
+              <p:nvPr/>
+            </p:nvSpPr>
+            <p:spPr>
+              <a:xfrm>
+                <a:off x="5551597" y="774383"/>
+                <a:ext cx="252000" cy="252000"/>
+              </a:xfrm>
+              <a:prstGeom prst="mathMultiply">
+                <a:avLst>
+                  <a:gd name="adj1" fmla="val 8783"/>
+                </a:avLst>
+              </a:prstGeom>
+              <a:solidFill>
+                <a:srgbClr val="FE0002"/>
+              </a:solidFill>
+              <a:ln>
+                <a:noFill/>
+              </a:ln>
+            </p:spPr>
+            <p:style>
+              <a:lnRef idx="2">
+                <a:schemeClr val="accent2">
+                  <a:shade val="50000"/>
+                </a:schemeClr>
+              </a:lnRef>
+              <a:fillRef idx="1">
+                <a:schemeClr val="accent2"/>
+              </a:fillRef>
+              <a:effectRef idx="0">
+                <a:schemeClr val="accent2"/>
+              </a:effectRef>
+              <a:fontRef idx="minor">
+                <a:schemeClr val="lt1"/>
+              </a:fontRef>
+            </p:style>
+            <p:txBody>
+              <a:bodyPr rtlCol="0" anchor="ctr"/>
+              <a:lstStyle/>
+              <a:p>
+                <a:pPr algn="ctr"/>
+                <a:endParaRPr lang="en-US"/>
+              </a:p>
+            </p:txBody>
+          </p:sp>
+          <p:sp>
+            <p:nvSpPr>
+              <p:cNvPr id="34" name="TextBox 33">
+                <a:extLst>
+                  <a:ext uri="{FF2B5EF4-FFF2-40B4-BE49-F238E27FC236}">
+                    <a16:creationId xmlns:a16="http://schemas.microsoft.com/office/drawing/2014/main" id="{A354E75B-A101-462C-BF31-42078C395866}"/>
+                  </a:ext>
+                </a:extLst>
+              </p:cNvPr>
+              <p:cNvSpPr txBox="1"/>
+              <p:nvPr/>
+            </p:nvSpPr>
+            <p:spPr>
+              <a:xfrm>
+                <a:off x="5754881" y="737839"/>
+                <a:ext cx="3712346" cy="325089"/>
+              </a:xfrm>
+              <a:prstGeom prst="rect">
+                <a:avLst/>
+              </a:prstGeom>
+              <a:noFill/>
+              <a:ln>
+                <a:noFill/>
+              </a:ln>
+            </p:spPr>
+            <p:txBody>
+              <a:bodyPr wrap="square" rtlCol="0">
+                <a:spAutoFit/>
+              </a:bodyPr>
+              <a:lstStyle/>
+              <a:p>
+                <a:pPr>
+                  <a:lnSpc>
+                    <a:spcPct val="150000"/>
+                  </a:lnSpc>
+                </a:pPr>
+                <a:r>
+                  <a:rPr lang="en-US" sz="1100" dirty="0">
+                    <a:solidFill>
+                      <a:schemeClr val="tx1">
+                        <a:lumMod val="85000"/>
+                        <a:lumOff val="15000"/>
+                      </a:schemeClr>
+                    </a:solidFill>
+                    <a:latin typeface="IRANSans Light" panose="020B0506030804020204" pitchFamily="34" charset="-78"/>
+                    <a:cs typeface="IRANSans Light" panose="020B0506030804020204" pitchFamily="34" charset="-78"/>
+                  </a:rPr>
+                  <a:t>Do not stretch the logo!</a:t>
+                </a:r>
+              </a:p>
+            </p:txBody>
+          </p:sp>
+        </p:grpSp>
+      </p:grpSp>
     </p:spTree>
     <p:extLst>
       <p:ext uri="{BB962C8B-B14F-4D97-AF65-F5344CB8AC3E}">

--- a/styleguide/Jibres-brand-styleguide.pptx
+++ b/styleguide/Jibres-brand-styleguide.pptx
@@ -6315,6 +6315,58 @@
           <a:chExt cx="0" cy="0"/>
         </a:xfrm>
       </p:grpSpPr>
+      <p:sp>
+        <p:nvSpPr>
+          <p:cNvPr id="2" name="TextBox 1">
+            <a:extLst>
+              <a:ext uri="{FF2B5EF4-FFF2-40B4-BE49-F238E27FC236}">
+                <a16:creationId xmlns:a16="http://schemas.microsoft.com/office/drawing/2014/main" id="{1CB0B74F-3534-4C28-9963-447B1BE28E3C}"/>
+              </a:ext>
+            </a:extLst>
+          </p:cNvPr>
+          <p:cNvSpPr txBox="1"/>
+          <p:nvPr/>
+        </p:nvSpPr>
+        <p:spPr>
+          <a:xfrm>
+            <a:off x="10368953" y="5980142"/>
+            <a:ext cx="1314032" cy="325089"/>
+          </a:xfrm>
+          <a:prstGeom prst="rect">
+            <a:avLst/>
+          </a:prstGeom>
+          <a:noFill/>
+          <a:ln>
+            <a:noFill/>
+          </a:ln>
+        </p:spPr>
+        <p:txBody>
+          <a:bodyPr wrap="square" rtlCol="0">
+            <a:spAutoFit/>
+          </a:bodyPr>
+          <a:lstStyle/>
+          <a:p>
+            <a:pPr algn="r">
+              <a:lnSpc>
+                <a:spcPct val="150000"/>
+              </a:lnSpc>
+            </a:pPr>
+            <a:r>
+              <a:rPr lang="en-US" sz="1100" dirty="0">
+                <a:solidFill>
+                  <a:schemeClr val="tx1">
+                    <a:lumMod val="85000"/>
+                    <a:lumOff val="15000"/>
+                  </a:schemeClr>
+                </a:solidFill>
+                <a:latin typeface="IRANSans Light" panose="020B0506030804020204" pitchFamily="34" charset="-78"/>
+                <a:cs typeface="IRANSans Light" panose="020B0506030804020204" pitchFamily="34" charset="-78"/>
+              </a:rPr>
+              <a:t>v2</a:t>
+            </a:r>
+          </a:p>
+        </p:txBody>
+      </p:sp>
     </p:spTree>
     <p:extLst>
       <p:ext uri="{BB962C8B-B14F-4D97-AF65-F5344CB8AC3E}">
